--- a/Обработка приватных данных на публичных вычислительных сетях.pptx
+++ b/Обработка приватных данных на публичных вычислительных сетях.pptx
@@ -5978,7 +5978,7 @@
         <p:spPr/>
         <p:txBody>
           <a:bodyPr>
-            <a:normAutofit fontScale="92500" lnSpcReduction="20000"/>
+            <a:normAutofit fontScale="92500" lnSpcReduction="10000"/>
           </a:bodyPr>
           <a:lstStyle/>
           <a:p>
@@ -5992,11 +5992,7 @@
             </a:r>
             <a:r>
               <a:rPr lang="ru-RU" dirty="0" smtClean="0"/>
-              <a:t>олностью имитирующем вычисление на любом </a:t>
-            </a:r>
-            <a:r>
-              <a:rPr lang="ru-RU" dirty="0" smtClean="0"/>
-              <a:t>техническо</a:t>
+              <a:t>олностью имитирующем вычисление на любом техническо</a:t>
             </a:r>
             <a:r>
               <a:rPr lang="ru-RU" dirty="0"/>
@@ -6004,14 +6000,15 @@
             </a:r>
             <a:r>
               <a:rPr lang="ru-RU" dirty="0" smtClean="0"/>
-              <a:t> устройстве.</a:t>
-            </a:r>
-            <a:endParaRPr lang="ru-RU" dirty="0" smtClean="0"/>
-          </a:p>
-          <a:p>
+              <a:t> </a:t>
+            </a:r>
             <a:r>
               <a:rPr lang="ru-RU" dirty="0" smtClean="0"/>
-              <a:t>Модели таких абстрактных вычислителей были предложены Тьюрингом, Марковым и другими.</a:t>
+              <a:t>устройстве. Модели </a:t>
+            </a:r>
+            <a:r>
+              <a:rPr lang="ru-RU" dirty="0" smtClean="0"/>
+              <a:t>таких абстрактных вычислителей были предложены Тьюрингом, Марковым и другими.</a:t>
             </a:r>
           </a:p>
           <a:p>
@@ -6240,8 +6237,8 @@
           </a:p>
         </p:txBody>
       </p:sp>
-      <mc:AlternateContent xmlns:mc="http://schemas.openxmlformats.org/markup-compatibility/2006">
-        <mc:Choice xmlns:a14="http://schemas.microsoft.com/office/drawing/2010/main" Requires="a14">
+      <mc:AlternateContent xmlns:mc="http://schemas.openxmlformats.org/markup-compatibility/2006" xmlns:a14="http://schemas.microsoft.com/office/drawing/2010/main">
+        <mc:Choice Requires="a14">
           <p:sp>
             <p:nvSpPr>
               <p:cNvPr id="3" name="Объект 2"/>
@@ -6939,7 +6936,7 @@
             </p:txBody>
           </p:sp>
         </mc:Choice>
-        <mc:Fallback>
+        <mc:Fallback xmlns="">
           <p:sp>
             <p:nvSpPr>
               <p:cNvPr id="3" name="Объект 2"/>
@@ -7038,8 +7035,8 @@
           </a:p>
         </p:txBody>
       </p:sp>
-      <mc:AlternateContent xmlns:mc="http://schemas.openxmlformats.org/markup-compatibility/2006">
-        <mc:Choice xmlns:a14="http://schemas.microsoft.com/office/drawing/2010/main" Requires="a14">
+      <mc:AlternateContent xmlns:mc="http://schemas.openxmlformats.org/markup-compatibility/2006" xmlns:a14="http://schemas.microsoft.com/office/drawing/2010/main">
+        <mc:Choice Requires="a14">
           <p:sp>
             <p:nvSpPr>
               <p:cNvPr id="3" name="Объект 2"/>
@@ -7719,11 +7716,7 @@
                 </a:r>
                 <a:r>
                   <a:rPr lang="ru-RU" sz="1800" dirty="0" smtClean="0"/>
-                  <a:t>полученных из теорий криптографии и восстановления искажённых данных позволит обеспечить защиту приватных данных переданных на внешний вычислитель или полученных от внешнего вычислителя, а также детектировать факты искажения результатов обработки данных на внешнем вычислителе</a:t>
-                </a:r>
-                <a:r>
-                  <a:rPr lang="ru-RU" sz="1800" dirty="0" smtClean="0"/>
-                  <a:t>.</a:t>
+                  <a:t>полученных из теорий криптографии и восстановления искажённых данных позволит обеспечить защиту приватных данных переданных на внешний вычислитель или полученных от внешнего вычислителя, а также детектировать факты искажения результатов обработки данных на внешнем вычислителе.</a:t>
                 </a:r>
                 <a:endParaRPr lang="ru-RU" dirty="0"/>
               </a:p>
@@ -7733,7 +7726,7 @@
             </p:txBody>
           </p:sp>
         </mc:Choice>
-        <mc:Fallback>
+        <mc:Fallback xmlns="">
           <p:sp>
             <p:nvSpPr>
               <p:cNvPr id="3" name="Объект 2"/>
@@ -13757,8 +13750,8 @@
           </a:p>
         </p:txBody>
       </p:sp>
-      <mc:AlternateContent xmlns:mc="http://schemas.openxmlformats.org/markup-compatibility/2006">
-        <mc:Choice xmlns:a14="http://schemas.microsoft.com/office/drawing/2010/main" Requires="a14">
+      <mc:AlternateContent xmlns:mc="http://schemas.openxmlformats.org/markup-compatibility/2006" xmlns:a14="http://schemas.microsoft.com/office/drawing/2010/main">
+        <mc:Choice Requires="a14">
           <p:sp>
             <p:nvSpPr>
               <p:cNvPr id="3" name="Объект 2"/>
@@ -15002,11 +14995,7 @@
                 </a14:m>
                 <a:r>
                   <a:rPr lang="ru-RU" dirty="0" smtClean="0"/>
-                  <a:t>, </a:t>
-                </a:r>
-                <a:r>
-                  <a:rPr lang="ru-RU" dirty="0" smtClean="0"/>
-                  <a:t>вычисляем на </a:t>
+                  <a:t>, вычисляем на </a:t>
                 </a:r>
                 <a:r>
                   <a:rPr lang="ru-RU" dirty="0"/>
@@ -15206,7 +15195,7 @@
             </p:txBody>
           </p:sp>
         </mc:Choice>
-        <mc:Fallback>
+        <mc:Fallback xmlns="">
           <p:sp>
             <p:nvSpPr>
               <p:cNvPr id="3" name="Объект 2"/>

--- a/Обработка приватных данных на публичных вычислительных сетях.pptx
+++ b/Обработка приватных данных на публичных вычислительных сетях.pptx
@@ -14,11 +14,12 @@
     <p:sldId id="266" r:id="rId8"/>
     <p:sldId id="269" r:id="rId9"/>
     <p:sldId id="262" r:id="rId10"/>
-    <p:sldId id="270" r:id="rId11"/>
-    <p:sldId id="271" r:id="rId12"/>
-    <p:sldId id="272" r:id="rId13"/>
-    <p:sldId id="273" r:id="rId14"/>
-    <p:sldId id="274" r:id="rId15"/>
+    <p:sldId id="275" r:id="rId11"/>
+    <p:sldId id="270" r:id="rId12"/>
+    <p:sldId id="271" r:id="rId13"/>
+    <p:sldId id="272" r:id="rId14"/>
+    <p:sldId id="273" r:id="rId15"/>
+    <p:sldId id="274" r:id="rId16"/>
   </p:sldIdLst>
   <p:sldSz cx="12192000" cy="6858000"/>
   <p:notesSz cx="6858000" cy="9144000"/>
@@ -882,7 +883,7 @@
           <a:p>
             <a:fld id="{BF4F164D-F25B-42F8-8B4F-2F75AD948E8F}" type="datetimeFigureOut">
               <a:rPr lang="ru-RU" smtClean="0"/>
-              <a:t>08.11.2015</a:t>
+              <a:t>01.01.2016</a:t>
             </a:fld>
             <a:endParaRPr lang="ru-RU"/>
           </a:p>
@@ -1133,7 +1134,7 @@
           <a:p>
             <a:fld id="{BF4F164D-F25B-42F8-8B4F-2F75AD948E8F}" type="datetimeFigureOut">
               <a:rPr lang="ru-RU" smtClean="0"/>
-              <a:t>08.11.2015</a:t>
+              <a:t>01.01.2016</a:t>
             </a:fld>
             <a:endParaRPr lang="ru-RU"/>
           </a:p>
@@ -1447,7 +1448,7 @@
           <a:p>
             <a:fld id="{BF4F164D-F25B-42F8-8B4F-2F75AD948E8F}" type="datetimeFigureOut">
               <a:rPr lang="ru-RU" smtClean="0"/>
-              <a:t>08.11.2015</a:t>
+              <a:t>01.01.2016</a:t>
             </a:fld>
             <a:endParaRPr lang="ru-RU"/>
           </a:p>
@@ -1780,7 +1781,7 @@
           <a:p>
             <a:fld id="{BF4F164D-F25B-42F8-8B4F-2F75AD948E8F}" type="datetimeFigureOut">
               <a:rPr lang="ru-RU" smtClean="0"/>
-              <a:t>08.11.2015</a:t>
+              <a:t>01.01.2016</a:t>
             </a:fld>
             <a:endParaRPr lang="ru-RU"/>
           </a:p>
@@ -2094,7 +2095,7 @@
           <a:p>
             <a:fld id="{BF4F164D-F25B-42F8-8B4F-2F75AD948E8F}" type="datetimeFigureOut">
               <a:rPr lang="ru-RU" smtClean="0"/>
-              <a:t>08.11.2015</a:t>
+              <a:t>01.01.2016</a:t>
             </a:fld>
             <a:endParaRPr lang="ru-RU"/>
           </a:p>
@@ -2487,7 +2488,7 @@
           <a:p>
             <a:fld id="{BF4F164D-F25B-42F8-8B4F-2F75AD948E8F}" type="datetimeFigureOut">
               <a:rPr lang="ru-RU" smtClean="0"/>
-              <a:t>08.11.2015</a:t>
+              <a:t>01.01.2016</a:t>
             </a:fld>
             <a:endParaRPr lang="ru-RU"/>
           </a:p>
@@ -2657,7 +2658,7 @@
           <a:p>
             <a:fld id="{BF4F164D-F25B-42F8-8B4F-2F75AD948E8F}" type="datetimeFigureOut">
               <a:rPr lang="ru-RU" smtClean="0"/>
-              <a:t>08.11.2015</a:t>
+              <a:t>01.01.2016</a:t>
             </a:fld>
             <a:endParaRPr lang="ru-RU"/>
           </a:p>
@@ -2837,7 +2838,7 @@
           <a:p>
             <a:fld id="{BF4F164D-F25B-42F8-8B4F-2F75AD948E8F}" type="datetimeFigureOut">
               <a:rPr lang="ru-RU" smtClean="0"/>
-              <a:t>08.11.2015</a:t>
+              <a:t>01.01.2016</a:t>
             </a:fld>
             <a:endParaRPr lang="ru-RU"/>
           </a:p>
@@ -3007,7 +3008,7 @@
           <a:p>
             <a:fld id="{BF4F164D-F25B-42F8-8B4F-2F75AD948E8F}" type="datetimeFigureOut">
               <a:rPr lang="ru-RU" smtClean="0"/>
-              <a:t>08.11.2015</a:t>
+              <a:t>01.01.2016</a:t>
             </a:fld>
             <a:endParaRPr lang="ru-RU"/>
           </a:p>
@@ -3254,7 +3255,7 @@
           <a:p>
             <a:fld id="{BF4F164D-F25B-42F8-8B4F-2F75AD948E8F}" type="datetimeFigureOut">
               <a:rPr lang="ru-RU" smtClean="0"/>
-              <a:t>08.11.2015</a:t>
+              <a:t>01.01.2016</a:t>
             </a:fld>
             <a:endParaRPr lang="ru-RU"/>
           </a:p>
@@ -3486,7 +3487,7 @@
           <a:p>
             <a:fld id="{BF4F164D-F25B-42F8-8B4F-2F75AD948E8F}" type="datetimeFigureOut">
               <a:rPr lang="ru-RU" smtClean="0"/>
-              <a:t>08.11.2015</a:t>
+              <a:t>01.01.2016</a:t>
             </a:fld>
             <a:endParaRPr lang="ru-RU"/>
           </a:p>
@@ -3860,7 +3861,7 @@
           <a:p>
             <a:fld id="{BF4F164D-F25B-42F8-8B4F-2F75AD948E8F}" type="datetimeFigureOut">
               <a:rPr lang="ru-RU" smtClean="0"/>
-              <a:t>08.11.2015</a:t>
+              <a:t>01.01.2016</a:t>
             </a:fld>
             <a:endParaRPr lang="ru-RU"/>
           </a:p>
@@ -3983,7 +3984,7 @@
           <a:p>
             <a:fld id="{BF4F164D-F25B-42F8-8B4F-2F75AD948E8F}" type="datetimeFigureOut">
               <a:rPr lang="ru-RU" smtClean="0"/>
-              <a:t>08.11.2015</a:t>
+              <a:t>01.01.2016</a:t>
             </a:fld>
             <a:endParaRPr lang="ru-RU"/>
           </a:p>
@@ -4078,7 +4079,7 @@
           <a:p>
             <a:fld id="{BF4F164D-F25B-42F8-8B4F-2F75AD948E8F}" type="datetimeFigureOut">
               <a:rPr lang="ru-RU" smtClean="0"/>
-              <a:t>08.11.2015</a:t>
+              <a:t>01.01.2016</a:t>
             </a:fld>
             <a:endParaRPr lang="ru-RU"/>
           </a:p>
@@ -4333,7 +4334,7 @@
           <a:p>
             <a:fld id="{BF4F164D-F25B-42F8-8B4F-2F75AD948E8F}" type="datetimeFigureOut">
               <a:rPr lang="ru-RU" smtClean="0"/>
-              <a:t>08.11.2015</a:t>
+              <a:t>01.01.2016</a:t>
             </a:fld>
             <a:endParaRPr lang="ru-RU"/>
           </a:p>
@@ -4638,7 +4639,7 @@
           <a:p>
             <a:fld id="{BF4F164D-F25B-42F8-8B4F-2F75AD948E8F}" type="datetimeFigureOut">
               <a:rPr lang="ru-RU" smtClean="0"/>
-              <a:t>08.11.2015</a:t>
+              <a:t>01.01.2016</a:t>
             </a:fld>
             <a:endParaRPr lang="ru-RU"/>
           </a:p>
@@ -5340,7 +5341,7 @@
           <a:p>
             <a:fld id="{BF4F164D-F25B-42F8-8B4F-2F75AD948E8F}" type="datetimeFigureOut">
               <a:rPr lang="ru-RU" smtClean="0"/>
-              <a:t>08.11.2015</a:t>
+              <a:t>01.01.2016</a:t>
             </a:fld>
             <a:endParaRPr lang="ru-RU"/>
           </a:p>
@@ -5954,237 +5955,1909 @@
         </p:nvSpPr>
         <p:spPr/>
         <p:txBody>
-          <a:bodyPr/>
+          <a:bodyPr>
+            <a:normAutofit fontScale="90000"/>
+          </a:bodyPr>
           <a:lstStyle/>
           <a:p>
             <a:r>
+              <a:rPr lang="ru-RU" dirty="0"/>
+              <a:t>Алгоритм защиты вычислений решения </a:t>
+            </a:r>
+            <a:r>
               <a:rPr lang="ru-RU" dirty="0" smtClean="0"/>
-              <a:t>Абстрактный вычислитель</a:t>
+              <a:t>задачи линейного программирования</a:t>
             </a:r>
             <a:endParaRPr lang="ru-RU" dirty="0"/>
           </a:p>
         </p:txBody>
       </p:sp>
-      <p:sp>
-        <p:nvSpPr>
-          <p:cNvPr id="3" name="Объект 2"/>
-          <p:cNvSpPr>
-            <a:spLocks noGrp="1"/>
-          </p:cNvSpPr>
-          <p:nvPr>
-            <p:ph idx="1"/>
-          </p:nvPr>
-        </p:nvSpPr>
-        <p:spPr/>
-        <p:txBody>
-          <a:bodyPr>
-            <a:normAutofit fontScale="92500" lnSpcReduction="10000"/>
-          </a:bodyPr>
-          <a:lstStyle/>
-          <a:p>
-            <a:r>
-              <a:rPr lang="ru-RU" dirty="0" smtClean="0"/>
-              <a:t>Согласно теории алгоритмов, современные технические устройства, при решении задач обработки данных могут быть представлены в виде конечного абстрактного вычислителя, </a:t>
-            </a:r>
-            <a:r>
-              <a:rPr lang="ru-RU" dirty="0"/>
-              <a:t>п</a:t>
-            </a:r>
-            <a:r>
-              <a:rPr lang="ru-RU" dirty="0" smtClean="0"/>
-              <a:t>олностью имитирующем вычисление на любом техническо</a:t>
-            </a:r>
-            <a:r>
-              <a:rPr lang="ru-RU" dirty="0"/>
-              <a:t>м</a:t>
-            </a:r>
-            <a:r>
-              <a:rPr lang="ru-RU" dirty="0" smtClean="0"/>
-              <a:t> </a:t>
-            </a:r>
-            <a:r>
-              <a:rPr lang="ru-RU" dirty="0" smtClean="0"/>
-              <a:t>устройстве. Модели </a:t>
-            </a:r>
-            <a:r>
-              <a:rPr lang="ru-RU" dirty="0" smtClean="0"/>
-              <a:t>таких абстрактных вычислителей были предложены Тьюрингом, Марковым и другими.</a:t>
-            </a:r>
-          </a:p>
-          <a:p>
-            <a:r>
-              <a:rPr lang="ru-RU" dirty="0" smtClean="0"/>
-              <a:t>Будем использовать запись </a:t>
-            </a:r>
-            <a:r>
-              <a:rPr lang="en-US" dirty="0" smtClean="0"/>
-              <a:t>y=x*F </a:t>
-            </a:r>
-            <a:r>
-              <a:rPr lang="ru-RU" dirty="0" smtClean="0"/>
-              <a:t>для обозначение работ</a:t>
-            </a:r>
-            <a:r>
-              <a:rPr lang="ru-RU" dirty="0"/>
-              <a:t>ы</a:t>
-            </a:r>
-            <a:r>
-              <a:rPr lang="ru-RU" dirty="0" smtClean="0"/>
-              <a:t> этих вычислителей над исходными данными </a:t>
-            </a:r>
-            <a:r>
-              <a:rPr lang="en-US" dirty="0" smtClean="0"/>
-              <a:t>x </a:t>
-            </a:r>
-            <a:r>
-              <a:rPr lang="ru-RU" dirty="0" smtClean="0"/>
-              <a:t>по алгорифму </a:t>
-            </a:r>
-            <a:r>
-              <a:rPr lang="en-US" dirty="0" smtClean="0"/>
-              <a:t>F</a:t>
-            </a:r>
-            <a:r>
-              <a:rPr lang="ru-RU" dirty="0"/>
-              <a:t> </a:t>
-            </a:r>
-            <a:r>
-              <a:rPr lang="ru-RU" dirty="0" smtClean="0"/>
-              <a:t>где </a:t>
-            </a:r>
-            <a:r>
-              <a:rPr lang="en-US" dirty="0" smtClean="0"/>
-              <a:t>y – </a:t>
-            </a:r>
-            <a:r>
-              <a:rPr lang="ru-RU" dirty="0" smtClean="0"/>
-              <a:t>искомые данные.</a:t>
-            </a:r>
-          </a:p>
-          <a:p>
-            <a:r>
-              <a:rPr lang="ru-RU" dirty="0" smtClean="0"/>
-              <a:t>Последовательное применение нескольких алгорифмов</a:t>
-            </a:r>
-            <a:r>
-              <a:rPr lang="en-US" dirty="0"/>
-              <a:t> </a:t>
-            </a:r>
-            <a:r>
-              <a:rPr lang="en-US" dirty="0" smtClean="0"/>
-              <a:t>(</a:t>
-            </a:r>
-            <a:r>
-              <a:rPr lang="ru-RU" dirty="0" smtClean="0"/>
-              <a:t>программа) </a:t>
-            </a:r>
-            <a:r>
-              <a:rPr lang="en-US" dirty="0" smtClean="0"/>
-              <a:t>F1,…,</a:t>
-            </a:r>
-            <a:r>
-              <a:rPr lang="en-US" dirty="0" err="1" smtClean="0"/>
-              <a:t>Fn</a:t>
-            </a:r>
-            <a:r>
-              <a:rPr lang="en-US" dirty="0" smtClean="0"/>
-              <a:t> </a:t>
-            </a:r>
-            <a:r>
-              <a:rPr lang="ru-RU" dirty="0" smtClean="0"/>
-              <a:t>при обработке данных будем обозначать как </a:t>
-            </a:r>
-            <a:r>
-              <a:rPr lang="en-US" dirty="0" smtClean="0"/>
-              <a:t>y=x*F1</a:t>
-            </a:r>
-            <a:r>
-              <a:rPr lang="ru-RU" dirty="0" smtClean="0"/>
-              <a:t>*</a:t>
-            </a:r>
-            <a:r>
-              <a:rPr lang="en-US" dirty="0" smtClean="0"/>
-              <a:t>…</a:t>
-            </a:r>
-            <a:r>
-              <a:rPr lang="ru-RU" dirty="0" smtClean="0"/>
-              <a:t>*</a:t>
-            </a:r>
-            <a:r>
-              <a:rPr lang="en-US" dirty="0" err="1" smtClean="0"/>
-              <a:t>Fn</a:t>
-            </a:r>
-            <a:endParaRPr lang="ru-RU" dirty="0"/>
-          </a:p>
-          <a:p>
-            <a:pPr marL="342900" lvl="1" indent="-342900"/>
-            <a:r>
-              <a:rPr lang="ru-RU" dirty="0" smtClean="0"/>
-              <a:t>Теория алгоритмов, говорит нам, что любой алгоритм (или композиция алгоритмов) имеют эквивалентные алгоритмы, а значит, можно составить алгорифм </a:t>
-            </a:r>
-            <a:r>
-              <a:rPr lang="en-US" dirty="0" smtClean="0"/>
-              <a:t>“</a:t>
-            </a:r>
-            <a:r>
-              <a:rPr lang="ru-RU" dirty="0" smtClean="0"/>
-              <a:t>уменьшения</a:t>
-            </a:r>
-            <a:r>
-              <a:rPr lang="en-US" dirty="0" smtClean="0"/>
-              <a:t>”</a:t>
-            </a:r>
-            <a:r>
-              <a:rPr lang="ru-RU" dirty="0" smtClean="0"/>
-              <a:t> количества шагов программы или алгоритм </a:t>
-            </a:r>
-            <a:r>
-              <a:rPr lang="en-US" dirty="0"/>
-              <a:t>“</a:t>
-            </a:r>
-            <a:r>
-              <a:rPr lang="ru-RU" dirty="0"/>
-              <a:t>обфукации</a:t>
-            </a:r>
-            <a:r>
-              <a:rPr lang="en-US" dirty="0" smtClean="0"/>
-              <a:t>”</a:t>
-            </a:r>
-            <a:r>
-              <a:rPr lang="ru-RU" dirty="0" smtClean="0"/>
-              <a:t> программы для усложнения анализа кода программы, используя запись программы </a:t>
-            </a:r>
-            <a:r>
-              <a:rPr lang="en-US" dirty="0"/>
-              <a:t>F1</a:t>
-            </a:r>
-            <a:r>
-              <a:rPr lang="ru-RU" dirty="0"/>
-              <a:t>*</a:t>
-            </a:r>
-            <a:r>
-              <a:rPr lang="en-US" dirty="0"/>
-              <a:t>…</a:t>
-            </a:r>
-            <a:r>
-              <a:rPr lang="ru-RU" dirty="0"/>
-              <a:t>*</a:t>
-            </a:r>
-            <a:r>
-              <a:rPr lang="en-US" dirty="0" err="1" smtClean="0"/>
-              <a:t>Fn</a:t>
-            </a:r>
-            <a:r>
-              <a:rPr lang="ru-RU" dirty="0" smtClean="0"/>
-              <a:t> как исходные данные для обработки.</a:t>
-            </a:r>
-          </a:p>
-        </p:txBody>
-      </p:sp>
+      <mc:AlternateContent xmlns:mc="http://schemas.openxmlformats.org/markup-compatibility/2006">
+        <mc:Choice xmlns:a14="http://schemas.microsoft.com/office/drawing/2010/main" Requires="a14">
+          <p:sp>
+            <p:nvSpPr>
+              <p:cNvPr id="3" name="Объект 2"/>
+              <p:cNvSpPr>
+                <a:spLocks noGrp="1"/>
+              </p:cNvSpPr>
+              <p:nvPr>
+                <p:ph idx="1"/>
+              </p:nvPr>
+            </p:nvSpPr>
+            <p:spPr>
+              <a:xfrm>
+                <a:off x="677333" y="2160589"/>
+                <a:ext cx="8840739" cy="3880773"/>
+              </a:xfrm>
+            </p:spPr>
+            <p:txBody>
+              <a:bodyPr>
+                <a:normAutofit fontScale="85000" lnSpcReduction="20000"/>
+              </a:bodyPr>
+              <a:lstStyle/>
+              <a:p>
+                <a:r>
+                  <a:rPr lang="ru-RU" dirty="0" smtClean="0">
+                    <a:latin typeface="Cambria Math" panose="02040503050406030204" pitchFamily="18" charset="0"/>
+                  </a:rPr>
+                  <a:t>Пусть дана задача</a:t>
+                </a:r>
+                <a:r>
+                  <a:rPr lang="ru-RU" dirty="0"/>
+                  <a:t> </a:t>
+                </a:r>
+                <a:r>
+                  <a:rPr lang="ru-RU" dirty="0">
+                    <a:latin typeface="Cambria Math" panose="02040503050406030204" pitchFamily="18" charset="0"/>
+                  </a:rPr>
+                  <a:t>линейного </a:t>
+                </a:r>
+                <a:r>
+                  <a:rPr lang="ru-RU" dirty="0" smtClean="0">
+                    <a:latin typeface="Cambria Math" panose="02040503050406030204" pitchFamily="18" charset="0"/>
+                  </a:rPr>
+                  <a:t>программирования </a:t>
+                </a:r>
+                <a14:m>
+                  <m:oMath xmlns:m="http://schemas.openxmlformats.org/officeDocument/2006/math">
+                    <m:d>
+                      <m:dPr>
+                        <m:begChr m:val="{"/>
+                        <m:endChr m:val="}"/>
+                        <m:ctrlPr>
+                          <a:rPr lang="en-US" i="1" dirty="0" smtClean="0">
+                            <a:latin typeface="Cambria Math" panose="02040503050406030204" pitchFamily="18" charset="0"/>
+                          </a:rPr>
+                        </m:ctrlPr>
+                      </m:dPr>
+                      <m:e>
+                        <m:m>
+                          <m:mPr>
+                            <m:mcs>
+                              <m:mc>
+                                <m:mcPr>
+                                  <m:count m:val="1"/>
+                                  <m:mcJc m:val="center"/>
+                                </m:mcPr>
+                              </m:mc>
+                            </m:mcs>
+                            <m:ctrlPr>
+                              <a:rPr lang="en-US" i="1" dirty="0" smtClean="0">
+                                <a:latin typeface="Cambria Math" panose="02040503050406030204" pitchFamily="18" charset="0"/>
+                              </a:rPr>
+                            </m:ctrlPr>
+                          </m:mPr>
+                          <m:mr>
+                            <m:e>
+                              <m:r>
+                                <a:rPr lang="en-US" i="1" dirty="0">
+                                  <a:latin typeface="Cambria Math" panose="02040503050406030204" pitchFamily="18" charset="0"/>
+                                </a:rPr>
+                                <m:t>𝑎</m:t>
+                              </m:r>
+                              <m:sSup>
+                                <m:sSupPr>
+                                  <m:ctrlPr>
+                                    <a:rPr lang="ru-RU" i="1" dirty="0">
+                                      <a:latin typeface="Cambria Math" panose="02040503050406030204" pitchFamily="18" charset="0"/>
+                                    </a:rPr>
+                                  </m:ctrlPr>
+                                </m:sSupPr>
+                                <m:e>
+                                  <m:r>
+                                    <a:rPr lang="en-US" i="1" dirty="0">
+                                      <a:latin typeface="Cambria Math" panose="02040503050406030204" pitchFamily="18" charset="0"/>
+                                    </a:rPr>
+                                    <m:t>𝑥</m:t>
+                                  </m:r>
+                                </m:e>
+                                <m:sup>
+                                  <m:r>
+                                    <a:rPr lang="en-US" i="1" dirty="0">
+                                      <a:latin typeface="Cambria Math" panose="02040503050406030204" pitchFamily="18" charset="0"/>
+                                    </a:rPr>
+                                    <m:t>𝑇</m:t>
+                                  </m:r>
+                                </m:sup>
+                              </m:sSup>
+                              <m:r>
+                                <a:rPr lang="en-US" i="1" dirty="0">
+                                  <a:latin typeface="Cambria Math" panose="02040503050406030204" pitchFamily="18" charset="0"/>
+                                  <a:ea typeface="Cambria Math" panose="02040503050406030204" pitchFamily="18" charset="0"/>
+                                </a:rPr>
+                                <m:t>≤</m:t>
+                              </m:r>
+                              <m:sSup>
+                                <m:sSupPr>
+                                  <m:ctrlPr>
+                                    <a:rPr lang="en-US" i="1" dirty="0">
+                                      <a:latin typeface="Cambria Math" panose="02040503050406030204" pitchFamily="18" charset="0"/>
+                                    </a:rPr>
+                                  </m:ctrlPr>
+                                </m:sSupPr>
+                                <m:e>
+                                  <m:r>
+                                    <a:rPr lang="en-US" i="1" dirty="0">
+                                      <a:latin typeface="Cambria Math" panose="02040503050406030204" pitchFamily="18" charset="0"/>
+                                    </a:rPr>
+                                    <m:t>𝑏</m:t>
+                                  </m:r>
+                                </m:e>
+                                <m:sup>
+                                  <m:r>
+                                    <a:rPr lang="en-US" i="1" dirty="0">
+                                      <a:latin typeface="Cambria Math" panose="02040503050406030204" pitchFamily="18" charset="0"/>
+                                    </a:rPr>
+                                    <m:t>𝑇</m:t>
+                                  </m:r>
+                                </m:sup>
+                              </m:sSup>
+                            </m:e>
+                          </m:mr>
+                          <m:mr>
+                            <m:e>
+                              <m:r>
+                                <a:rPr lang="en-US" i="1" dirty="0">
+                                  <a:latin typeface="Cambria Math" panose="02040503050406030204" pitchFamily="18" charset="0"/>
+                                </a:rPr>
+                                <m:t>𝑐</m:t>
+                              </m:r>
+                              <m:sSup>
+                                <m:sSupPr>
+                                  <m:ctrlPr>
+                                    <a:rPr lang="ru-RU" i="1" dirty="0">
+                                      <a:latin typeface="Cambria Math" panose="02040503050406030204" pitchFamily="18" charset="0"/>
+                                    </a:rPr>
+                                  </m:ctrlPr>
+                                </m:sSupPr>
+                                <m:e>
+                                  <m:r>
+                                    <a:rPr lang="en-US" i="1" dirty="0">
+                                      <a:latin typeface="Cambria Math" panose="02040503050406030204" pitchFamily="18" charset="0"/>
+                                    </a:rPr>
+                                    <m:t>𝑥</m:t>
+                                  </m:r>
+                                </m:e>
+                                <m:sup>
+                                  <m:r>
+                                    <a:rPr lang="en-US" i="1" dirty="0">
+                                      <a:latin typeface="Cambria Math" panose="02040503050406030204" pitchFamily="18" charset="0"/>
+                                    </a:rPr>
+                                    <m:t>𝑇</m:t>
+                                  </m:r>
+                                </m:sup>
+                              </m:sSup>
+                              <m:r>
+                                <a:rPr lang="en-US" i="1" dirty="0">
+                                  <a:latin typeface="Cambria Math" panose="02040503050406030204" pitchFamily="18" charset="0"/>
+                                </a:rPr>
+                                <m:t>→</m:t>
+                              </m:r>
+                              <m:r>
+                                <a:rPr lang="en-US" i="1" dirty="0">
+                                  <a:latin typeface="Cambria Math" panose="02040503050406030204" pitchFamily="18" charset="0"/>
+                                </a:rPr>
+                                <m:t>𝑚𝑎𝑥</m:t>
+                              </m:r>
+                            </m:e>
+                          </m:mr>
+                        </m:m>
+                      </m:e>
+                    </m:d>
+                  </m:oMath>
+                </a14:m>
+                <a:r>
+                  <a:rPr lang="en-US" dirty="0" smtClean="0">
+                    <a:latin typeface="Cambria Math" panose="02040503050406030204" pitchFamily="18" charset="0"/>
+                  </a:rPr>
+                  <a:t>?</a:t>
+                </a:r>
+                <a:endParaRPr lang="ru-RU" dirty="0">
+                  <a:latin typeface="Cambria Math" panose="02040503050406030204" pitchFamily="18" charset="0"/>
+                </a:endParaRPr>
+              </a:p>
+              <a:p>
+                <a:r>
+                  <a:rPr lang="ru-RU" dirty="0">
+                    <a:latin typeface="Cambria Math" panose="02040503050406030204" pitchFamily="18" charset="0"/>
+                  </a:rPr>
+                  <a:t>Сформируем </a:t>
+                </a:r>
+                <a:r>
+                  <a:rPr lang="ru-RU" dirty="0" smtClean="0">
+                    <a:latin typeface="Cambria Math" panose="02040503050406030204" pitchFamily="18" charset="0"/>
+                  </a:rPr>
+                  <a:t>обратимую матрицу </a:t>
+                </a:r>
+                <a:r>
+                  <a:rPr lang="en-US" dirty="0">
+                    <a:latin typeface="Cambria Math" panose="02040503050406030204" pitchFamily="18" charset="0"/>
+                  </a:rPr>
+                  <a:t>V </a:t>
+                </a:r>
+                <a:r>
+                  <a:rPr lang="ru-RU" dirty="0">
+                    <a:latin typeface="Cambria Math" panose="02040503050406030204" pitchFamily="18" charset="0"/>
+                  </a:rPr>
+                  <a:t>и вектор </a:t>
+                </a:r>
+                <a:r>
+                  <a:rPr lang="en-US" dirty="0">
+                    <a:latin typeface="Cambria Math" panose="02040503050406030204" pitchFamily="18" charset="0"/>
+                  </a:rPr>
+                  <a:t>z </a:t>
+                </a:r>
+                <a:r>
+                  <a:rPr lang="ru-RU" dirty="0">
+                    <a:latin typeface="Cambria Math" panose="02040503050406030204" pitchFamily="18" charset="0"/>
+                  </a:rPr>
+                  <a:t>из случайных величин</a:t>
+                </a:r>
+                <a:endParaRPr lang="en-US" dirty="0">
+                  <a:latin typeface="Cambria Math" panose="02040503050406030204" pitchFamily="18" charset="0"/>
+                </a:endParaRPr>
+              </a:p>
+              <a:p>
+                <a:r>
+                  <a:rPr lang="ru-RU" dirty="0" smtClean="0"/>
+                  <a:t>Имеем</a:t>
+                </a:r>
+                <a:r>
+                  <a:rPr lang="en-US" dirty="0" smtClean="0"/>
+                  <a:t> </a:t>
+                </a:r>
+              </a:p>
+              <a:p>
+                <a:pPr lvl="1"/>
+                <a14:m>
+                  <m:oMath xmlns:m="http://schemas.openxmlformats.org/officeDocument/2006/math">
+                    <m:d>
+                      <m:dPr>
+                        <m:begChr m:val="{"/>
+                        <m:endChr m:val="}"/>
+                        <m:ctrlPr>
+                          <a:rPr lang="en-US" i="1" dirty="0">
+                            <a:latin typeface="Cambria Math" panose="02040503050406030204" pitchFamily="18" charset="0"/>
+                          </a:rPr>
+                        </m:ctrlPr>
+                      </m:dPr>
+                      <m:e>
+                        <m:m>
+                          <m:mPr>
+                            <m:mcs>
+                              <m:mc>
+                                <m:mcPr>
+                                  <m:count m:val="1"/>
+                                  <m:mcJc m:val="center"/>
+                                </m:mcPr>
+                              </m:mc>
+                            </m:mcs>
+                            <m:ctrlPr>
+                              <a:rPr lang="en-US" i="1" dirty="0">
+                                <a:latin typeface="Cambria Math" panose="02040503050406030204" pitchFamily="18" charset="0"/>
+                              </a:rPr>
+                            </m:ctrlPr>
+                          </m:mPr>
+                          <m:mr>
+                            <m:e>
+                              <m:r>
+                                <a:rPr lang="en-US" i="1" dirty="0">
+                                  <a:latin typeface="Cambria Math" panose="02040503050406030204" pitchFamily="18" charset="0"/>
+                                </a:rPr>
+                                <m:t>𝑎</m:t>
+                              </m:r>
+                              <m:sSup>
+                                <m:sSupPr>
+                                  <m:ctrlPr>
+                                    <a:rPr lang="ru-RU" i="1" dirty="0">
+                                      <a:latin typeface="Cambria Math" panose="02040503050406030204" pitchFamily="18" charset="0"/>
+                                    </a:rPr>
+                                  </m:ctrlPr>
+                                </m:sSupPr>
+                                <m:e>
+                                  <m:r>
+                                    <a:rPr lang="en-US" i="1" dirty="0">
+                                      <a:latin typeface="Cambria Math" panose="02040503050406030204" pitchFamily="18" charset="0"/>
+                                    </a:rPr>
+                                    <m:t>𝑥</m:t>
+                                  </m:r>
+                                </m:e>
+                                <m:sup>
+                                  <m:r>
+                                    <a:rPr lang="en-US" i="1" dirty="0">
+                                      <a:latin typeface="Cambria Math" panose="02040503050406030204" pitchFamily="18" charset="0"/>
+                                    </a:rPr>
+                                    <m:t>𝑇</m:t>
+                                  </m:r>
+                                </m:sup>
+                              </m:sSup>
+                              <m:r>
+                                <a:rPr lang="en-US" i="1" dirty="0">
+                                  <a:latin typeface="Cambria Math" panose="02040503050406030204" pitchFamily="18" charset="0"/>
+                                  <a:ea typeface="Cambria Math" panose="02040503050406030204" pitchFamily="18" charset="0"/>
+                                </a:rPr>
+                                <m:t>≤</m:t>
+                              </m:r>
+                              <m:sSup>
+                                <m:sSupPr>
+                                  <m:ctrlPr>
+                                    <a:rPr lang="en-US" i="1" dirty="0">
+                                      <a:latin typeface="Cambria Math" panose="02040503050406030204" pitchFamily="18" charset="0"/>
+                                    </a:rPr>
+                                  </m:ctrlPr>
+                                </m:sSupPr>
+                                <m:e>
+                                  <m:r>
+                                    <a:rPr lang="en-US" i="1" dirty="0">
+                                      <a:latin typeface="Cambria Math" panose="02040503050406030204" pitchFamily="18" charset="0"/>
+                                    </a:rPr>
+                                    <m:t>𝑏</m:t>
+                                  </m:r>
+                                </m:e>
+                                <m:sup>
+                                  <m:r>
+                                    <a:rPr lang="en-US" i="1" dirty="0">
+                                      <a:latin typeface="Cambria Math" panose="02040503050406030204" pitchFamily="18" charset="0"/>
+                                    </a:rPr>
+                                    <m:t>𝑇</m:t>
+                                  </m:r>
+                                </m:sup>
+                              </m:sSup>
+                            </m:e>
+                          </m:mr>
+                          <m:mr>
+                            <m:e>
+                              <m:r>
+                                <a:rPr lang="en-US" i="1" dirty="0">
+                                  <a:latin typeface="Cambria Math" panose="02040503050406030204" pitchFamily="18" charset="0"/>
+                                </a:rPr>
+                                <m:t>𝑐</m:t>
+                              </m:r>
+                              <m:sSup>
+                                <m:sSupPr>
+                                  <m:ctrlPr>
+                                    <a:rPr lang="ru-RU" i="1" dirty="0">
+                                      <a:latin typeface="Cambria Math" panose="02040503050406030204" pitchFamily="18" charset="0"/>
+                                    </a:rPr>
+                                  </m:ctrlPr>
+                                </m:sSupPr>
+                                <m:e>
+                                  <m:r>
+                                    <a:rPr lang="en-US" i="1" dirty="0">
+                                      <a:latin typeface="Cambria Math" panose="02040503050406030204" pitchFamily="18" charset="0"/>
+                                    </a:rPr>
+                                    <m:t>𝑥</m:t>
+                                  </m:r>
+                                </m:e>
+                                <m:sup>
+                                  <m:r>
+                                    <a:rPr lang="en-US" i="1" dirty="0">
+                                      <a:latin typeface="Cambria Math" panose="02040503050406030204" pitchFamily="18" charset="0"/>
+                                    </a:rPr>
+                                    <m:t>𝑇</m:t>
+                                  </m:r>
+                                </m:sup>
+                              </m:sSup>
+                              <m:r>
+                                <a:rPr lang="en-US" i="1" dirty="0">
+                                  <a:latin typeface="Cambria Math" panose="02040503050406030204" pitchFamily="18" charset="0"/>
+                                </a:rPr>
+                                <m:t>→</m:t>
+                              </m:r>
+                              <m:r>
+                                <a:rPr lang="en-US" i="1" dirty="0">
+                                  <a:latin typeface="Cambria Math" panose="02040503050406030204" pitchFamily="18" charset="0"/>
+                                </a:rPr>
+                                <m:t>𝑚𝑎𝑥</m:t>
+                              </m:r>
+                            </m:e>
+                          </m:mr>
+                        </m:m>
+                      </m:e>
+                    </m:d>
+                    <m:r>
+                      <a:rPr lang="en-US" i="1" dirty="0">
+                        <a:latin typeface="Cambria Math" panose="02040503050406030204" pitchFamily="18" charset="0"/>
+                      </a:rPr>
+                      <m:t>? →</m:t>
+                    </m:r>
+                    <m:d>
+                      <m:dPr>
+                        <m:begChr m:val="{"/>
+                        <m:endChr m:val="}"/>
+                        <m:ctrlPr>
+                          <a:rPr lang="en-US" i="1" dirty="0">
+                            <a:latin typeface="Cambria Math" panose="02040503050406030204" pitchFamily="18" charset="0"/>
+                          </a:rPr>
+                        </m:ctrlPr>
+                      </m:dPr>
+                      <m:e>
+                        <m:m>
+                          <m:mPr>
+                            <m:mcs>
+                              <m:mc>
+                                <m:mcPr>
+                                  <m:count m:val="1"/>
+                                  <m:mcJc m:val="center"/>
+                                </m:mcPr>
+                              </m:mc>
+                            </m:mcs>
+                            <m:ctrlPr>
+                              <a:rPr lang="en-US" i="1" dirty="0">
+                                <a:latin typeface="Cambria Math" panose="02040503050406030204" pitchFamily="18" charset="0"/>
+                              </a:rPr>
+                            </m:ctrlPr>
+                          </m:mPr>
+                          <m:mr>
+                            <m:e>
+                              <m:r>
+                                <a:rPr lang="en-US" i="1" dirty="0">
+                                  <a:latin typeface="Cambria Math" panose="02040503050406030204" pitchFamily="18" charset="0"/>
+                                </a:rPr>
+                                <m:t>𝑎𝑉</m:t>
+                              </m:r>
+                              <m:sSup>
+                                <m:sSupPr>
+                                  <m:ctrlPr>
+                                    <a:rPr lang="en-US" i="1" dirty="0">
+                                      <a:latin typeface="Cambria Math" panose="02040503050406030204" pitchFamily="18" charset="0"/>
+                                    </a:rPr>
+                                  </m:ctrlPr>
+                                </m:sSupPr>
+                                <m:e>
+                                  <m:r>
+                                    <a:rPr lang="en-US" i="1" dirty="0">
+                                      <a:latin typeface="Cambria Math" panose="02040503050406030204" pitchFamily="18" charset="0"/>
+                                    </a:rPr>
+                                    <m:t>𝑉</m:t>
+                                  </m:r>
+                                </m:e>
+                                <m:sup>
+                                  <m:r>
+                                    <a:rPr lang="en-US" i="1" dirty="0">
+                                      <a:latin typeface="Cambria Math" panose="02040503050406030204" pitchFamily="18" charset="0"/>
+                                    </a:rPr>
+                                    <m:t>−1</m:t>
+                                  </m:r>
+                                </m:sup>
+                              </m:sSup>
+                              <m:sSup>
+                                <m:sSupPr>
+                                  <m:ctrlPr>
+                                    <a:rPr lang="ru-RU" i="1" dirty="0">
+                                      <a:latin typeface="Cambria Math" panose="02040503050406030204" pitchFamily="18" charset="0"/>
+                                    </a:rPr>
+                                  </m:ctrlPr>
+                                </m:sSupPr>
+                                <m:e>
+                                  <m:r>
+                                    <a:rPr lang="en-US" i="1" dirty="0">
+                                      <a:latin typeface="Cambria Math" panose="02040503050406030204" pitchFamily="18" charset="0"/>
+                                    </a:rPr>
+                                    <m:t>(</m:t>
+                                  </m:r>
+                                  <m:r>
+                                    <a:rPr lang="en-US" i="1" dirty="0">
+                                      <a:latin typeface="Cambria Math" panose="02040503050406030204" pitchFamily="18" charset="0"/>
+                                    </a:rPr>
+                                    <m:t>𝑥</m:t>
+                                  </m:r>
+                                  <m:r>
+                                    <a:rPr lang="en-US" i="1" dirty="0">
+                                      <a:latin typeface="Cambria Math" panose="02040503050406030204" pitchFamily="18" charset="0"/>
+                                    </a:rPr>
+                                    <m:t>−</m:t>
+                                  </m:r>
+                                  <m:r>
+                                    <a:rPr lang="en-US" i="1" dirty="0">
+                                      <a:latin typeface="Cambria Math" panose="02040503050406030204" pitchFamily="18" charset="0"/>
+                                    </a:rPr>
+                                    <m:t>𝑧</m:t>
+                                  </m:r>
+                                  <m:r>
+                                    <a:rPr lang="en-US" i="1" dirty="0">
+                                      <a:latin typeface="Cambria Math" panose="02040503050406030204" pitchFamily="18" charset="0"/>
+                                    </a:rPr>
+                                    <m:t>)</m:t>
+                                  </m:r>
+                                </m:e>
+                                <m:sup>
+                                  <m:r>
+                                    <a:rPr lang="en-US" i="1" dirty="0">
+                                      <a:latin typeface="Cambria Math" panose="02040503050406030204" pitchFamily="18" charset="0"/>
+                                    </a:rPr>
+                                    <m:t>𝑇</m:t>
+                                  </m:r>
+                                </m:sup>
+                              </m:sSup>
+                              <m:r>
+                                <a:rPr lang="en-US" b="0" i="1" dirty="0" smtClean="0">
+                                  <a:latin typeface="Cambria Math" panose="02040503050406030204" pitchFamily="18" charset="0"/>
+                                </a:rPr>
+                                <m:t>≤</m:t>
+                              </m:r>
+                              <m:sSup>
+                                <m:sSupPr>
+                                  <m:ctrlPr>
+                                    <a:rPr lang="en-US" i="1" dirty="0">
+                                      <a:latin typeface="Cambria Math" panose="02040503050406030204" pitchFamily="18" charset="0"/>
+                                    </a:rPr>
+                                  </m:ctrlPr>
+                                </m:sSupPr>
+                                <m:e>
+                                  <m:r>
+                                    <a:rPr lang="en-US" i="1" dirty="0">
+                                      <a:latin typeface="Cambria Math" panose="02040503050406030204" pitchFamily="18" charset="0"/>
+                                    </a:rPr>
+                                    <m:t>(</m:t>
+                                  </m:r>
+                                  <m:r>
+                                    <a:rPr lang="en-US" i="1" dirty="0">
+                                      <a:latin typeface="Cambria Math" panose="02040503050406030204" pitchFamily="18" charset="0"/>
+                                    </a:rPr>
+                                    <m:t>𝑏</m:t>
+                                  </m:r>
+                                </m:e>
+                                <m:sup>
+                                  <m:r>
+                                    <a:rPr lang="en-US" i="1" dirty="0">
+                                      <a:latin typeface="Cambria Math" panose="02040503050406030204" pitchFamily="18" charset="0"/>
+                                    </a:rPr>
+                                    <m:t>𝑇</m:t>
+                                  </m:r>
+                                </m:sup>
+                              </m:sSup>
+                              <m:r>
+                                <a:rPr lang="en-US" i="1" dirty="0">
+                                  <a:latin typeface="Cambria Math" panose="02040503050406030204" pitchFamily="18" charset="0"/>
+                                </a:rPr>
+                                <m:t>−</m:t>
+                              </m:r>
+                              <m:r>
+                                <a:rPr lang="en-US" i="1" dirty="0">
+                                  <a:latin typeface="Cambria Math" panose="02040503050406030204" pitchFamily="18" charset="0"/>
+                                </a:rPr>
+                                <m:t>𝑎</m:t>
+                              </m:r>
+                              <m:sSup>
+                                <m:sSupPr>
+                                  <m:ctrlPr>
+                                    <a:rPr lang="en-US" i="1" dirty="0">
+                                      <a:latin typeface="Cambria Math" panose="02040503050406030204" pitchFamily="18" charset="0"/>
+                                    </a:rPr>
+                                  </m:ctrlPr>
+                                </m:sSupPr>
+                                <m:e>
+                                  <m:r>
+                                    <a:rPr lang="en-US" i="1" dirty="0">
+                                      <a:latin typeface="Cambria Math" panose="02040503050406030204" pitchFamily="18" charset="0"/>
+                                    </a:rPr>
+                                    <m:t>𝑧</m:t>
+                                  </m:r>
+                                </m:e>
+                                <m:sup>
+                                  <m:r>
+                                    <a:rPr lang="en-US" i="1" dirty="0">
+                                      <a:latin typeface="Cambria Math" panose="02040503050406030204" pitchFamily="18" charset="0"/>
+                                    </a:rPr>
+                                    <m:t>𝑇</m:t>
+                                  </m:r>
+                                </m:sup>
+                              </m:sSup>
+                              <m:r>
+                                <a:rPr lang="en-US" i="1" dirty="0">
+                                  <a:latin typeface="Cambria Math" panose="02040503050406030204" pitchFamily="18" charset="0"/>
+                                </a:rPr>
+                                <m:t>)</m:t>
+                              </m:r>
+                            </m:e>
+                          </m:mr>
+                          <m:mr>
+                            <m:e>
+                              <m:r>
+                                <a:rPr lang="en-US" i="1" dirty="0">
+                                  <a:latin typeface="Cambria Math" panose="02040503050406030204" pitchFamily="18" charset="0"/>
+                                </a:rPr>
+                                <m:t>𝑐</m:t>
+                              </m:r>
+                              <m:r>
+                                <a:rPr lang="en-US" i="1" dirty="0">
+                                  <a:latin typeface="Cambria Math" panose="02040503050406030204" pitchFamily="18" charset="0"/>
+                                </a:rPr>
+                                <m:t>𝑉</m:t>
+                              </m:r>
+                              <m:sSup>
+                                <m:sSupPr>
+                                  <m:ctrlPr>
+                                    <a:rPr lang="en-US" i="1" dirty="0">
+                                      <a:latin typeface="Cambria Math" panose="02040503050406030204" pitchFamily="18" charset="0"/>
+                                    </a:rPr>
+                                  </m:ctrlPr>
+                                </m:sSupPr>
+                                <m:e>
+                                  <m:r>
+                                    <a:rPr lang="en-US" i="1" dirty="0">
+                                      <a:latin typeface="Cambria Math" panose="02040503050406030204" pitchFamily="18" charset="0"/>
+                                    </a:rPr>
+                                    <m:t>𝑉</m:t>
+                                  </m:r>
+                                </m:e>
+                                <m:sup>
+                                  <m:r>
+                                    <a:rPr lang="en-US" i="1" dirty="0">
+                                      <a:latin typeface="Cambria Math" panose="02040503050406030204" pitchFamily="18" charset="0"/>
+                                    </a:rPr>
+                                    <m:t>−1</m:t>
+                                  </m:r>
+                                </m:sup>
+                              </m:sSup>
+                              <m:sSup>
+                                <m:sSupPr>
+                                  <m:ctrlPr>
+                                    <a:rPr lang="ru-RU" i="1" dirty="0">
+                                      <a:latin typeface="Cambria Math" panose="02040503050406030204" pitchFamily="18" charset="0"/>
+                                    </a:rPr>
+                                  </m:ctrlPr>
+                                </m:sSupPr>
+                                <m:e>
+                                  <m:r>
+                                    <a:rPr lang="en-US" i="1" dirty="0">
+                                      <a:latin typeface="Cambria Math" panose="02040503050406030204" pitchFamily="18" charset="0"/>
+                                    </a:rPr>
+                                    <m:t>(</m:t>
+                                  </m:r>
+                                  <m:r>
+                                    <a:rPr lang="en-US" i="1" dirty="0">
+                                      <a:latin typeface="Cambria Math" panose="02040503050406030204" pitchFamily="18" charset="0"/>
+                                    </a:rPr>
+                                    <m:t>𝑥</m:t>
+                                  </m:r>
+                                  <m:r>
+                                    <a:rPr lang="en-US" i="1" dirty="0">
+                                      <a:latin typeface="Cambria Math" panose="02040503050406030204" pitchFamily="18" charset="0"/>
+                                    </a:rPr>
+                                    <m:t>−</m:t>
+                                  </m:r>
+                                  <m:r>
+                                    <a:rPr lang="en-US" i="1" dirty="0">
+                                      <a:latin typeface="Cambria Math" panose="02040503050406030204" pitchFamily="18" charset="0"/>
+                                    </a:rPr>
+                                    <m:t>𝑧</m:t>
+                                  </m:r>
+                                  <m:r>
+                                    <a:rPr lang="en-US" i="1" dirty="0">
+                                      <a:latin typeface="Cambria Math" panose="02040503050406030204" pitchFamily="18" charset="0"/>
+                                    </a:rPr>
+                                    <m:t>)</m:t>
+                                  </m:r>
+                                </m:e>
+                                <m:sup>
+                                  <m:r>
+                                    <a:rPr lang="en-US" i="1" dirty="0">
+                                      <a:latin typeface="Cambria Math" panose="02040503050406030204" pitchFamily="18" charset="0"/>
+                                    </a:rPr>
+                                    <m:t>𝑇</m:t>
+                                  </m:r>
+                                </m:sup>
+                              </m:sSup>
+                              <m:r>
+                                <a:rPr lang="en-US" i="1" dirty="0">
+                                  <a:latin typeface="Cambria Math" panose="02040503050406030204" pitchFamily="18" charset="0"/>
+                                </a:rPr>
+                                <m:t>→</m:t>
+                              </m:r>
+                              <m:r>
+                                <a:rPr lang="en-US" i="1" dirty="0">
+                                  <a:latin typeface="Cambria Math" panose="02040503050406030204" pitchFamily="18" charset="0"/>
+                                </a:rPr>
+                                <m:t>𝑚𝑎𝑥</m:t>
+                              </m:r>
+                            </m:e>
+                          </m:mr>
+                        </m:m>
+                      </m:e>
+                    </m:d>
+                    <m:r>
+                      <a:rPr lang="en-US" i="1" dirty="0">
+                        <a:latin typeface="Cambria Math" panose="02040503050406030204" pitchFamily="18" charset="0"/>
+                      </a:rPr>
+                      <m:t>?</m:t>
+                    </m:r>
+                  </m:oMath>
+                </a14:m>
+                <a:r>
+                  <a:rPr lang="en-US" dirty="0"/>
+                  <a:t> </a:t>
+                </a:r>
+                <a14:m>
+                  <m:oMath xmlns:m="http://schemas.openxmlformats.org/officeDocument/2006/math">
+                    <m:r>
+                      <a:rPr lang="en-US" i="1" dirty="0">
+                        <a:latin typeface="Cambria Math" panose="02040503050406030204" pitchFamily="18" charset="0"/>
+                      </a:rPr>
+                      <m:t>→</m:t>
+                    </m:r>
+                    <m:d>
+                      <m:dPr>
+                        <m:begChr m:val="{"/>
+                        <m:endChr m:val="}"/>
+                        <m:ctrlPr>
+                          <a:rPr lang="en-US" i="1" dirty="0">
+                            <a:latin typeface="Cambria Math" panose="02040503050406030204" pitchFamily="18" charset="0"/>
+                          </a:rPr>
+                        </m:ctrlPr>
+                      </m:dPr>
+                      <m:e>
+                        <m:m>
+                          <m:mPr>
+                            <m:mcs>
+                              <m:mc>
+                                <m:mcPr>
+                                  <m:count m:val="1"/>
+                                  <m:mcJc m:val="center"/>
+                                </m:mcPr>
+                              </m:mc>
+                            </m:mcs>
+                            <m:ctrlPr>
+                              <a:rPr lang="en-US" i="1" dirty="0">
+                                <a:latin typeface="Cambria Math" panose="02040503050406030204" pitchFamily="18" charset="0"/>
+                              </a:rPr>
+                            </m:ctrlPr>
+                          </m:mPr>
+                          <m:mr>
+                            <m:e>
+                              <m:r>
+                                <a:rPr lang="en-US" i="1" dirty="0">
+                                  <a:latin typeface="Cambria Math" panose="02040503050406030204" pitchFamily="18" charset="0"/>
+                                </a:rPr>
+                                <m:t>𝑎</m:t>
+                              </m:r>
+                              <m:r>
+                                <a:rPr lang="en-US" b="0" i="1" dirty="0" smtClean="0">
+                                  <a:latin typeface="Cambria Math" panose="02040503050406030204" pitchFamily="18" charset="0"/>
+                                </a:rPr>
+                                <m:t>′</m:t>
+                              </m:r>
+                              <m:sSup>
+                                <m:sSupPr>
+                                  <m:ctrlPr>
+                                    <a:rPr lang="ru-RU" i="1" dirty="0">
+                                      <a:latin typeface="Cambria Math" panose="02040503050406030204" pitchFamily="18" charset="0"/>
+                                    </a:rPr>
+                                  </m:ctrlPr>
+                                </m:sSupPr>
+                                <m:e>
+                                  <m:r>
+                                    <a:rPr lang="en-US" i="1" dirty="0">
+                                      <a:latin typeface="Cambria Math" panose="02040503050406030204" pitchFamily="18" charset="0"/>
+                                    </a:rPr>
+                                    <m:t>𝑥</m:t>
+                                  </m:r>
+                                  <m:r>
+                                    <a:rPr lang="en-US" b="0" i="1" dirty="0" smtClean="0">
+                                      <a:latin typeface="Cambria Math" panose="02040503050406030204" pitchFamily="18" charset="0"/>
+                                    </a:rPr>
+                                    <m:t>′</m:t>
+                                  </m:r>
+                                </m:e>
+                                <m:sup>
+                                  <m:r>
+                                    <a:rPr lang="en-US" i="1" dirty="0">
+                                      <a:latin typeface="Cambria Math" panose="02040503050406030204" pitchFamily="18" charset="0"/>
+                                    </a:rPr>
+                                    <m:t>𝑇</m:t>
+                                  </m:r>
+                                </m:sup>
+                              </m:sSup>
+                              <m:r>
+                                <a:rPr lang="en-US" i="1" dirty="0">
+                                  <a:latin typeface="Cambria Math" panose="02040503050406030204" pitchFamily="18" charset="0"/>
+                                  <a:ea typeface="Cambria Math" panose="02040503050406030204" pitchFamily="18" charset="0"/>
+                                </a:rPr>
+                                <m:t>≤</m:t>
+                              </m:r>
+                              <m:sSup>
+                                <m:sSupPr>
+                                  <m:ctrlPr>
+                                    <a:rPr lang="en-US" i="1" dirty="0">
+                                      <a:latin typeface="Cambria Math" panose="02040503050406030204" pitchFamily="18" charset="0"/>
+                                    </a:rPr>
+                                  </m:ctrlPr>
+                                </m:sSupPr>
+                                <m:e>
+                                  <m:r>
+                                    <a:rPr lang="en-US" i="1" dirty="0">
+                                      <a:latin typeface="Cambria Math" panose="02040503050406030204" pitchFamily="18" charset="0"/>
+                                    </a:rPr>
+                                    <m:t>𝑏</m:t>
+                                  </m:r>
+                                  <m:r>
+                                    <a:rPr lang="en-US" b="0" i="1" dirty="0" smtClean="0">
+                                      <a:latin typeface="Cambria Math" panose="02040503050406030204" pitchFamily="18" charset="0"/>
+                                    </a:rPr>
+                                    <m:t>′</m:t>
+                                  </m:r>
+                                </m:e>
+                                <m:sup>
+                                  <m:r>
+                                    <a:rPr lang="en-US" i="1" dirty="0">
+                                      <a:latin typeface="Cambria Math" panose="02040503050406030204" pitchFamily="18" charset="0"/>
+                                    </a:rPr>
+                                    <m:t>𝑇</m:t>
+                                  </m:r>
+                                </m:sup>
+                              </m:sSup>
+                            </m:e>
+                          </m:mr>
+                          <m:mr>
+                            <m:e>
+                              <m:r>
+                                <a:rPr lang="en-US" i="1" dirty="0">
+                                  <a:latin typeface="Cambria Math" panose="02040503050406030204" pitchFamily="18" charset="0"/>
+                                </a:rPr>
+                                <m:t>𝑐</m:t>
+                              </m:r>
+                              <m:r>
+                                <a:rPr lang="en-US" b="0" i="1" dirty="0" smtClean="0">
+                                  <a:latin typeface="Cambria Math" panose="02040503050406030204" pitchFamily="18" charset="0"/>
+                                </a:rPr>
+                                <m:t>′</m:t>
+                              </m:r>
+                              <m:sSup>
+                                <m:sSupPr>
+                                  <m:ctrlPr>
+                                    <a:rPr lang="ru-RU" i="1" dirty="0">
+                                      <a:latin typeface="Cambria Math" panose="02040503050406030204" pitchFamily="18" charset="0"/>
+                                    </a:rPr>
+                                  </m:ctrlPr>
+                                </m:sSupPr>
+                                <m:e>
+                                  <m:r>
+                                    <a:rPr lang="en-US" i="1" dirty="0">
+                                      <a:latin typeface="Cambria Math" panose="02040503050406030204" pitchFamily="18" charset="0"/>
+                                    </a:rPr>
+                                    <m:t>𝑥</m:t>
+                                  </m:r>
+                                  <m:r>
+                                    <a:rPr lang="en-US" b="0" i="1" dirty="0" smtClean="0">
+                                      <a:latin typeface="Cambria Math" panose="02040503050406030204" pitchFamily="18" charset="0"/>
+                                    </a:rPr>
+                                    <m:t>′</m:t>
+                                  </m:r>
+                                </m:e>
+                                <m:sup>
+                                  <m:r>
+                                    <a:rPr lang="en-US" i="1" dirty="0">
+                                      <a:latin typeface="Cambria Math" panose="02040503050406030204" pitchFamily="18" charset="0"/>
+                                    </a:rPr>
+                                    <m:t>𝑇</m:t>
+                                  </m:r>
+                                </m:sup>
+                              </m:sSup>
+                              <m:r>
+                                <a:rPr lang="en-US" i="1" dirty="0">
+                                  <a:latin typeface="Cambria Math" panose="02040503050406030204" pitchFamily="18" charset="0"/>
+                                </a:rPr>
+                                <m:t>→</m:t>
+                              </m:r>
+                              <m:r>
+                                <a:rPr lang="en-US" i="1" dirty="0">
+                                  <a:latin typeface="Cambria Math" panose="02040503050406030204" pitchFamily="18" charset="0"/>
+                                </a:rPr>
+                                <m:t>𝑚𝑎𝑥</m:t>
+                              </m:r>
+                            </m:e>
+                          </m:mr>
+                        </m:m>
+                      </m:e>
+                    </m:d>
+                    <m:r>
+                      <a:rPr lang="en-US" i="1" dirty="0">
+                        <a:latin typeface="Cambria Math" panose="02040503050406030204" pitchFamily="18" charset="0"/>
+                      </a:rPr>
+                      <m:t>?</m:t>
+                    </m:r>
+                  </m:oMath>
+                </a14:m>
+                <a:endParaRPr lang="en-US" i="1" dirty="0" smtClean="0">
+                  <a:latin typeface="Cambria Math" panose="02040503050406030204" pitchFamily="18" charset="0"/>
+                </a:endParaRPr>
+              </a:p>
+              <a:p>
+                <a:pPr lvl="1"/>
+                <a14:m>
+                  <m:oMath xmlns:m="http://schemas.openxmlformats.org/officeDocument/2006/math">
+                    <m:sSup>
+                      <m:sSupPr>
+                        <m:ctrlPr>
+                          <a:rPr lang="en-US" i="1" dirty="0">
+                            <a:latin typeface="Cambria Math" panose="02040503050406030204" pitchFamily="18" charset="0"/>
+                          </a:rPr>
+                        </m:ctrlPr>
+                      </m:sSupPr>
+                      <m:e>
+                        <m:r>
+                          <a:rPr lang="en-US" i="1" dirty="0">
+                            <a:latin typeface="Cambria Math" panose="02040503050406030204" pitchFamily="18" charset="0"/>
+                          </a:rPr>
+                          <m:t>𝑎</m:t>
+                        </m:r>
+                      </m:e>
+                      <m:sup>
+                        <m:r>
+                          <a:rPr lang="en-US" i="1" dirty="0">
+                            <a:latin typeface="Cambria Math" panose="02040503050406030204" pitchFamily="18" charset="0"/>
+                          </a:rPr>
+                          <m:t>′</m:t>
+                        </m:r>
+                      </m:sup>
+                    </m:sSup>
+                    <m:r>
+                      <a:rPr lang="en-US" i="1" dirty="0">
+                        <a:latin typeface="Cambria Math" panose="02040503050406030204" pitchFamily="18" charset="0"/>
+                      </a:rPr>
+                      <m:t>=</m:t>
+                    </m:r>
+                    <m:r>
+                      <a:rPr lang="en-US" i="1" dirty="0">
+                        <a:latin typeface="Cambria Math" panose="02040503050406030204" pitchFamily="18" charset="0"/>
+                      </a:rPr>
+                      <m:t>𝑎𝑉</m:t>
+                    </m:r>
+                    <m:r>
+                      <a:rPr lang="en-US" dirty="0">
+                        <a:latin typeface="Cambria Math" panose="02040503050406030204" pitchFamily="18" charset="0"/>
+                      </a:rPr>
+                      <m:t>,</m:t>
+                    </m:r>
+                    <m:r>
+                      <a:rPr lang="ru-RU" b="0" i="0" dirty="0" smtClean="0">
+                        <a:latin typeface="Cambria Math" panose="02040503050406030204" pitchFamily="18" charset="0"/>
+                      </a:rPr>
+                      <m:t>  </m:t>
+                    </m:r>
+                    <m:sSup>
+                      <m:sSupPr>
+                        <m:ctrlPr>
+                          <a:rPr lang="en-US" i="1" dirty="0">
+                            <a:latin typeface="Cambria Math" panose="02040503050406030204" pitchFamily="18" charset="0"/>
+                          </a:rPr>
+                        </m:ctrlPr>
+                      </m:sSupPr>
+                      <m:e>
+                        <m:r>
+                          <a:rPr lang="en-US" b="0" i="1" dirty="0" smtClean="0">
+                            <a:latin typeface="Cambria Math" panose="02040503050406030204" pitchFamily="18" charset="0"/>
+                          </a:rPr>
+                          <m:t>𝑐</m:t>
+                        </m:r>
+                      </m:e>
+                      <m:sup>
+                        <m:r>
+                          <a:rPr lang="en-US" i="1" dirty="0">
+                            <a:latin typeface="Cambria Math" panose="02040503050406030204" pitchFamily="18" charset="0"/>
+                          </a:rPr>
+                          <m:t>′</m:t>
+                        </m:r>
+                      </m:sup>
+                    </m:sSup>
+                    <m:r>
+                      <a:rPr lang="en-US" i="1" dirty="0">
+                        <a:latin typeface="Cambria Math" panose="02040503050406030204" pitchFamily="18" charset="0"/>
+                      </a:rPr>
+                      <m:t>=</m:t>
+                    </m:r>
+                    <m:r>
+                      <a:rPr lang="en-US" b="0" i="1" dirty="0" smtClean="0">
+                        <a:latin typeface="Cambria Math" panose="02040503050406030204" pitchFamily="18" charset="0"/>
+                      </a:rPr>
+                      <m:t>𝑐</m:t>
+                    </m:r>
+                    <m:r>
+                      <a:rPr lang="en-US" i="1" dirty="0">
+                        <a:latin typeface="Cambria Math" panose="02040503050406030204" pitchFamily="18" charset="0"/>
+                      </a:rPr>
+                      <m:t>𝑉</m:t>
+                    </m:r>
+                    <m:r>
+                      <a:rPr lang="en-US" dirty="0">
+                        <a:latin typeface="Cambria Math" panose="02040503050406030204" pitchFamily="18" charset="0"/>
+                      </a:rPr>
+                      <m:t>,</m:t>
+                    </m:r>
+                    <m:r>
+                      <a:rPr lang="ru-RU" b="0" i="0" dirty="0" smtClean="0">
+                        <a:latin typeface="Cambria Math" panose="02040503050406030204" pitchFamily="18" charset="0"/>
+                      </a:rPr>
+                      <m:t>  </m:t>
+                    </m:r>
+                    <m:sSup>
+                      <m:sSupPr>
+                        <m:ctrlPr>
+                          <a:rPr lang="ru-RU" i="1" dirty="0">
+                            <a:latin typeface="Cambria Math" panose="02040503050406030204" pitchFamily="18" charset="0"/>
+                          </a:rPr>
+                        </m:ctrlPr>
+                      </m:sSupPr>
+                      <m:e>
+                        <m:r>
+                          <a:rPr lang="en-US" i="1" dirty="0">
+                            <a:latin typeface="Cambria Math" panose="02040503050406030204" pitchFamily="18" charset="0"/>
+                          </a:rPr>
+                          <m:t>𝑥</m:t>
+                        </m:r>
+                      </m:e>
+                      <m:sup>
+                        <m:r>
+                          <a:rPr lang="en-US" i="1" dirty="0">
+                            <a:latin typeface="Cambria Math" panose="02040503050406030204" pitchFamily="18" charset="0"/>
+                          </a:rPr>
+                          <m:t>𝑇</m:t>
+                        </m:r>
+                      </m:sup>
+                    </m:sSup>
+                    <m:r>
+                      <a:rPr lang="en-US" i="1" dirty="0">
+                        <a:latin typeface="Cambria Math" panose="02040503050406030204" pitchFamily="18" charset="0"/>
+                      </a:rPr>
+                      <m:t>=</m:t>
+                    </m:r>
+                    <m:r>
+                      <a:rPr lang="en-US" i="1" dirty="0">
+                        <a:latin typeface="Cambria Math" panose="02040503050406030204" pitchFamily="18" charset="0"/>
+                      </a:rPr>
+                      <m:t>𝑉</m:t>
+                    </m:r>
+                    <m:sSup>
+                      <m:sSupPr>
+                        <m:ctrlPr>
+                          <a:rPr lang="ru-RU" i="1" dirty="0">
+                            <a:latin typeface="Cambria Math" panose="02040503050406030204" pitchFamily="18" charset="0"/>
+                          </a:rPr>
+                        </m:ctrlPr>
+                      </m:sSupPr>
+                      <m:e>
+                        <m:sSup>
+                          <m:sSupPr>
+                            <m:ctrlPr>
+                              <a:rPr lang="en-US" i="1" dirty="0">
+                                <a:latin typeface="Cambria Math" panose="02040503050406030204" pitchFamily="18" charset="0"/>
+                              </a:rPr>
+                            </m:ctrlPr>
+                          </m:sSupPr>
+                          <m:e>
+                            <m:r>
+                              <a:rPr lang="en-US" i="1" dirty="0">
+                                <a:latin typeface="Cambria Math" panose="02040503050406030204" pitchFamily="18" charset="0"/>
+                              </a:rPr>
+                              <m:t>𝑥</m:t>
+                            </m:r>
+                          </m:e>
+                          <m:sup>
+                            <m:r>
+                              <a:rPr lang="en-US" i="1" dirty="0">
+                                <a:latin typeface="Cambria Math" panose="02040503050406030204" pitchFamily="18" charset="0"/>
+                              </a:rPr>
+                              <m:t>′</m:t>
+                            </m:r>
+                          </m:sup>
+                        </m:sSup>
+                      </m:e>
+                      <m:sup>
+                        <m:r>
+                          <a:rPr lang="en-US" i="1" dirty="0">
+                            <a:latin typeface="Cambria Math" panose="02040503050406030204" pitchFamily="18" charset="0"/>
+                          </a:rPr>
+                          <m:t>𝑇</m:t>
+                        </m:r>
+                      </m:sup>
+                    </m:sSup>
+                    <m:r>
+                      <a:rPr lang="en-US" i="1" dirty="0">
+                        <a:latin typeface="Cambria Math" panose="02040503050406030204" pitchFamily="18" charset="0"/>
+                      </a:rPr>
+                      <m:t>+</m:t>
+                    </m:r>
+                    <m:sSup>
+                      <m:sSupPr>
+                        <m:ctrlPr>
+                          <a:rPr lang="en-US" i="1" dirty="0">
+                            <a:latin typeface="Cambria Math" panose="02040503050406030204" pitchFamily="18" charset="0"/>
+                          </a:rPr>
+                        </m:ctrlPr>
+                      </m:sSupPr>
+                      <m:e>
+                        <m:r>
+                          <a:rPr lang="en-US" i="1" dirty="0">
+                            <a:latin typeface="Cambria Math" panose="02040503050406030204" pitchFamily="18" charset="0"/>
+                          </a:rPr>
+                          <m:t>𝑧</m:t>
+                        </m:r>
+                      </m:e>
+                      <m:sup>
+                        <m:r>
+                          <a:rPr lang="en-US" i="1" dirty="0">
+                            <a:latin typeface="Cambria Math" panose="02040503050406030204" pitchFamily="18" charset="0"/>
+                          </a:rPr>
+                          <m:t>𝑇</m:t>
+                        </m:r>
+                      </m:sup>
+                    </m:sSup>
+                    <m:r>
+                      <a:rPr lang="en-US" i="1" dirty="0">
+                        <a:latin typeface="Cambria Math" panose="02040503050406030204" pitchFamily="18" charset="0"/>
+                      </a:rPr>
+                      <m:t>,  </m:t>
+                    </m:r>
+                    <m:sSup>
+                      <m:sSupPr>
+                        <m:ctrlPr>
+                          <a:rPr lang="ru-RU" i="1" dirty="0">
+                            <a:latin typeface="Cambria Math" panose="02040503050406030204" pitchFamily="18" charset="0"/>
+                          </a:rPr>
+                        </m:ctrlPr>
+                      </m:sSupPr>
+                      <m:e>
+                        <m:r>
+                          <a:rPr lang="en-US" i="1" dirty="0">
+                            <a:latin typeface="Cambria Math" panose="02040503050406030204" pitchFamily="18" charset="0"/>
+                          </a:rPr>
+                          <m:t>𝑏</m:t>
+                        </m:r>
+                        <m:r>
+                          <a:rPr lang="en-US" i="1" dirty="0">
+                            <a:latin typeface="Cambria Math" panose="02040503050406030204" pitchFamily="18" charset="0"/>
+                          </a:rPr>
+                          <m:t>′</m:t>
+                        </m:r>
+                      </m:e>
+                      <m:sup>
+                        <m:r>
+                          <a:rPr lang="en-US" i="1" dirty="0">
+                            <a:latin typeface="Cambria Math" panose="02040503050406030204" pitchFamily="18" charset="0"/>
+                          </a:rPr>
+                          <m:t>𝑇</m:t>
+                        </m:r>
+                      </m:sup>
+                    </m:sSup>
+                    <m:r>
+                      <a:rPr lang="en-US" dirty="0">
+                        <a:latin typeface="Cambria Math" panose="02040503050406030204" pitchFamily="18" charset="0"/>
+                      </a:rPr>
+                      <m:t>=</m:t>
+                    </m:r>
+                    <m:sSup>
+                      <m:sSupPr>
+                        <m:ctrlPr>
+                          <a:rPr lang="en-US" i="1" dirty="0">
+                            <a:latin typeface="Cambria Math" panose="02040503050406030204" pitchFamily="18" charset="0"/>
+                          </a:rPr>
+                        </m:ctrlPr>
+                      </m:sSupPr>
+                      <m:e>
+                        <m:r>
+                          <a:rPr lang="en-US" i="1" dirty="0">
+                            <a:latin typeface="Cambria Math" panose="02040503050406030204" pitchFamily="18" charset="0"/>
+                          </a:rPr>
+                          <m:t>(</m:t>
+                        </m:r>
+                        <m:r>
+                          <a:rPr lang="en-US" i="1" dirty="0">
+                            <a:latin typeface="Cambria Math" panose="02040503050406030204" pitchFamily="18" charset="0"/>
+                          </a:rPr>
+                          <m:t>𝑏</m:t>
+                        </m:r>
+                      </m:e>
+                      <m:sup>
+                        <m:r>
+                          <a:rPr lang="en-US" i="1" dirty="0">
+                            <a:latin typeface="Cambria Math" panose="02040503050406030204" pitchFamily="18" charset="0"/>
+                          </a:rPr>
+                          <m:t>𝑇</m:t>
+                        </m:r>
+                      </m:sup>
+                    </m:sSup>
+                    <m:r>
+                      <a:rPr lang="en-US" i="1" dirty="0">
+                        <a:latin typeface="Cambria Math" panose="02040503050406030204" pitchFamily="18" charset="0"/>
+                      </a:rPr>
+                      <m:t>−</m:t>
+                    </m:r>
+                    <m:r>
+                      <a:rPr lang="en-US" i="1" dirty="0">
+                        <a:latin typeface="Cambria Math" panose="02040503050406030204" pitchFamily="18" charset="0"/>
+                      </a:rPr>
+                      <m:t>𝑎</m:t>
+                    </m:r>
+                    <m:sSup>
+                      <m:sSupPr>
+                        <m:ctrlPr>
+                          <a:rPr lang="en-US" i="1" dirty="0">
+                            <a:latin typeface="Cambria Math" panose="02040503050406030204" pitchFamily="18" charset="0"/>
+                          </a:rPr>
+                        </m:ctrlPr>
+                      </m:sSupPr>
+                      <m:e>
+                        <m:r>
+                          <a:rPr lang="en-US" i="1" dirty="0">
+                            <a:latin typeface="Cambria Math" panose="02040503050406030204" pitchFamily="18" charset="0"/>
+                          </a:rPr>
+                          <m:t>𝑧</m:t>
+                        </m:r>
+                      </m:e>
+                      <m:sup>
+                        <m:r>
+                          <a:rPr lang="en-US" i="1" dirty="0">
+                            <a:latin typeface="Cambria Math" panose="02040503050406030204" pitchFamily="18" charset="0"/>
+                          </a:rPr>
+                          <m:t>𝑇</m:t>
+                        </m:r>
+                      </m:sup>
+                    </m:sSup>
+                    <m:r>
+                      <a:rPr lang="en-US" i="1" dirty="0">
+                        <a:latin typeface="Cambria Math" panose="02040503050406030204" pitchFamily="18" charset="0"/>
+                      </a:rPr>
+                      <m:t>)</m:t>
+                    </m:r>
+                  </m:oMath>
+                </a14:m>
+                <a:endParaRPr lang="en-US" dirty="0"/>
+              </a:p>
+              <a:p>
+                <a:r>
+                  <a:rPr lang="ru-RU" dirty="0"/>
+                  <a:t>То есть</a:t>
+                </a:r>
+              </a:p>
+              <a:p>
+                <a:pPr lvl="1"/>
+                <a:r>
+                  <a:rPr lang="ru-RU" dirty="0"/>
+                  <a:t>Вычисляем </a:t>
+                </a:r>
+                <a:r>
+                  <a:rPr lang="ru-RU" dirty="0"/>
+                  <a:t>на локальном </a:t>
+                </a:r>
+                <a:r>
+                  <a:rPr lang="ru-RU" dirty="0" smtClean="0"/>
+                  <a:t>вычислителе</a:t>
+                </a:r>
+                <a:r>
+                  <a:rPr lang="en-US" dirty="0" smtClean="0"/>
+                  <a:t> </a:t>
+                </a:r>
+                <a14:m>
+                  <m:oMath xmlns:m="http://schemas.openxmlformats.org/officeDocument/2006/math">
+                    <m:sSup>
+                      <m:sSupPr>
+                        <m:ctrlPr>
+                          <a:rPr lang="en-US" i="1" dirty="0">
+                            <a:latin typeface="Cambria Math" panose="02040503050406030204" pitchFamily="18" charset="0"/>
+                          </a:rPr>
+                        </m:ctrlPr>
+                      </m:sSupPr>
+                      <m:e>
+                        <m:r>
+                          <a:rPr lang="en-US" i="1" dirty="0">
+                            <a:latin typeface="Cambria Math" panose="02040503050406030204" pitchFamily="18" charset="0"/>
+                          </a:rPr>
+                          <m:t>𝑎</m:t>
+                        </m:r>
+                      </m:e>
+                      <m:sup>
+                        <m:r>
+                          <a:rPr lang="en-US" i="1" dirty="0">
+                            <a:latin typeface="Cambria Math" panose="02040503050406030204" pitchFamily="18" charset="0"/>
+                          </a:rPr>
+                          <m:t>′</m:t>
+                        </m:r>
+                      </m:sup>
+                    </m:sSup>
+                    <m:r>
+                      <a:rPr lang="en-US" i="1" dirty="0">
+                        <a:latin typeface="Cambria Math" panose="02040503050406030204" pitchFamily="18" charset="0"/>
+                      </a:rPr>
+                      <m:t>=</m:t>
+                    </m:r>
+                    <m:r>
+                      <a:rPr lang="en-US" i="1" dirty="0">
+                        <a:latin typeface="Cambria Math" panose="02040503050406030204" pitchFamily="18" charset="0"/>
+                      </a:rPr>
+                      <m:t>𝑎𝑉</m:t>
+                    </m:r>
+                    <m:r>
+                      <a:rPr lang="en-US" dirty="0">
+                        <a:latin typeface="Cambria Math" panose="02040503050406030204" pitchFamily="18" charset="0"/>
+                      </a:rPr>
+                      <m:t>,</m:t>
+                    </m:r>
+                    <m:r>
+                      <a:rPr lang="ru-RU" dirty="0">
+                        <a:latin typeface="Cambria Math" panose="02040503050406030204" pitchFamily="18" charset="0"/>
+                      </a:rPr>
+                      <m:t>  </m:t>
+                    </m:r>
+                    <m:sSup>
+                      <m:sSupPr>
+                        <m:ctrlPr>
+                          <a:rPr lang="en-US" i="1" dirty="0">
+                            <a:latin typeface="Cambria Math" panose="02040503050406030204" pitchFamily="18" charset="0"/>
+                          </a:rPr>
+                        </m:ctrlPr>
+                      </m:sSupPr>
+                      <m:e>
+                        <m:r>
+                          <a:rPr lang="en-US" i="1" dirty="0">
+                            <a:latin typeface="Cambria Math" panose="02040503050406030204" pitchFamily="18" charset="0"/>
+                          </a:rPr>
+                          <m:t>𝑐</m:t>
+                        </m:r>
+                      </m:e>
+                      <m:sup>
+                        <m:r>
+                          <a:rPr lang="en-US" i="1" dirty="0">
+                            <a:latin typeface="Cambria Math" panose="02040503050406030204" pitchFamily="18" charset="0"/>
+                          </a:rPr>
+                          <m:t>′</m:t>
+                        </m:r>
+                      </m:sup>
+                    </m:sSup>
+                    <m:r>
+                      <a:rPr lang="en-US" i="1" dirty="0">
+                        <a:latin typeface="Cambria Math" panose="02040503050406030204" pitchFamily="18" charset="0"/>
+                      </a:rPr>
+                      <m:t>=</m:t>
+                    </m:r>
+                    <m:r>
+                      <a:rPr lang="en-US" i="1" dirty="0">
+                        <a:latin typeface="Cambria Math" panose="02040503050406030204" pitchFamily="18" charset="0"/>
+                      </a:rPr>
+                      <m:t>𝑐</m:t>
+                    </m:r>
+                    <m:r>
+                      <a:rPr lang="en-US" i="1" dirty="0">
+                        <a:latin typeface="Cambria Math" panose="02040503050406030204" pitchFamily="18" charset="0"/>
+                      </a:rPr>
+                      <m:t>𝑉</m:t>
+                    </m:r>
+                    <m:r>
+                      <m:rPr>
+                        <m:nor/>
+                      </m:rPr>
+                      <a:rPr lang="en-US" dirty="0"/>
+                      <m:t>,</m:t>
+                    </m:r>
+                    <m:r>
+                      <m:rPr>
+                        <m:nor/>
+                      </m:rPr>
+                      <a:rPr lang="en-US" b="0" i="0" dirty="0" smtClean="0"/>
+                      <m:t> </m:t>
+                    </m:r>
+                    <m:sSup>
+                      <m:sSupPr>
+                        <m:ctrlPr>
+                          <a:rPr lang="ru-RU" i="1" dirty="0">
+                            <a:latin typeface="Cambria Math" panose="02040503050406030204" pitchFamily="18" charset="0"/>
+                          </a:rPr>
+                        </m:ctrlPr>
+                      </m:sSupPr>
+                      <m:e>
+                        <m:r>
+                          <a:rPr lang="en-US" i="1" dirty="0">
+                            <a:latin typeface="Cambria Math" panose="02040503050406030204" pitchFamily="18" charset="0"/>
+                          </a:rPr>
+                          <m:t>𝑏</m:t>
+                        </m:r>
+                        <m:r>
+                          <a:rPr lang="en-US" i="1" dirty="0">
+                            <a:latin typeface="Cambria Math" panose="02040503050406030204" pitchFamily="18" charset="0"/>
+                          </a:rPr>
+                          <m:t>′</m:t>
+                        </m:r>
+                      </m:e>
+                      <m:sup>
+                        <m:r>
+                          <a:rPr lang="en-US" i="1" dirty="0">
+                            <a:latin typeface="Cambria Math" panose="02040503050406030204" pitchFamily="18" charset="0"/>
+                          </a:rPr>
+                          <m:t>𝑇</m:t>
+                        </m:r>
+                      </m:sup>
+                    </m:sSup>
+                    <m:r>
+                      <a:rPr lang="en-US" dirty="0">
+                        <a:latin typeface="Cambria Math" panose="02040503050406030204" pitchFamily="18" charset="0"/>
+                      </a:rPr>
+                      <m:t>=</m:t>
+                    </m:r>
+                    <m:sSup>
+                      <m:sSupPr>
+                        <m:ctrlPr>
+                          <a:rPr lang="en-US" i="1" dirty="0">
+                            <a:latin typeface="Cambria Math" panose="02040503050406030204" pitchFamily="18" charset="0"/>
+                          </a:rPr>
+                        </m:ctrlPr>
+                      </m:sSupPr>
+                      <m:e>
+                        <m:r>
+                          <a:rPr lang="en-US" i="1" dirty="0">
+                            <a:latin typeface="Cambria Math" panose="02040503050406030204" pitchFamily="18" charset="0"/>
+                          </a:rPr>
+                          <m:t>𝑏</m:t>
+                        </m:r>
+                      </m:e>
+                      <m:sup>
+                        <m:r>
+                          <a:rPr lang="en-US" i="1" dirty="0">
+                            <a:latin typeface="Cambria Math" panose="02040503050406030204" pitchFamily="18" charset="0"/>
+                          </a:rPr>
+                          <m:t>𝑇</m:t>
+                        </m:r>
+                      </m:sup>
+                    </m:sSup>
+                    <m:r>
+                      <a:rPr lang="en-US" i="1" dirty="0">
+                        <a:latin typeface="Cambria Math" panose="02040503050406030204" pitchFamily="18" charset="0"/>
+                      </a:rPr>
+                      <m:t>−</m:t>
+                    </m:r>
+                    <m:r>
+                      <a:rPr lang="en-US" i="1" dirty="0">
+                        <a:latin typeface="Cambria Math" panose="02040503050406030204" pitchFamily="18" charset="0"/>
+                      </a:rPr>
+                      <m:t>𝑎</m:t>
+                    </m:r>
+                    <m:sSup>
+                      <m:sSupPr>
+                        <m:ctrlPr>
+                          <a:rPr lang="en-US" i="1" dirty="0">
+                            <a:latin typeface="Cambria Math" panose="02040503050406030204" pitchFamily="18" charset="0"/>
+                          </a:rPr>
+                        </m:ctrlPr>
+                      </m:sSupPr>
+                      <m:e>
+                        <m:r>
+                          <a:rPr lang="en-US" i="1" dirty="0">
+                            <a:latin typeface="Cambria Math" panose="02040503050406030204" pitchFamily="18" charset="0"/>
+                          </a:rPr>
+                          <m:t>𝑧</m:t>
+                        </m:r>
+                      </m:e>
+                      <m:sup>
+                        <m:r>
+                          <a:rPr lang="en-US" i="1" dirty="0">
+                            <a:latin typeface="Cambria Math" panose="02040503050406030204" pitchFamily="18" charset="0"/>
+                          </a:rPr>
+                          <m:t>𝑇</m:t>
+                        </m:r>
+                      </m:sup>
+                    </m:sSup>
+                  </m:oMath>
+                </a14:m>
+                <a:endParaRPr lang="en-US" dirty="0"/>
+              </a:p>
+              <a:p>
+                <a:pPr lvl="1"/>
+                <a:r>
+                  <a:rPr lang="ru-RU" dirty="0"/>
+                  <a:t>Передаём на внешний вычислитель задачу решения </a:t>
+                </a:r>
+                <a:r>
+                  <a:rPr lang="ru-RU" dirty="0" smtClean="0"/>
+                  <a:t>уравнения</a:t>
+                </a:r>
+                <a:r>
+                  <a:rPr lang="en-US" dirty="0" smtClean="0"/>
+                  <a:t> </a:t>
+                </a:r>
+                <a14:m>
+                  <m:oMath xmlns:m="http://schemas.openxmlformats.org/officeDocument/2006/math">
+                    <m:d>
+                      <m:dPr>
+                        <m:begChr m:val="{"/>
+                        <m:endChr m:val="}"/>
+                        <m:ctrlPr>
+                          <a:rPr lang="en-US" i="1" dirty="0">
+                            <a:latin typeface="Cambria Math" panose="02040503050406030204" pitchFamily="18" charset="0"/>
+                          </a:rPr>
+                        </m:ctrlPr>
+                      </m:dPr>
+                      <m:e>
+                        <m:m>
+                          <m:mPr>
+                            <m:mcs>
+                              <m:mc>
+                                <m:mcPr>
+                                  <m:count m:val="1"/>
+                                  <m:mcJc m:val="center"/>
+                                </m:mcPr>
+                              </m:mc>
+                            </m:mcs>
+                            <m:ctrlPr>
+                              <a:rPr lang="en-US" i="1" dirty="0">
+                                <a:latin typeface="Cambria Math" panose="02040503050406030204" pitchFamily="18" charset="0"/>
+                              </a:rPr>
+                            </m:ctrlPr>
+                          </m:mPr>
+                          <m:mr>
+                            <m:e>
+                              <m:r>
+                                <a:rPr lang="en-US" i="1" dirty="0">
+                                  <a:latin typeface="Cambria Math" panose="02040503050406030204" pitchFamily="18" charset="0"/>
+                                </a:rPr>
+                                <m:t>𝑎</m:t>
+                              </m:r>
+                              <m:r>
+                                <a:rPr lang="en-US" i="1" dirty="0">
+                                  <a:latin typeface="Cambria Math" panose="02040503050406030204" pitchFamily="18" charset="0"/>
+                                </a:rPr>
+                                <m:t>′</m:t>
+                              </m:r>
+                              <m:sSup>
+                                <m:sSupPr>
+                                  <m:ctrlPr>
+                                    <a:rPr lang="ru-RU" i="1" dirty="0">
+                                      <a:latin typeface="Cambria Math" panose="02040503050406030204" pitchFamily="18" charset="0"/>
+                                    </a:rPr>
+                                  </m:ctrlPr>
+                                </m:sSupPr>
+                                <m:e>
+                                  <m:r>
+                                    <a:rPr lang="en-US" i="1" dirty="0">
+                                      <a:latin typeface="Cambria Math" panose="02040503050406030204" pitchFamily="18" charset="0"/>
+                                    </a:rPr>
+                                    <m:t>𝑥</m:t>
+                                  </m:r>
+                                  <m:r>
+                                    <a:rPr lang="en-US" i="1" dirty="0">
+                                      <a:latin typeface="Cambria Math" panose="02040503050406030204" pitchFamily="18" charset="0"/>
+                                    </a:rPr>
+                                    <m:t>′</m:t>
+                                  </m:r>
+                                </m:e>
+                                <m:sup>
+                                  <m:r>
+                                    <a:rPr lang="en-US" i="1" dirty="0">
+                                      <a:latin typeface="Cambria Math" panose="02040503050406030204" pitchFamily="18" charset="0"/>
+                                    </a:rPr>
+                                    <m:t>𝑇</m:t>
+                                  </m:r>
+                                </m:sup>
+                              </m:sSup>
+                              <m:r>
+                                <a:rPr lang="en-US" i="1" dirty="0">
+                                  <a:latin typeface="Cambria Math" panose="02040503050406030204" pitchFamily="18" charset="0"/>
+                                  <a:ea typeface="Cambria Math" panose="02040503050406030204" pitchFamily="18" charset="0"/>
+                                </a:rPr>
+                                <m:t>≤</m:t>
+                              </m:r>
+                              <m:sSup>
+                                <m:sSupPr>
+                                  <m:ctrlPr>
+                                    <a:rPr lang="en-US" i="1" dirty="0">
+                                      <a:latin typeface="Cambria Math" panose="02040503050406030204" pitchFamily="18" charset="0"/>
+                                    </a:rPr>
+                                  </m:ctrlPr>
+                                </m:sSupPr>
+                                <m:e>
+                                  <m:r>
+                                    <a:rPr lang="en-US" i="1" dirty="0">
+                                      <a:latin typeface="Cambria Math" panose="02040503050406030204" pitchFamily="18" charset="0"/>
+                                    </a:rPr>
+                                    <m:t>𝑏</m:t>
+                                  </m:r>
+                                  <m:r>
+                                    <a:rPr lang="en-US" i="1" dirty="0">
+                                      <a:latin typeface="Cambria Math" panose="02040503050406030204" pitchFamily="18" charset="0"/>
+                                    </a:rPr>
+                                    <m:t>′</m:t>
+                                  </m:r>
+                                </m:e>
+                                <m:sup>
+                                  <m:r>
+                                    <a:rPr lang="en-US" i="1" dirty="0">
+                                      <a:latin typeface="Cambria Math" panose="02040503050406030204" pitchFamily="18" charset="0"/>
+                                    </a:rPr>
+                                    <m:t>𝑇</m:t>
+                                  </m:r>
+                                </m:sup>
+                              </m:sSup>
+                            </m:e>
+                          </m:mr>
+                          <m:mr>
+                            <m:e>
+                              <m:r>
+                                <a:rPr lang="en-US" i="1" dirty="0">
+                                  <a:latin typeface="Cambria Math" panose="02040503050406030204" pitchFamily="18" charset="0"/>
+                                </a:rPr>
+                                <m:t>𝑐</m:t>
+                              </m:r>
+                              <m:r>
+                                <a:rPr lang="en-US" i="1" dirty="0">
+                                  <a:latin typeface="Cambria Math" panose="02040503050406030204" pitchFamily="18" charset="0"/>
+                                </a:rPr>
+                                <m:t>′</m:t>
+                              </m:r>
+                              <m:sSup>
+                                <m:sSupPr>
+                                  <m:ctrlPr>
+                                    <a:rPr lang="ru-RU" i="1" dirty="0">
+                                      <a:latin typeface="Cambria Math" panose="02040503050406030204" pitchFamily="18" charset="0"/>
+                                    </a:rPr>
+                                  </m:ctrlPr>
+                                </m:sSupPr>
+                                <m:e>
+                                  <m:r>
+                                    <a:rPr lang="en-US" i="1" dirty="0">
+                                      <a:latin typeface="Cambria Math" panose="02040503050406030204" pitchFamily="18" charset="0"/>
+                                    </a:rPr>
+                                    <m:t>𝑥</m:t>
+                                  </m:r>
+                                  <m:r>
+                                    <a:rPr lang="en-US" i="1" dirty="0">
+                                      <a:latin typeface="Cambria Math" panose="02040503050406030204" pitchFamily="18" charset="0"/>
+                                    </a:rPr>
+                                    <m:t>′</m:t>
+                                  </m:r>
+                                </m:e>
+                                <m:sup>
+                                  <m:r>
+                                    <a:rPr lang="en-US" i="1" dirty="0">
+                                      <a:latin typeface="Cambria Math" panose="02040503050406030204" pitchFamily="18" charset="0"/>
+                                    </a:rPr>
+                                    <m:t>𝑇</m:t>
+                                  </m:r>
+                                </m:sup>
+                              </m:sSup>
+                              <m:r>
+                                <a:rPr lang="en-US" i="1" dirty="0">
+                                  <a:latin typeface="Cambria Math" panose="02040503050406030204" pitchFamily="18" charset="0"/>
+                                </a:rPr>
+                                <m:t>→</m:t>
+                              </m:r>
+                              <m:r>
+                                <a:rPr lang="en-US" i="1" dirty="0">
+                                  <a:latin typeface="Cambria Math" panose="02040503050406030204" pitchFamily="18" charset="0"/>
+                                </a:rPr>
+                                <m:t>𝑚𝑎𝑥</m:t>
+                              </m:r>
+                            </m:e>
+                          </m:mr>
+                        </m:m>
+                      </m:e>
+                    </m:d>
+                    <m:r>
+                      <a:rPr lang="en-US" i="1" dirty="0">
+                        <a:latin typeface="Cambria Math" panose="02040503050406030204" pitchFamily="18" charset="0"/>
+                      </a:rPr>
+                      <m:t>?</m:t>
+                    </m:r>
+                  </m:oMath>
+                </a14:m>
+                <a:endParaRPr lang="ru-RU" dirty="0"/>
+              </a:p>
+              <a:p>
+                <a:pPr lvl="1"/>
+                <a:r>
+                  <a:rPr lang="ru-RU" dirty="0"/>
+                  <a:t>Используя полученное </a:t>
+                </a:r>
+                <a:r>
+                  <a:rPr lang="ru-RU" dirty="0" smtClean="0"/>
+                  <a:t>решение, </a:t>
+                </a:r>
+                <a:r>
+                  <a:rPr lang="ru-RU" dirty="0"/>
+                  <a:t>вычисляем на </a:t>
+                </a:r>
+                <a:r>
+                  <a:rPr lang="ru-RU" dirty="0"/>
+                  <a:t>локальном вычислителе </a:t>
+                </a:r>
+                <a14:m>
+                  <m:oMath xmlns:m="http://schemas.openxmlformats.org/officeDocument/2006/math">
+                    <m:sSup>
+                      <m:sSupPr>
+                        <m:ctrlPr>
+                          <a:rPr lang="ru-RU" i="1" dirty="0">
+                            <a:latin typeface="Cambria Math" panose="02040503050406030204" pitchFamily="18" charset="0"/>
+                          </a:rPr>
+                        </m:ctrlPr>
+                      </m:sSupPr>
+                      <m:e>
+                        <m:r>
+                          <a:rPr lang="en-US" i="1" dirty="0">
+                            <a:latin typeface="Cambria Math" panose="02040503050406030204" pitchFamily="18" charset="0"/>
+                          </a:rPr>
+                          <m:t>𝑥</m:t>
+                        </m:r>
+                      </m:e>
+                      <m:sup>
+                        <m:r>
+                          <a:rPr lang="en-US" i="1" dirty="0">
+                            <a:latin typeface="Cambria Math" panose="02040503050406030204" pitchFamily="18" charset="0"/>
+                          </a:rPr>
+                          <m:t>𝑇</m:t>
+                        </m:r>
+                      </m:sup>
+                    </m:sSup>
+                    <m:r>
+                      <a:rPr lang="en-US" i="1" dirty="0">
+                        <a:latin typeface="Cambria Math" panose="02040503050406030204" pitchFamily="18" charset="0"/>
+                      </a:rPr>
+                      <m:t>=</m:t>
+                    </m:r>
+                    <m:r>
+                      <a:rPr lang="en-US" i="1" dirty="0">
+                        <a:latin typeface="Cambria Math" panose="02040503050406030204" pitchFamily="18" charset="0"/>
+                      </a:rPr>
+                      <m:t>𝑉</m:t>
+                    </m:r>
+                    <m:sSup>
+                      <m:sSupPr>
+                        <m:ctrlPr>
+                          <a:rPr lang="ru-RU" i="1" dirty="0">
+                            <a:latin typeface="Cambria Math" panose="02040503050406030204" pitchFamily="18" charset="0"/>
+                          </a:rPr>
+                        </m:ctrlPr>
+                      </m:sSupPr>
+                      <m:e>
+                        <m:sSup>
+                          <m:sSupPr>
+                            <m:ctrlPr>
+                              <a:rPr lang="en-US" i="1" dirty="0">
+                                <a:latin typeface="Cambria Math" panose="02040503050406030204" pitchFamily="18" charset="0"/>
+                              </a:rPr>
+                            </m:ctrlPr>
+                          </m:sSupPr>
+                          <m:e>
+                            <m:r>
+                              <a:rPr lang="en-US" i="1" dirty="0">
+                                <a:latin typeface="Cambria Math" panose="02040503050406030204" pitchFamily="18" charset="0"/>
+                              </a:rPr>
+                              <m:t>𝑥</m:t>
+                            </m:r>
+                          </m:e>
+                          <m:sup>
+                            <m:r>
+                              <a:rPr lang="en-US" i="1" dirty="0">
+                                <a:latin typeface="Cambria Math" panose="02040503050406030204" pitchFamily="18" charset="0"/>
+                              </a:rPr>
+                              <m:t>′</m:t>
+                            </m:r>
+                          </m:sup>
+                        </m:sSup>
+                      </m:e>
+                      <m:sup>
+                        <m:r>
+                          <a:rPr lang="en-US" i="1" dirty="0">
+                            <a:latin typeface="Cambria Math" panose="02040503050406030204" pitchFamily="18" charset="0"/>
+                          </a:rPr>
+                          <m:t>𝑇</m:t>
+                        </m:r>
+                      </m:sup>
+                    </m:sSup>
+                    <m:r>
+                      <a:rPr lang="en-US" i="1" dirty="0">
+                        <a:latin typeface="Cambria Math" panose="02040503050406030204" pitchFamily="18" charset="0"/>
+                      </a:rPr>
+                      <m:t>+</m:t>
+                    </m:r>
+                    <m:sSup>
+                      <m:sSupPr>
+                        <m:ctrlPr>
+                          <a:rPr lang="en-US" i="1" dirty="0">
+                            <a:latin typeface="Cambria Math" panose="02040503050406030204" pitchFamily="18" charset="0"/>
+                          </a:rPr>
+                        </m:ctrlPr>
+                      </m:sSupPr>
+                      <m:e>
+                        <m:r>
+                          <a:rPr lang="en-US" i="1" dirty="0">
+                            <a:latin typeface="Cambria Math" panose="02040503050406030204" pitchFamily="18" charset="0"/>
+                          </a:rPr>
+                          <m:t>𝑧</m:t>
+                        </m:r>
+                      </m:e>
+                      <m:sup>
+                        <m:r>
+                          <a:rPr lang="en-US" i="1" dirty="0">
+                            <a:latin typeface="Cambria Math" panose="02040503050406030204" pitchFamily="18" charset="0"/>
+                          </a:rPr>
+                          <m:t>𝑇</m:t>
+                        </m:r>
+                      </m:sup>
+                    </m:sSup>
+                  </m:oMath>
+                </a14:m>
+                <a:endParaRPr lang="en-US" dirty="0" smtClean="0"/>
+              </a:p>
+              <a:p>
+                <a:r>
+                  <a:rPr lang="ru-RU" dirty="0" smtClean="0"/>
+                  <a:t>То есть при решении </a:t>
+                </a:r>
+                <a:r>
+                  <a:rPr lang="ru-RU" dirty="0"/>
+                  <a:t>задачи линейного </a:t>
+                </a:r>
+                <a:r>
+                  <a:rPr lang="ru-RU" dirty="0" smtClean="0"/>
+                  <a:t>программирования приватные данные и результат вычислений будут защищены от утечки на внешнем вычислителе.</a:t>
+                </a:r>
+                <a:endParaRPr lang="ru-RU" dirty="0"/>
+              </a:p>
+              <a:p>
+                <a:endParaRPr lang="ru-RU" dirty="0"/>
+              </a:p>
+            </p:txBody>
+          </p:sp>
+        </mc:Choice>
+        <mc:Fallback>
+          <p:sp>
+            <p:nvSpPr>
+              <p:cNvPr id="3" name="Объект 2"/>
+              <p:cNvSpPr>
+                <a:spLocks noGrp="1" noRot="1" noChangeAspect="1" noMove="1" noResize="1" noEditPoints="1" noAdjustHandles="1" noChangeArrowheads="1" noChangeShapeType="1" noTextEdit="1"/>
+              </p:cNvSpPr>
+              <p:nvPr>
+                <p:ph idx="1"/>
+              </p:nvPr>
+            </p:nvSpPr>
+            <p:spPr>
+              <a:xfrm>
+                <a:off x="677333" y="2160589"/>
+                <a:ext cx="8840739" cy="3880773"/>
+              </a:xfrm>
+              <a:blipFill rotWithShape="0">
+                <a:blip r:embed="rId2"/>
+                <a:stretch>
+                  <a:fillRect t="-314"/>
+                </a:stretch>
+              </a:blipFill>
+            </p:spPr>
+            <p:txBody>
+              <a:bodyPr/>
+              <a:lstStyle/>
+              <a:p>
+                <a:r>
+                  <a:rPr lang="ru-RU">
+                    <a:noFill/>
+                  </a:rPr>
+                  <a:t> </a:t>
+                </a:r>
+              </a:p>
+            </p:txBody>
+          </p:sp>
+        </mc:Fallback>
+      </mc:AlternateContent>
     </p:spTree>
     <p:extLst>
       <p:ext uri="{BB962C8B-B14F-4D97-AF65-F5344CB8AC3E}">
-        <p14:creationId xmlns:p14="http://schemas.microsoft.com/office/powerpoint/2010/main" val="926790136"/>
+        <p14:creationId xmlns:p14="http://schemas.microsoft.com/office/powerpoint/2010/main" val="2041666293"/>
       </p:ext>
     </p:extLst>
   </p:cSld>
@@ -6228,17 +7901,14 @@
           <a:p>
             <a:r>
               <a:rPr lang="ru-RU" dirty="0" smtClean="0"/>
-              <a:t>Публичный абстрактный </a:t>
-            </a:r>
-            <a:r>
-              <a:rPr lang="ru-RU" dirty="0"/>
-              <a:t>вычислитель</a:t>
-            </a:r>
+              <a:t>Абстрактный вычислитель</a:t>
+            </a:r>
+            <a:endParaRPr lang="ru-RU" dirty="0"/>
           </a:p>
         </p:txBody>
       </p:sp>
-      <mc:AlternateContent xmlns:mc="http://schemas.openxmlformats.org/markup-compatibility/2006" xmlns:a14="http://schemas.microsoft.com/office/drawing/2010/main">
-        <mc:Choice Requires="a14">
+      <mc:AlternateContent xmlns:mc="http://schemas.openxmlformats.org/markup-compatibility/2006">
+        <mc:Choice xmlns:a14="http://schemas.microsoft.com/office/drawing/2010/main" Requires="a14">
           <p:sp>
             <p:nvSpPr>
               <p:cNvPr id="3" name="Объект 2"/>
@@ -6252,13 +7922,35 @@
             <p:spPr/>
             <p:txBody>
               <a:bodyPr>
-                <a:normAutofit/>
+                <a:normAutofit fontScale="92500" lnSpcReduction="10000"/>
               </a:bodyPr>
               <a:lstStyle/>
               <a:p>
                 <a:r>
                   <a:rPr lang="ru-RU" dirty="0" smtClean="0"/>
-                  <a:t>Пусть требуется выполнить вычисления </a:t>
+                  <a:t>Согласно теории алгоритмов, современные технические устройства, при решении задач обработки данных могут быть представлены в виде конечного абстрактного вычислителя, </a:t>
+                </a:r>
+                <a:r>
+                  <a:rPr lang="ru-RU" dirty="0"/>
+                  <a:t>п</a:t>
+                </a:r>
+                <a:r>
+                  <a:rPr lang="ru-RU" dirty="0" smtClean="0"/>
+                  <a:t>олностью имитирующем вычисление на любом техническо</a:t>
+                </a:r>
+                <a:r>
+                  <a:rPr lang="ru-RU" dirty="0"/>
+                  <a:t>м</a:t>
+                </a:r>
+                <a:r>
+                  <a:rPr lang="ru-RU" dirty="0" smtClean="0"/>
+                  <a:t> устройстве. Модели таких абстрактных вычислителей были предложены Тьюрингом, Марковым и другими.</a:t>
+                </a:r>
+              </a:p>
+              <a:p>
+                <a:r>
+                  <a:rPr lang="ru-RU" dirty="0" smtClean="0"/>
+                  <a:t>Будем использовать запись </a:t>
                 </a:r>
                 <a14:m>
                   <m:oMath xmlns:m="http://schemas.openxmlformats.org/officeDocument/2006/math">
@@ -6295,16 +7987,20 @@
                   </m:oMath>
                 </a14:m>
                 <a:r>
-                  <a:rPr lang="en-US" dirty="0"/>
+                  <a:rPr lang="en-US" dirty="0" smtClean="0"/>
                   <a:t> </a:t>
                 </a:r>
                 <a:r>
                   <a:rPr lang="ru-RU" dirty="0" smtClean="0"/>
-                  <a:t>над </a:t>
+                  <a:t>для обозначение работ</a:t>
                 </a:r>
                 <a:r>
                   <a:rPr lang="ru-RU" dirty="0"/>
-                  <a:t>исходными данными </a:t>
+                  <a:t>ы</a:t>
+                </a:r>
+                <a:r>
+                  <a:rPr lang="ru-RU" dirty="0" smtClean="0"/>
+                  <a:t> этих вычислителей над исходными данными </a:t>
                 </a:r>
                 <a14:m>
                   <m:oMath xmlns:m="http://schemas.openxmlformats.org/officeDocument/2006/math">
@@ -6317,11 +8013,11 @@
                   </m:oMath>
                 </a14:m>
                 <a:r>
-                  <a:rPr lang="en-US" dirty="0"/>
+                  <a:rPr lang="en-US" dirty="0" smtClean="0"/>
                   <a:t> </a:t>
                 </a:r>
                 <a:r>
-                  <a:rPr lang="ru-RU" dirty="0"/>
+                  <a:rPr lang="ru-RU" dirty="0" smtClean="0"/>
                   <a:t>по алгорифму </a:t>
                 </a:r>
                 <a14:m>
@@ -6336,7 +8032,11 @@
                 </a14:m>
                 <a:r>
                   <a:rPr lang="ru-RU" dirty="0"/>
-                  <a:t> где </a:t>
+                  <a:t> </a:t>
+                </a:r>
+                <a:r>
+                  <a:rPr lang="ru-RU" dirty="0" smtClean="0"/>
+                  <a:t>где </a:t>
                 </a:r>
                 <a14:m>
                   <m:oMath xmlns:m="http://schemas.openxmlformats.org/officeDocument/2006/math">
@@ -6349,92 +8049,39 @@
                   </m:oMath>
                 </a14:m>
                 <a:r>
-                  <a:rPr lang="en-US" dirty="0"/>
-                  <a:t> – </a:t>
-                </a:r>
-                <a:r>
-                  <a:rPr lang="ru-RU" dirty="0" smtClean="0"/>
-                  <a:t>искомые данные.</a:t>
-                </a:r>
-              </a:p>
-              <a:p>
-                <a:pPr lvl="1"/>
-                <a:r>
-                  <a:rPr lang="ru-RU" dirty="0" smtClean="0"/>
-                  <a:t>При передачи задания на внешний вычислитель мы сообщаем этому вычислителю исходные данные </a:t>
-                </a:r>
-                <a14:m>
-                  <m:oMath xmlns:m="http://schemas.openxmlformats.org/officeDocument/2006/math">
-                    <m:r>
-                      <a:rPr lang="en-US" i="1" dirty="0" smtClean="0">
-                        <a:latin typeface="Cambria Math" panose="02040503050406030204" pitchFamily="18" charset="0"/>
-                      </a:rPr>
-                      <m:t>𝑥</m:t>
-                    </m:r>
-                  </m:oMath>
-                </a14:m>
-                <a:r>
                   <a:rPr lang="en-US" dirty="0" smtClean="0"/>
                   <a:t> </a:t>
                 </a:r>
                 <a:r>
+                  <a:rPr lang="en-US" dirty="0" smtClean="0"/>
+                  <a:t>– </a:t>
+                </a:r>
+                <a:r>
                   <a:rPr lang="ru-RU" dirty="0" smtClean="0"/>
-                  <a:t>и алгори</a:t>
-                </a:r>
-                <a:r>
-                  <a:rPr lang="ru-RU" dirty="0"/>
-                  <a:t>ф</a:t>
+                  <a:t>искомые данные</a:t>
                 </a:r>
                 <a:r>
                   <a:rPr lang="ru-RU" dirty="0" smtClean="0"/>
-                  <a:t>м </a:t>
-                </a:r>
-                <a14:m>
-                  <m:oMath xmlns:m="http://schemas.openxmlformats.org/officeDocument/2006/math">
-                    <m:r>
-                      <a:rPr lang="en-US" i="1" dirty="0" smtClean="0">
-                        <a:latin typeface="Cambria Math" panose="02040503050406030204" pitchFamily="18" charset="0"/>
-                      </a:rPr>
-                      <m:t>𝐹</m:t>
-                    </m:r>
-                  </m:oMath>
-                </a14:m>
-                <a:r>
-                  <a:rPr lang="en-US" dirty="0" smtClean="0"/>
-                  <a:t>,</a:t>
-                </a:r>
-                <a:r>
-                  <a:rPr lang="ru-RU" dirty="0" smtClean="0"/>
-                  <a:t> получая в ответ искомые данные </a:t>
-                </a:r>
-                <a14:m>
-                  <m:oMath xmlns:m="http://schemas.openxmlformats.org/officeDocument/2006/math">
-                    <m:r>
-                      <a:rPr lang="en-US" i="1" dirty="0" smtClean="0">
-                        <a:latin typeface="Cambria Math" panose="02040503050406030204" pitchFamily="18" charset="0"/>
-                      </a:rPr>
-                      <m:t>𝑦</m:t>
-                    </m:r>
-                  </m:oMath>
-                </a14:m>
+                  <a:t>.</a:t>
+                </a:r>
                 <a:endParaRPr lang="ru-RU" dirty="0" smtClean="0"/>
               </a:p>
               <a:p>
                 <a:r>
                   <a:rPr lang="ru-RU" dirty="0" smtClean="0"/>
-                  <a:t>В тоже время очевидно, что существуют алгорифмы</a:t>
+                  <a:t>Последовательное применение нескольких алгорифмов</a:t>
+                </a:r>
+                <a:r>
+                  <a:rPr lang="en-US" dirty="0"/>
+                  <a:t> </a:t>
                 </a:r>
                 <a:r>
                   <a:rPr lang="en-US" dirty="0" smtClean="0"/>
-                  <a:t>, </a:t>
+                  <a:t>(</a:t>
                 </a:r>
                 <a:r>
                   <a:rPr lang="ru-RU" dirty="0" smtClean="0"/>
-                  <a:t>обладающие свойствами</a:t>
-                </a:r>
-                <a:r>
-                  <a:rPr lang="en-US" dirty="0" smtClean="0"/>
-                  <a:t> </a:t>
+                  <a:t>программа) </a:t>
                 </a:r>
                 <a14:m>
                   <m:oMath xmlns:m="http://schemas.openxmlformats.org/officeDocument/2006/math">
@@ -6442,43 +8089,19 @@
                       <a:rPr lang="en-US" i="1" dirty="0" smtClean="0">
                         <a:latin typeface="Cambria Math" panose="02040503050406030204" pitchFamily="18" charset="0"/>
                       </a:rPr>
-                      <m:t>𝑥</m:t>
+                      <m:t>𝐹</m:t>
                     </m:r>
                     <m:r>
                       <a:rPr lang="en-US" i="1" dirty="0" smtClean="0">
                         <a:latin typeface="Cambria Math" panose="02040503050406030204" pitchFamily="18" charset="0"/>
                       </a:rPr>
-                      <m:t> = </m:t>
-                    </m:r>
-                    <m:r>
-                      <a:rPr lang="en-US" i="1" dirty="0" smtClean="0">
-                        <a:latin typeface="Cambria Math" panose="02040503050406030204" pitchFamily="18" charset="0"/>
-                      </a:rPr>
-                      <m:t>𝑥</m:t>
-                    </m:r>
-                    <m:r>
-                      <a:rPr lang="en-US" i="1" dirty="0" smtClean="0">
-                        <a:latin typeface="Cambria Math" panose="02040503050406030204" pitchFamily="18" charset="0"/>
-                      </a:rPr>
-                      <m:t>∗</m:t>
-                    </m:r>
-                    <m:r>
-                      <a:rPr lang="en-US" i="1" dirty="0" smtClean="0">
-                        <a:latin typeface="Cambria Math" panose="02040503050406030204" pitchFamily="18" charset="0"/>
-                      </a:rPr>
-                      <m:t>𝐸</m:t>
-                    </m:r>
-                    <m:r>
-                      <a:rPr lang="en-US" i="1" dirty="0" smtClean="0">
-                        <a:latin typeface="Cambria Math" panose="02040503050406030204" pitchFamily="18" charset="0"/>
-                      </a:rPr>
-                      <m:t>∗</m:t>
-                    </m:r>
-                    <m:r>
-                      <a:rPr lang="en-US" i="1" dirty="0" smtClean="0">
-                        <a:latin typeface="Cambria Math" panose="02040503050406030204" pitchFamily="18" charset="0"/>
-                      </a:rPr>
-                      <m:t>𝑈</m:t>
+                      <m:t>1,…,</m:t>
+                    </m:r>
+                    <m:r>
+                      <a:rPr lang="en-US" i="1" dirty="0" err="1" smtClean="0">
+                        <a:latin typeface="Cambria Math" panose="02040503050406030204" pitchFamily="18" charset="0"/>
+                      </a:rPr>
+                      <m:t>𝐹𝑛</m:t>
                     </m:r>
                     <m:r>
                       <a:rPr lang="en-US" i="1" dirty="0" smtClean="0">
@@ -6490,7 +8113,7 @@
                 </a14:m>
                 <a:r>
                   <a:rPr lang="ru-RU" dirty="0" smtClean="0"/>
-                  <a:t>и </a:t>
+                  <a:t>при обработке данных будем обозначать как </a:t>
                 </a:r>
                 <a14:m>
                   <m:oMath xmlns:m="http://schemas.openxmlformats.org/officeDocument/2006/math">
@@ -6504,13 +8127,13 @@
                       <a:rPr lang="en-US" i="1" dirty="0" smtClean="0">
                         <a:latin typeface="Cambria Math" panose="02040503050406030204" pitchFamily="18" charset="0"/>
                       </a:rPr>
-                      <m:t> = </m:t>
+                      <m:t>=</m:t>
                     </m:r>
                     <m:r>
                       <a:rPr lang="en-US" i="1" dirty="0" smtClean="0">
                         <a:latin typeface="Cambria Math" panose="02040503050406030204" pitchFamily="18" charset="0"/>
                       </a:rPr>
-                      <m:t>𝑦</m:t>
+                      <m:t>𝑥</m:t>
                     </m:r>
                     <m:r>
                       <a:rPr lang="en-US" i="1" dirty="0" smtClean="0">
@@ -6522,421 +8145,93 @@
                       <a:rPr lang="en-US" i="1" dirty="0" smtClean="0">
                         <a:latin typeface="Cambria Math" panose="02040503050406030204" pitchFamily="18" charset="0"/>
                       </a:rPr>
-                      <m:t>𝑉</m:t>
+                      <m:t>𝐹</m:t>
                     </m:r>
                     <m:r>
                       <a:rPr lang="en-US" i="1" dirty="0" smtClean="0">
                         <a:latin typeface="Cambria Math" panose="02040503050406030204" pitchFamily="18" charset="0"/>
                       </a:rPr>
-                      <m:t>∗</m:t>
-                    </m:r>
-                    <m:r>
-                      <a:rPr lang="en-US" i="1" dirty="0" smtClean="0">
-                        <a:latin typeface="Cambria Math" panose="02040503050406030204" pitchFamily="18" charset="0"/>
-                      </a:rPr>
-                      <m:t>𝐷</m:t>
-                    </m:r>
-                    <m:r>
-                      <a:rPr lang="en-US" i="1" dirty="0" smtClean="0">
-                        <a:latin typeface="Cambria Math" panose="02040503050406030204" pitchFamily="18" charset="0"/>
-                      </a:rPr>
-                      <m:t> </m:t>
-                    </m:r>
-                  </m:oMath>
-                </a14:m>
-                <a:r>
-                  <a:rPr lang="ru-RU" dirty="0" smtClean="0"/>
-                  <a:t>для </a:t>
-                </a:r>
-                <a:r>
-                  <a:rPr lang="ru-RU" dirty="0"/>
-                  <a:t>любых допустимых </a:t>
-                </a:r>
-                <a14:m>
-                  <m:oMath xmlns:m="http://schemas.openxmlformats.org/officeDocument/2006/math">
-                    <m:r>
-                      <a:rPr lang="en-US" i="1" dirty="0" smtClean="0">
-                        <a:latin typeface="Cambria Math" panose="02040503050406030204" pitchFamily="18" charset="0"/>
-                      </a:rPr>
-                      <m:t>𝑥</m:t>
-                    </m:r>
-                  </m:oMath>
-                </a14:m>
-                <a:r>
-                  <a:rPr lang="en-US" dirty="0"/>
-                  <a:t> </a:t>
-                </a:r>
-                <a:r>
-                  <a:rPr lang="ru-RU" dirty="0"/>
-                  <a:t>и </a:t>
-                </a:r>
-                <a14:m>
-                  <m:oMath xmlns:m="http://schemas.openxmlformats.org/officeDocument/2006/math">
-                    <m:r>
-                      <a:rPr lang="en-US" i="1" dirty="0" smtClean="0">
-                        <a:latin typeface="Cambria Math" panose="02040503050406030204" pitchFamily="18" charset="0"/>
-                      </a:rPr>
-                      <m:t>𝑦</m:t>
-                    </m:r>
-                  </m:oMath>
-                </a14:m>
-                <a:endParaRPr lang="en-US" dirty="0" smtClean="0"/>
-              </a:p>
-              <a:p>
-                <a:pPr lvl="1"/>
-                <a:r>
-                  <a:rPr lang="ru-RU" dirty="0" smtClean="0"/>
-                  <a:t>Примеры таких алгорифмов известны из задач криптографии и задач восстановления искажённых данных (коды исправляющие ошибки)</a:t>
-                </a:r>
-              </a:p>
-              <a:p>
-                <a:pPr marL="342900" lvl="1" indent="-342900"/>
-                <a:r>
-                  <a:rPr lang="ru-RU" dirty="0" smtClean="0"/>
-                  <a:t>А значит любая задача вида </a:t>
-                </a:r>
-                <a14:m>
-                  <m:oMath xmlns:m="http://schemas.openxmlformats.org/officeDocument/2006/math">
-                    <m:r>
-                      <a:rPr lang="en-US" i="1" dirty="0" smtClean="0">
-                        <a:latin typeface="Cambria Math" panose="02040503050406030204" pitchFamily="18" charset="0"/>
-                      </a:rPr>
-                      <m:t>𝑦</m:t>
-                    </m:r>
-                    <m:r>
-                      <a:rPr lang="en-US" i="1" dirty="0" smtClean="0">
-                        <a:latin typeface="Cambria Math" panose="02040503050406030204" pitchFamily="18" charset="0"/>
-                      </a:rPr>
-                      <m:t>=</m:t>
-                    </m:r>
-                    <m:r>
-                      <a:rPr lang="en-US" i="1" dirty="0" smtClean="0">
-                        <a:latin typeface="Cambria Math" panose="02040503050406030204" pitchFamily="18" charset="0"/>
-                      </a:rPr>
-                      <m:t>𝑥</m:t>
-                    </m:r>
-                    <m:r>
-                      <a:rPr lang="en-US" i="1" dirty="0" smtClean="0">
-                        <a:latin typeface="Cambria Math" panose="02040503050406030204" pitchFamily="18" charset="0"/>
-                      </a:rPr>
-                      <m:t>∗</m:t>
-                    </m:r>
-                    <m:r>
-                      <a:rPr lang="en-US" i="1" dirty="0" smtClean="0">
-                        <a:latin typeface="Cambria Math" panose="02040503050406030204" pitchFamily="18" charset="0"/>
-                      </a:rPr>
-                      <m:t>𝐹</m:t>
-                    </m:r>
-                  </m:oMath>
-                </a14:m>
-                <a:r>
-                  <a:rPr lang="ru-RU" dirty="0" smtClean="0"/>
-                  <a:t> может быть заменена на задачу вида </a:t>
-                </a:r>
-              </a:p>
-              <a:p>
-                <a:pPr marL="742950" lvl="2" indent="-342900"/>
-                <a14:m>
-                  <m:oMath xmlns:m="http://schemas.openxmlformats.org/officeDocument/2006/math">
-                    <m:r>
-                      <a:rPr lang="en-US" i="1" dirty="0" smtClean="0">
-                        <a:latin typeface="Cambria Math" panose="02040503050406030204" pitchFamily="18" charset="0"/>
-                      </a:rPr>
-                      <m:t>𝑦</m:t>
-                    </m:r>
-                    <m:r>
-                      <a:rPr lang="en-US" i="1" dirty="0" smtClean="0">
-                        <a:latin typeface="Cambria Math" panose="02040503050406030204" pitchFamily="18" charset="0"/>
-                      </a:rPr>
-                      <m:t>= </m:t>
-                    </m:r>
-                    <m:r>
-                      <a:rPr lang="en-US" i="1" dirty="0" smtClean="0">
-                        <a:latin typeface="Cambria Math" panose="02040503050406030204" pitchFamily="18" charset="0"/>
-                      </a:rPr>
-                      <m:t>𝑥</m:t>
-                    </m:r>
-                    <m:r>
-                      <a:rPr lang="en-US" i="1" dirty="0" smtClean="0">
-                        <a:latin typeface="Cambria Math" panose="02040503050406030204" pitchFamily="18" charset="0"/>
-                      </a:rPr>
-                      <m:t>∗</m:t>
-                    </m:r>
-                    <m:r>
-                      <a:rPr lang="en-US" i="1" dirty="0" smtClean="0">
-                        <a:latin typeface="Cambria Math" panose="02040503050406030204" pitchFamily="18" charset="0"/>
-                      </a:rPr>
-                      <m:t>𝐸</m:t>
-                    </m:r>
-                    <m:r>
-                      <a:rPr lang="en-US" i="1" dirty="0" smtClean="0">
-                        <a:latin typeface="Cambria Math" panose="02040503050406030204" pitchFamily="18" charset="0"/>
-                      </a:rPr>
-                      <m:t>∗</m:t>
-                    </m:r>
-                    <m:r>
-                      <a:rPr lang="en-US" i="1" dirty="0" smtClean="0">
-                        <a:latin typeface="Cambria Math" panose="02040503050406030204" pitchFamily="18" charset="0"/>
-                      </a:rPr>
-                      <m:t>𝑈</m:t>
-                    </m:r>
-                    <m:r>
-                      <a:rPr lang="en-US" i="1" dirty="0" smtClean="0">
-                        <a:latin typeface="Cambria Math" panose="02040503050406030204" pitchFamily="18" charset="0"/>
-                      </a:rPr>
-                      <m:t>∗</m:t>
-                    </m:r>
-                    <m:r>
-                      <a:rPr lang="en-US" i="1" dirty="0" smtClean="0">
-                        <a:latin typeface="Cambria Math" panose="02040503050406030204" pitchFamily="18" charset="0"/>
-                      </a:rPr>
-                      <m:t>𝐹</m:t>
-                    </m:r>
-                    <m:r>
-                      <a:rPr lang="en-US" i="1" dirty="0" smtClean="0">
-                        <a:latin typeface="Cambria Math" panose="02040503050406030204" pitchFamily="18" charset="0"/>
-                      </a:rPr>
-                      <m:t>∗</m:t>
-                    </m:r>
-                    <m:r>
-                      <a:rPr lang="en-US" i="1" dirty="0" smtClean="0">
-                        <a:latin typeface="Cambria Math" panose="02040503050406030204" pitchFamily="18" charset="0"/>
-                      </a:rPr>
-                      <m:t>𝑉</m:t>
-                    </m:r>
-                    <m:r>
-                      <a:rPr lang="en-US" i="1" dirty="0" smtClean="0">
-                        <a:latin typeface="Cambria Math" panose="02040503050406030204" pitchFamily="18" charset="0"/>
-                      </a:rPr>
-                      <m:t>∗</m:t>
-                    </m:r>
-                    <m:r>
-                      <a:rPr lang="en-US" i="1" dirty="0" smtClean="0">
-                        <a:latin typeface="Cambria Math" panose="02040503050406030204" pitchFamily="18" charset="0"/>
-                      </a:rPr>
-                      <m:t>𝐷</m:t>
-                    </m:r>
-                    <m:r>
-                      <a:rPr lang="ru-RU" i="1" dirty="0">
-                        <a:latin typeface="Cambria Math" panose="02040503050406030204" pitchFamily="18" charset="0"/>
-                      </a:rPr>
-                      <m:t> </m:t>
-                    </m:r>
-                    <m:r>
-                      <a:rPr lang="ru-RU" i="1" dirty="0" smtClean="0">
-                        <a:latin typeface="Cambria Math" panose="02040503050406030204" pitchFamily="18" charset="0"/>
-                      </a:rPr>
-                      <m:t>= (</m:t>
-                    </m:r>
-                    <m:r>
-                      <a:rPr lang="en-US" i="1" dirty="0" smtClean="0">
-                        <a:latin typeface="Cambria Math" panose="02040503050406030204" pitchFamily="18" charset="0"/>
-                      </a:rPr>
-                      <m:t>𝑥</m:t>
-                    </m:r>
-                    <m:r>
-                      <a:rPr lang="en-US" i="1" dirty="0" smtClean="0">
-                        <a:latin typeface="Cambria Math" panose="02040503050406030204" pitchFamily="18" charset="0"/>
-                      </a:rPr>
-                      <m:t>∗</m:t>
-                    </m:r>
-                    <m:r>
-                      <a:rPr lang="en-US" i="1" dirty="0" smtClean="0">
-                        <a:latin typeface="Cambria Math" panose="02040503050406030204" pitchFamily="18" charset="0"/>
-                      </a:rPr>
-                      <m:t>𝐸</m:t>
-                    </m:r>
-                    <m:r>
-                      <a:rPr lang="ru-RU" i="1" dirty="0" smtClean="0">
-                        <a:latin typeface="Cambria Math" panose="02040503050406030204" pitchFamily="18" charset="0"/>
-                      </a:rPr>
-                      <m:t>)</m:t>
-                    </m:r>
-                    <m:r>
-                      <a:rPr lang="en-US" i="1" dirty="0" smtClean="0">
-                        <a:latin typeface="Cambria Math" panose="02040503050406030204" pitchFamily="18" charset="0"/>
-                      </a:rPr>
-                      <m:t>∗</m:t>
-                    </m:r>
-                    <m:r>
-                      <a:rPr lang="ru-RU" i="1" dirty="0" smtClean="0">
-                        <a:latin typeface="Cambria Math" panose="02040503050406030204" pitchFamily="18" charset="0"/>
-                      </a:rPr>
-                      <m:t>(</m:t>
-                    </m:r>
-                    <m:r>
-                      <a:rPr lang="en-US" i="1" dirty="0" smtClean="0">
-                        <a:latin typeface="Cambria Math" panose="02040503050406030204" pitchFamily="18" charset="0"/>
-                      </a:rPr>
-                      <m:t>𝑈</m:t>
-                    </m:r>
-                    <m:r>
-                      <a:rPr lang="en-US" i="1" dirty="0" smtClean="0">
-                        <a:latin typeface="Cambria Math" panose="02040503050406030204" pitchFamily="18" charset="0"/>
-                      </a:rPr>
-                      <m:t>∗</m:t>
-                    </m:r>
-                    <m:r>
-                      <a:rPr lang="en-US" i="1" dirty="0" smtClean="0">
-                        <a:latin typeface="Cambria Math" panose="02040503050406030204" pitchFamily="18" charset="0"/>
-                      </a:rPr>
-                      <m:t>𝐹</m:t>
-                    </m:r>
-                    <m:r>
-                      <a:rPr lang="en-US" i="1" dirty="0" smtClean="0">
-                        <a:latin typeface="Cambria Math" panose="02040503050406030204" pitchFamily="18" charset="0"/>
-                      </a:rPr>
-                      <m:t>∗</m:t>
-                    </m:r>
-                    <m:r>
-                      <a:rPr lang="en-US" i="1" dirty="0" smtClean="0">
-                        <a:latin typeface="Cambria Math" panose="02040503050406030204" pitchFamily="18" charset="0"/>
-                      </a:rPr>
-                      <m:t>𝑉</m:t>
-                    </m:r>
-                    <m:r>
-                      <a:rPr lang="ru-RU" i="1" dirty="0" smtClean="0">
-                        <a:latin typeface="Cambria Math" panose="02040503050406030204" pitchFamily="18" charset="0"/>
-                      </a:rPr>
-                      <m:t>)</m:t>
-                    </m:r>
-                    <m:r>
-                      <a:rPr lang="en-US" i="1" dirty="0" smtClean="0">
-                        <a:latin typeface="Cambria Math" panose="02040503050406030204" pitchFamily="18" charset="0"/>
-                      </a:rPr>
-                      <m:t>∗</m:t>
-                    </m:r>
-                    <m:r>
-                      <a:rPr lang="en-US" i="1" dirty="0" smtClean="0">
-                        <a:latin typeface="Cambria Math" panose="02040503050406030204" pitchFamily="18" charset="0"/>
-                      </a:rPr>
-                      <m:t>𝐷</m:t>
-                    </m:r>
-                    <m:r>
-                      <a:rPr lang="ru-RU" i="1" dirty="0" smtClean="0">
-                        <a:latin typeface="Cambria Math" panose="02040503050406030204" pitchFamily="18" charset="0"/>
-                      </a:rPr>
-                      <m:t> = </m:t>
-                    </m:r>
-                    <m:r>
-                      <a:rPr lang="ru-RU" i="1" dirty="0">
-                        <a:latin typeface="Cambria Math" panose="02040503050406030204" pitchFamily="18" charset="0"/>
-                      </a:rPr>
-                      <m:t>(</m:t>
-                    </m:r>
-                    <m:r>
-                      <a:rPr lang="en-US" i="1" dirty="0">
-                        <a:latin typeface="Cambria Math" panose="02040503050406030204" pitchFamily="18" charset="0"/>
-                      </a:rPr>
-                      <m:t>𝑥</m:t>
-                    </m:r>
-                    <m:r>
-                      <a:rPr lang="en-US" i="1" dirty="0">
-                        <a:latin typeface="Cambria Math" panose="02040503050406030204" pitchFamily="18" charset="0"/>
-                      </a:rPr>
-                      <m:t>∗</m:t>
-                    </m:r>
-                    <m:r>
-                      <a:rPr lang="en-US" i="1" dirty="0">
-                        <a:latin typeface="Cambria Math" panose="02040503050406030204" pitchFamily="18" charset="0"/>
-                      </a:rPr>
-                      <m:t>𝐸</m:t>
-                    </m:r>
-                    <m:r>
-                      <a:rPr lang="ru-RU" i="1" dirty="0">
-                        <a:latin typeface="Cambria Math" panose="02040503050406030204" pitchFamily="18" charset="0"/>
-                      </a:rPr>
-                      <m:t>)</m:t>
-                    </m:r>
-                    <m:r>
-                      <a:rPr lang="en-US" i="1" dirty="0" smtClean="0">
-                        <a:latin typeface="Cambria Math" panose="02040503050406030204" pitchFamily="18" charset="0"/>
-                      </a:rPr>
-                      <m:t>∗</m:t>
-                    </m:r>
-                    <m:r>
-                      <a:rPr lang="en-US" i="1" dirty="0" smtClean="0">
-                        <a:latin typeface="Cambria Math" panose="02040503050406030204" pitchFamily="18" charset="0"/>
-                      </a:rPr>
-                      <m:t>𝐺</m:t>
-                    </m:r>
-                    <m:r>
-                      <a:rPr lang="en-US" i="1" dirty="0" smtClean="0">
-                        <a:latin typeface="Cambria Math" panose="02040503050406030204" pitchFamily="18" charset="0"/>
-                      </a:rPr>
-                      <m:t>∗</m:t>
-                    </m:r>
-                    <m:r>
-                      <a:rPr lang="en-US" i="1" dirty="0" smtClean="0">
-                        <a:latin typeface="Cambria Math" panose="02040503050406030204" pitchFamily="18" charset="0"/>
-                      </a:rPr>
-                      <m:t>𝐷</m:t>
-                    </m:r>
-                  </m:oMath>
-                </a14:m>
-                <a:r>
-                  <a:rPr lang="en-US" dirty="0" smtClean="0"/>
-                  <a:t>, </a:t>
-                </a:r>
-                <a:r>
-                  <a:rPr lang="ru-RU" dirty="0" smtClean="0"/>
-                  <a:t>где </a:t>
-                </a:r>
-                <a14:m>
-                  <m:oMath xmlns:m="http://schemas.openxmlformats.org/officeDocument/2006/math">
-                    <m:r>
-                      <a:rPr lang="en-US" i="1" dirty="0" smtClean="0">
-                        <a:latin typeface="Cambria Math" panose="02040503050406030204" pitchFamily="18" charset="0"/>
-                      </a:rPr>
-                      <m:t>𝐺</m:t>
-                    </m:r>
-                    <m:r>
-                      <a:rPr lang="en-US" i="1" dirty="0" smtClean="0">
-                        <a:latin typeface="Cambria Math" panose="02040503050406030204" pitchFamily="18" charset="0"/>
-                      </a:rPr>
-                      <m:t>=</m:t>
-                    </m:r>
-                    <m:r>
-                      <a:rPr lang="en-US" i="1" dirty="0" smtClean="0">
-                        <a:latin typeface="Cambria Math" panose="02040503050406030204" pitchFamily="18" charset="0"/>
-                      </a:rPr>
-                      <m:t>𝑈</m:t>
-                    </m:r>
-                    <m:r>
-                      <a:rPr lang="en-US" i="1" dirty="0" smtClean="0">
-                        <a:latin typeface="Cambria Math" panose="02040503050406030204" pitchFamily="18" charset="0"/>
-                      </a:rPr>
-                      <m:t>∗</m:t>
-                    </m:r>
-                    <m:r>
-                      <a:rPr lang="en-US" i="1" dirty="0" smtClean="0">
-                        <a:latin typeface="Cambria Math" panose="02040503050406030204" pitchFamily="18" charset="0"/>
-                      </a:rPr>
-                      <m:t>𝐹</m:t>
-                    </m:r>
-                    <m:r>
-                      <a:rPr lang="en-US" i="1" dirty="0" smtClean="0">
-                        <a:latin typeface="Cambria Math" panose="02040503050406030204" pitchFamily="18" charset="0"/>
-                      </a:rPr>
-                      <m:t>∗</m:t>
-                    </m:r>
-                    <m:r>
-                      <a:rPr lang="en-US" i="1" dirty="0" smtClean="0">
-                        <a:latin typeface="Cambria Math" panose="02040503050406030204" pitchFamily="18" charset="0"/>
-                      </a:rPr>
-                      <m:t>𝑉</m:t>
+                      <m:t>1∗…∗</m:t>
+                    </m:r>
+                    <m:r>
+                      <a:rPr lang="en-US" i="1" dirty="0" err="1" smtClean="0">
+                        <a:latin typeface="Cambria Math" panose="02040503050406030204" pitchFamily="18" charset="0"/>
+                      </a:rPr>
+                      <m:t>𝐹𝑛</m:t>
                     </m:r>
                   </m:oMath>
                 </a14:m>
                 <a:endParaRPr lang="ru-RU" dirty="0"/>
               </a:p>
               <a:p>
-                <a:endParaRPr lang="ru-RU" dirty="0" smtClean="0"/>
+                <a:pPr marL="342900" lvl="1" indent="-342900"/>
+                <a:r>
+                  <a:rPr lang="ru-RU" dirty="0" smtClean="0"/>
+                  <a:t>Теория алгоритмов, говорит нам, что любой алгоритм (или композиция алгоритмов) имеют эквивалентные алгоритмы, а значит, можно составить алгорифм </a:t>
+                </a:r>
+                <a:r>
+                  <a:rPr lang="en-US" dirty="0" smtClean="0"/>
+                  <a:t>“</a:t>
+                </a:r>
+                <a:r>
+                  <a:rPr lang="ru-RU" dirty="0" smtClean="0"/>
+                  <a:t>уменьшения</a:t>
+                </a:r>
+                <a:r>
+                  <a:rPr lang="en-US" dirty="0" smtClean="0"/>
+                  <a:t>”</a:t>
+                </a:r>
+                <a:r>
+                  <a:rPr lang="ru-RU" dirty="0" smtClean="0"/>
+                  <a:t> количества шагов программы или алгоритм </a:t>
+                </a:r>
+                <a:r>
+                  <a:rPr lang="en-US" dirty="0"/>
+                  <a:t>“</a:t>
+                </a:r>
+                <a:r>
+                  <a:rPr lang="ru-RU" dirty="0"/>
+                  <a:t>обфукации</a:t>
+                </a:r>
+                <a:r>
+                  <a:rPr lang="en-US" dirty="0" smtClean="0"/>
+                  <a:t>”</a:t>
+                </a:r>
+                <a:r>
+                  <a:rPr lang="ru-RU" dirty="0" smtClean="0"/>
+                  <a:t> программы для усложнения анализа кода программы, используя запись программы </a:t>
+                </a:r>
+                <a14:m>
+                  <m:oMath xmlns:m="http://schemas.openxmlformats.org/officeDocument/2006/math">
+                    <m:r>
+                      <a:rPr lang="en-US" i="1" dirty="0" smtClean="0">
+                        <a:latin typeface="Cambria Math" panose="02040503050406030204" pitchFamily="18" charset="0"/>
+                      </a:rPr>
+                      <m:t>𝐹</m:t>
+                    </m:r>
+                    <m:r>
+                      <a:rPr lang="en-US" i="1" dirty="0" smtClean="0">
+                        <a:latin typeface="Cambria Math" panose="02040503050406030204" pitchFamily="18" charset="0"/>
+                      </a:rPr>
+                      <m:t>1∗…∗</m:t>
+                    </m:r>
+                    <m:r>
+                      <a:rPr lang="en-US" i="1" dirty="0" err="1" smtClean="0">
+                        <a:latin typeface="Cambria Math" panose="02040503050406030204" pitchFamily="18" charset="0"/>
+                      </a:rPr>
+                      <m:t>𝐹𝑛</m:t>
+                    </m:r>
+                  </m:oMath>
+                </a14:m>
+                <a:r>
+                  <a:rPr lang="ru-RU" dirty="0" smtClean="0"/>
+                  <a:t> как исходные данные для обработки.</a:t>
+                </a:r>
               </a:p>
             </p:txBody>
           </p:sp>
         </mc:Choice>
-        <mc:Fallback xmlns="">
+        <mc:Fallback>
           <p:sp>
             <p:nvSpPr>
               <p:cNvPr id="3" name="Объект 2"/>
@@ -6951,7 +8246,7 @@
               <a:blipFill rotWithShape="0">
                 <a:blip r:embed="rId2"/>
                 <a:stretch>
-                  <a:fillRect l="-142" t="-942" r="-142"/>
+                  <a:fillRect l="-71" t="-1099" b="-628"/>
                 </a:stretch>
               </a:blipFill>
             </p:spPr>
@@ -6973,7 +8268,7 @@
     </p:spTree>
     <p:extLst>
       <p:ext uri="{BB962C8B-B14F-4D97-AF65-F5344CB8AC3E}">
-        <p14:creationId xmlns:p14="http://schemas.microsoft.com/office/powerpoint/2010/main" val="446321636"/>
+        <p14:creationId xmlns:p14="http://schemas.microsoft.com/office/powerpoint/2010/main" val="926790136"/>
       </p:ext>
     </p:extLst>
   </p:cSld>
@@ -7016,22 +8311,13 @@
           <a:lstStyle/>
           <a:p>
             <a:r>
+              <a:rPr lang="ru-RU" dirty="0" smtClean="0"/>
+              <a:t>Публичный абстрактный </a:t>
+            </a:r>
+            <a:r>
               <a:rPr lang="ru-RU" dirty="0"/>
-              <a:t>Алгоритм защиты </a:t>
-            </a:r>
-            <a:r>
-              <a:rPr lang="ru-RU" dirty="0" smtClean="0"/>
-              <a:t>вычислений</a:t>
-            </a:r>
-            <a:r>
-              <a:rPr lang="en-US" dirty="0" smtClean="0"/>
-              <a:t> </a:t>
-            </a:r>
-            <a:r>
-              <a:rPr lang="ru-RU" dirty="0" smtClean="0"/>
-              <a:t>на публичном вычислителе</a:t>
-            </a:r>
-            <a:endParaRPr lang="ru-RU" dirty="0"/>
+              <a:t>вычислитель</a:t>
+            </a:r>
           </a:p>
         </p:txBody>
       </p:sp>
@@ -7050,42 +8336,42 @@
             <p:spPr/>
             <p:txBody>
               <a:bodyPr>
-                <a:normAutofit fontScale="77500" lnSpcReduction="20000"/>
+                <a:normAutofit/>
               </a:bodyPr>
               <a:lstStyle/>
               <a:p>
                 <a:r>
-                  <a:rPr lang="ru-RU" dirty="0"/>
+                  <a:rPr lang="ru-RU" dirty="0" smtClean="0"/>
                   <a:t>Пусть требуется выполнить вычисления </a:t>
                 </a:r>
                 <a14:m>
                   <m:oMath xmlns:m="http://schemas.openxmlformats.org/officeDocument/2006/math">
                     <m:r>
-                      <a:rPr lang="ru-RU" i="1" dirty="0" smtClean="0">
+                      <a:rPr lang="en-US" i="1" dirty="0" smtClean="0">
                         <a:latin typeface="Cambria Math" panose="02040503050406030204" pitchFamily="18" charset="0"/>
                       </a:rPr>
                       <m:t>𝑦</m:t>
                     </m:r>
                     <m:r>
-                      <a:rPr lang="ru-RU" i="1" dirty="0" smtClean="0">
+                      <a:rPr lang="en-US" i="1" dirty="0" smtClean="0">
                         <a:latin typeface="Cambria Math" panose="02040503050406030204" pitchFamily="18" charset="0"/>
                       </a:rPr>
                       <m:t>=</m:t>
                     </m:r>
                     <m:r>
-                      <a:rPr lang="ru-RU" i="1" dirty="0" smtClean="0">
+                      <a:rPr lang="en-US" i="1" dirty="0" smtClean="0">
                         <a:latin typeface="Cambria Math" panose="02040503050406030204" pitchFamily="18" charset="0"/>
                       </a:rPr>
                       <m:t>𝑥</m:t>
                     </m:r>
                     <m:r>
-                      <a:rPr lang="ru-RU" i="1" dirty="0" smtClean="0">
+                      <a:rPr lang="en-US" i="1" dirty="0" smtClean="0">
                         <a:latin typeface="Cambria Math" panose="02040503050406030204" pitchFamily="18" charset="0"/>
                       </a:rPr>
                       <m:t>∗</m:t>
                     </m:r>
                     <m:r>
-                      <a:rPr lang="ru-RU" i="1" dirty="0" smtClean="0">
+                      <a:rPr lang="en-US" i="1" dirty="0" smtClean="0">
                         <a:latin typeface="Cambria Math" panose="02040503050406030204" pitchFamily="18" charset="0"/>
                       </a:rPr>
                       <m:t>𝐹</m:t>
@@ -7093,27 +8379,53 @@
                   </m:oMath>
                 </a14:m>
                 <a:r>
+                  <a:rPr lang="en-US" dirty="0"/>
+                  <a:t> </a:t>
+                </a:r>
+                <a:r>
+                  <a:rPr lang="ru-RU" dirty="0" smtClean="0"/>
+                  <a:t>над </a:t>
+                </a:r>
+                <a:r>
                   <a:rPr lang="ru-RU" dirty="0"/>
-                  <a:t> над исходными данными x по алгорифму </a:t>
+                  <a:t>исходными данными </a:t>
                 </a:r>
                 <a14:m>
                   <m:oMath xmlns:m="http://schemas.openxmlformats.org/officeDocument/2006/math">
                     <m:r>
-                      <a:rPr lang="ru-RU" i="1" dirty="0" smtClean="0">
-                        <a:latin typeface="Cambria Math" panose="02040503050406030204" pitchFamily="18" charset="0"/>
-                      </a:rPr>
-                      <m:t>𝐹</m:t>
+                      <a:rPr lang="en-US" i="1" dirty="0" smtClean="0">
+                        <a:latin typeface="Cambria Math" panose="02040503050406030204" pitchFamily="18" charset="0"/>
+                      </a:rPr>
+                      <m:t>𝑥</m:t>
                     </m:r>
                   </m:oMath>
                 </a14:m>
                 <a:r>
+                  <a:rPr lang="en-US" dirty="0"/>
+                  <a:t> </a:t>
+                </a:r>
+                <a:r>
+                  <a:rPr lang="ru-RU" dirty="0"/>
+                  <a:t>по алгорифму </a:t>
+                </a:r>
+                <a14:m>
+                  <m:oMath xmlns:m="http://schemas.openxmlformats.org/officeDocument/2006/math">
+                    <m:r>
+                      <a:rPr lang="en-US" i="1" dirty="0" smtClean="0">
+                        <a:latin typeface="Cambria Math" panose="02040503050406030204" pitchFamily="18" charset="0"/>
+                      </a:rPr>
+                      <m:t>𝐹</m:t>
+                    </m:r>
+                  </m:oMath>
+                </a14:m>
+                <a:r>
                   <a:rPr lang="ru-RU" dirty="0"/>
                   <a:t> где </a:t>
                 </a:r>
                 <a14:m>
                   <m:oMath xmlns:m="http://schemas.openxmlformats.org/officeDocument/2006/math">
                     <m:r>
-                      <a:rPr lang="ru-RU" i="1" dirty="0" smtClean="0">
+                      <a:rPr lang="en-US" i="1" dirty="0" smtClean="0">
                         <a:latin typeface="Cambria Math" panose="02040503050406030204" pitchFamily="18" charset="0"/>
                       </a:rPr>
                       <m:t>𝑦</m:t>
@@ -7121,30 +8433,19 @@
                   </m:oMath>
                 </a14:m>
                 <a:r>
-                  <a:rPr lang="ru-RU" dirty="0"/>
-                  <a:t> – искомые данные</a:t>
+                  <a:rPr lang="en-US" dirty="0"/>
+                  <a:t> – </a:t>
                 </a:r>
                 <a:r>
                   <a:rPr lang="ru-RU" dirty="0" smtClean="0"/>
-                  <a:t>.</a:t>
+                  <a:t>искомые данные.</a:t>
                 </a:r>
               </a:p>
               <a:p>
+                <a:pPr lvl="1"/>
                 <a:r>
                   <a:rPr lang="ru-RU" dirty="0" smtClean="0"/>
-                  <a:t>Возьмём произвольные алгорифмы</a:t>
-                </a:r>
-                <a:r>
-                  <a:rPr lang="en-US" dirty="0"/>
-                  <a:t>, </a:t>
-                </a:r>
-                <a:r>
-                  <a:rPr lang="ru-RU" dirty="0"/>
-                  <a:t>обладающие </a:t>
-                </a:r>
-                <a:r>
-                  <a:rPr lang="ru-RU" dirty="0" smtClean="0"/>
-                  <a:t>свойствами </a:t>
+                  <a:t>При передачи задания на внешний вычислитель мы сообщаем этому вычислителю исходные данные </a:t>
                 </a:r>
                 <a14:m>
                   <m:oMath xmlns:m="http://schemas.openxmlformats.org/officeDocument/2006/math">
@@ -7154,51 +8455,202 @@
                       </a:rPr>
                       <m:t>𝑥</m:t>
                     </m:r>
-                    <m:r>
-                      <a:rPr lang="en-US" i="1" dirty="0" smtClean="0">
-                        <a:latin typeface="Cambria Math" panose="02040503050406030204" pitchFamily="18" charset="0"/>
-                      </a:rPr>
-                      <m:t> = </m:t>
-                    </m:r>
-                    <m:r>
-                      <a:rPr lang="en-US" i="1" dirty="0">
-                        <a:latin typeface="Cambria Math" panose="02040503050406030204" pitchFamily="18" charset="0"/>
-                      </a:rPr>
-                      <m:t>𝑥</m:t>
-                    </m:r>
-                    <m:r>
-                      <a:rPr lang="en-US" i="1" dirty="0">
-                        <a:latin typeface="Cambria Math" panose="02040503050406030204" pitchFamily="18" charset="0"/>
-                      </a:rPr>
-                      <m:t>∗</m:t>
-                    </m:r>
-                    <m:r>
-                      <a:rPr lang="en-US" i="1" dirty="0">
-                        <a:latin typeface="Cambria Math" panose="02040503050406030204" pitchFamily="18" charset="0"/>
-                      </a:rPr>
-                      <m:t>𝐸</m:t>
-                    </m:r>
-                    <m:r>
-                      <a:rPr lang="en-US" i="1" dirty="0">
-                        <a:latin typeface="Cambria Math" panose="02040503050406030204" pitchFamily="18" charset="0"/>
-                      </a:rPr>
-                      <m:t>∗</m:t>
-                    </m:r>
-                    <m:r>
-                      <a:rPr lang="en-US" i="1" dirty="0">
-                        <a:latin typeface="Cambria Math" panose="02040503050406030204" pitchFamily="18" charset="0"/>
-                      </a:rPr>
-                      <m:t>𝑈</m:t>
-                    </m:r>
-                    <m:r>
-                      <a:rPr lang="en-US" i="1" dirty="0">
-                        <a:latin typeface="Cambria Math" panose="02040503050406030204" pitchFamily="18" charset="0"/>
-                      </a:rPr>
-                      <m:t> </m:t>
-                    </m:r>
                   </m:oMath>
                 </a14:m>
                 <a:r>
+                  <a:rPr lang="en-US" dirty="0" smtClean="0"/>
+                  <a:t> </a:t>
+                </a:r>
+                <a:r>
+                  <a:rPr lang="ru-RU" dirty="0" smtClean="0"/>
+                  <a:t>и алгори</a:t>
+                </a:r>
+                <a:r>
+                  <a:rPr lang="ru-RU" dirty="0"/>
+                  <a:t>ф</a:t>
+                </a:r>
+                <a:r>
+                  <a:rPr lang="ru-RU" dirty="0" smtClean="0"/>
+                  <a:t>м </a:t>
+                </a:r>
+                <a14:m>
+                  <m:oMath xmlns:m="http://schemas.openxmlformats.org/officeDocument/2006/math">
+                    <m:r>
+                      <a:rPr lang="en-US" i="1" dirty="0" smtClean="0">
+                        <a:latin typeface="Cambria Math" panose="02040503050406030204" pitchFamily="18" charset="0"/>
+                      </a:rPr>
+                      <m:t>𝐹</m:t>
+                    </m:r>
+                  </m:oMath>
+                </a14:m>
+                <a:r>
+                  <a:rPr lang="en-US" dirty="0" smtClean="0"/>
+                  <a:t>,</a:t>
+                </a:r>
+                <a:r>
+                  <a:rPr lang="ru-RU" dirty="0" smtClean="0"/>
+                  <a:t> получая в ответ искомые данные </a:t>
+                </a:r>
+                <a14:m>
+                  <m:oMath xmlns:m="http://schemas.openxmlformats.org/officeDocument/2006/math">
+                    <m:r>
+                      <a:rPr lang="en-US" i="1" dirty="0" smtClean="0">
+                        <a:latin typeface="Cambria Math" panose="02040503050406030204" pitchFamily="18" charset="0"/>
+                      </a:rPr>
+                      <m:t>𝑦</m:t>
+                    </m:r>
+                  </m:oMath>
+                </a14:m>
+                <a:endParaRPr lang="ru-RU" dirty="0" smtClean="0"/>
+              </a:p>
+              <a:p>
+                <a:r>
+                  <a:rPr lang="ru-RU" dirty="0" smtClean="0"/>
+                  <a:t>В тоже время очевидно, что существуют алгорифмы</a:t>
+                </a:r>
+                <a:r>
+                  <a:rPr lang="en-US" dirty="0" smtClean="0"/>
+                  <a:t>, </a:t>
+                </a:r>
+                <a:r>
+                  <a:rPr lang="ru-RU" dirty="0" smtClean="0"/>
+                  <a:t>обладающие свойствами</a:t>
+                </a:r>
+                <a:r>
+                  <a:rPr lang="en-US" dirty="0" smtClean="0"/>
+                  <a:t> </a:t>
+                </a:r>
+                <a14:m>
+                  <m:oMath xmlns:m="http://schemas.openxmlformats.org/officeDocument/2006/math">
+                    <m:r>
+                      <a:rPr lang="en-US" i="1" dirty="0" smtClean="0">
+                        <a:latin typeface="Cambria Math" panose="02040503050406030204" pitchFamily="18" charset="0"/>
+                      </a:rPr>
+                      <m:t>𝑥</m:t>
+                    </m:r>
+                    <m:r>
+                      <a:rPr lang="en-US" i="1" dirty="0" smtClean="0">
+                        <a:latin typeface="Cambria Math" panose="02040503050406030204" pitchFamily="18" charset="0"/>
+                      </a:rPr>
+                      <m:t> = </m:t>
+                    </m:r>
+                    <m:r>
+                      <a:rPr lang="en-US" i="1" dirty="0" smtClean="0">
+                        <a:latin typeface="Cambria Math" panose="02040503050406030204" pitchFamily="18" charset="0"/>
+                      </a:rPr>
+                      <m:t>𝑥</m:t>
+                    </m:r>
+                    <m:r>
+                      <a:rPr lang="en-US" i="1" dirty="0" smtClean="0">
+                        <a:latin typeface="Cambria Math" panose="02040503050406030204" pitchFamily="18" charset="0"/>
+                      </a:rPr>
+                      <m:t>∗</m:t>
+                    </m:r>
+                    <m:r>
+                      <a:rPr lang="en-US" i="1" dirty="0" smtClean="0">
+                        <a:latin typeface="Cambria Math" panose="02040503050406030204" pitchFamily="18" charset="0"/>
+                      </a:rPr>
+                      <m:t>𝐸</m:t>
+                    </m:r>
+                    <m:r>
+                      <a:rPr lang="en-US" i="1" dirty="0" smtClean="0">
+                        <a:latin typeface="Cambria Math" panose="02040503050406030204" pitchFamily="18" charset="0"/>
+                      </a:rPr>
+                      <m:t>∗</m:t>
+                    </m:r>
+                    <m:r>
+                      <a:rPr lang="en-US" i="1" dirty="0" smtClean="0">
+                        <a:latin typeface="Cambria Math" panose="02040503050406030204" pitchFamily="18" charset="0"/>
+                      </a:rPr>
+                      <m:t>𝑈</m:t>
+                    </m:r>
+                    <m:r>
+                      <a:rPr lang="en-US" i="1" dirty="0" smtClean="0">
+                        <a:latin typeface="Cambria Math" panose="02040503050406030204" pitchFamily="18" charset="0"/>
+                      </a:rPr>
+                      <m:t> </m:t>
+                    </m:r>
+                  </m:oMath>
+                </a14:m>
+                <a:r>
+                  <a:rPr lang="ru-RU" dirty="0" smtClean="0"/>
+                  <a:t>и </a:t>
+                </a:r>
+                <a14:m>
+                  <m:oMath xmlns:m="http://schemas.openxmlformats.org/officeDocument/2006/math">
+                    <m:r>
+                      <a:rPr lang="en-US" i="1" dirty="0" smtClean="0">
+                        <a:latin typeface="Cambria Math" panose="02040503050406030204" pitchFamily="18" charset="0"/>
+                      </a:rPr>
+                      <m:t>𝑦</m:t>
+                    </m:r>
+                    <m:r>
+                      <a:rPr lang="en-US" i="1" dirty="0" smtClean="0">
+                        <a:latin typeface="Cambria Math" panose="02040503050406030204" pitchFamily="18" charset="0"/>
+                      </a:rPr>
+                      <m:t> = </m:t>
+                    </m:r>
+                    <m:r>
+                      <a:rPr lang="en-US" i="1" dirty="0" smtClean="0">
+                        <a:latin typeface="Cambria Math" panose="02040503050406030204" pitchFamily="18" charset="0"/>
+                      </a:rPr>
+                      <m:t>𝑦</m:t>
+                    </m:r>
+                    <m:r>
+                      <a:rPr lang="en-US" i="1" dirty="0" smtClean="0">
+                        <a:latin typeface="Cambria Math" panose="02040503050406030204" pitchFamily="18" charset="0"/>
+                      </a:rPr>
+                      <m:t>∗</m:t>
+                    </m:r>
+                    <m:r>
+                      <a:rPr lang="en-US" i="1" dirty="0" smtClean="0">
+                        <a:latin typeface="Cambria Math" panose="02040503050406030204" pitchFamily="18" charset="0"/>
+                      </a:rPr>
+                      <m:t>𝑉</m:t>
+                    </m:r>
+                    <m:r>
+                      <a:rPr lang="en-US" i="1" dirty="0" smtClean="0">
+                        <a:latin typeface="Cambria Math" panose="02040503050406030204" pitchFamily="18" charset="0"/>
+                      </a:rPr>
+                      <m:t>∗</m:t>
+                    </m:r>
+                    <m:r>
+                      <a:rPr lang="en-US" i="1" dirty="0" smtClean="0">
+                        <a:latin typeface="Cambria Math" panose="02040503050406030204" pitchFamily="18" charset="0"/>
+                      </a:rPr>
+                      <m:t>𝐷</m:t>
+                    </m:r>
+                    <m:r>
+                      <a:rPr lang="en-US" i="1" dirty="0" smtClean="0">
+                        <a:latin typeface="Cambria Math" panose="02040503050406030204" pitchFamily="18" charset="0"/>
+                      </a:rPr>
+                      <m:t> </m:t>
+                    </m:r>
+                  </m:oMath>
+                </a14:m>
+                <a:r>
+                  <a:rPr lang="ru-RU" dirty="0" smtClean="0"/>
+                  <a:t>для </a:t>
+                </a:r>
+                <a:r>
+                  <a:rPr lang="ru-RU" dirty="0"/>
+                  <a:t>любых допустимых </a:t>
+                </a:r>
+                <a14:m>
+                  <m:oMath xmlns:m="http://schemas.openxmlformats.org/officeDocument/2006/math">
+                    <m:r>
+                      <a:rPr lang="en-US" i="1" dirty="0" smtClean="0">
+                        <a:latin typeface="Cambria Math" panose="02040503050406030204" pitchFamily="18" charset="0"/>
+                      </a:rPr>
+                      <m:t>𝑥</m:t>
+                    </m:r>
+                  </m:oMath>
+                </a14:m>
+                <a:r>
+                  <a:rPr lang="en-US" dirty="0"/>
+                  <a:t> </a:t>
+                </a:r>
+                <a:r>
                   <a:rPr lang="ru-RU" dirty="0"/>
                   <a:t>и </a:t>
                 </a:r>
@@ -7210,53 +8662,22 @@
                       </a:rPr>
                       <m:t>𝑦</m:t>
                     </m:r>
-                    <m:r>
-                      <a:rPr lang="en-US" i="1" dirty="0" smtClean="0">
-                        <a:latin typeface="Cambria Math" panose="02040503050406030204" pitchFamily="18" charset="0"/>
-                      </a:rPr>
-                      <m:t> = </m:t>
-                    </m:r>
-                    <m:r>
-                      <a:rPr lang="en-US" i="1" dirty="0" smtClean="0">
-                        <a:latin typeface="Cambria Math" panose="02040503050406030204" pitchFamily="18" charset="0"/>
-                      </a:rPr>
-                      <m:t>𝑦</m:t>
-                    </m:r>
-                    <m:r>
-                      <a:rPr lang="en-US" i="1" dirty="0" smtClean="0">
-                        <a:latin typeface="Cambria Math" panose="02040503050406030204" pitchFamily="18" charset="0"/>
-                      </a:rPr>
-                      <m:t>∗</m:t>
-                    </m:r>
-                    <m:r>
-                      <a:rPr lang="en-US" i="1" dirty="0" smtClean="0">
-                        <a:latin typeface="Cambria Math" panose="02040503050406030204" pitchFamily="18" charset="0"/>
-                      </a:rPr>
-                      <m:t>𝑉</m:t>
-                    </m:r>
-                    <m:r>
-                      <a:rPr lang="en-US" i="1" dirty="0" smtClean="0">
-                        <a:latin typeface="Cambria Math" panose="02040503050406030204" pitchFamily="18" charset="0"/>
-                      </a:rPr>
-                      <m:t>∗</m:t>
-                    </m:r>
-                    <m:r>
-                      <a:rPr lang="en-US" i="1" dirty="0" smtClean="0">
-                        <a:latin typeface="Cambria Math" panose="02040503050406030204" pitchFamily="18" charset="0"/>
-                      </a:rPr>
-                      <m:t>𝐷</m:t>
-                    </m:r>
-                    <m:r>
-                      <a:rPr lang="ru-RU" i="1" dirty="0" smtClean="0">
-                        <a:latin typeface="Cambria Math" panose="02040503050406030204" pitchFamily="18" charset="0"/>
-                      </a:rPr>
-                      <m:t> </m:t>
-                    </m:r>
                   </m:oMath>
                 </a14:m>
+                <a:endParaRPr lang="en-US" dirty="0" smtClean="0"/>
+              </a:p>
+              <a:p>
+                <a:pPr lvl="1"/>
                 <a:r>
                   <a:rPr lang="ru-RU" dirty="0" smtClean="0"/>
-                  <a:t>для любых допустимых </a:t>
+                  <a:t>Примеры таких алгорифмов известны из задач криптографии и задач восстановления искажённых данных (коды исправляющие ошибки)</a:t>
+                </a:r>
+              </a:p>
+              <a:p>
+                <a:pPr marL="342900" lvl="1" indent="-342900"/>
+                <a:r>
+                  <a:rPr lang="ru-RU" dirty="0" smtClean="0"/>
+                  <a:t>А значит любая задача вида </a:t>
                 </a:r>
                 <a14:m>
                   <m:oMath xmlns:m="http://schemas.openxmlformats.org/officeDocument/2006/math">
@@ -7264,18 +8685,41 @@
                       <a:rPr lang="en-US" i="1" dirty="0" smtClean="0">
                         <a:latin typeface="Cambria Math" panose="02040503050406030204" pitchFamily="18" charset="0"/>
                       </a:rPr>
+                      <m:t>𝑦</m:t>
+                    </m:r>
+                    <m:r>
+                      <a:rPr lang="en-US" i="1" dirty="0" smtClean="0">
+                        <a:latin typeface="Cambria Math" panose="02040503050406030204" pitchFamily="18" charset="0"/>
+                      </a:rPr>
+                      <m:t>=</m:t>
+                    </m:r>
+                    <m:r>
+                      <a:rPr lang="en-US" i="1" dirty="0" smtClean="0">
+                        <a:latin typeface="Cambria Math" panose="02040503050406030204" pitchFamily="18" charset="0"/>
+                      </a:rPr>
                       <m:t>𝑥</m:t>
+                    </m:r>
+                    <m:r>
+                      <a:rPr lang="en-US" i="1" dirty="0" smtClean="0">
+                        <a:latin typeface="Cambria Math" panose="02040503050406030204" pitchFamily="18" charset="0"/>
+                      </a:rPr>
+                      <m:t>∗</m:t>
+                    </m:r>
+                    <m:r>
+                      <a:rPr lang="en-US" i="1" dirty="0" smtClean="0">
+                        <a:latin typeface="Cambria Math" panose="02040503050406030204" pitchFamily="18" charset="0"/>
+                      </a:rPr>
+                      <m:t>𝐹</m:t>
                     </m:r>
                   </m:oMath>
                 </a14:m>
                 <a:r>
-                  <a:rPr lang="en-US" dirty="0" smtClean="0"/>
-                  <a:t> </a:t>
-                </a:r>
-                <a:r>
                   <a:rPr lang="ru-RU" dirty="0" smtClean="0"/>
-                  <a:t>и </a:t>
-                </a:r>
+                  <a:t> может быть заменена на задачу вида </a:t>
+                </a:r>
+              </a:p>
+              <a:p>
+                <a:pPr marL="742950" lvl="2" indent="-342900"/>
                 <a14:m>
                   <m:oMath xmlns:m="http://schemas.openxmlformats.org/officeDocument/2006/math">
                     <m:r>
@@ -7284,19 +8728,243 @@
                       </a:rPr>
                       <m:t>𝑦</m:t>
                     </m:r>
+                    <m:r>
+                      <a:rPr lang="en-US" i="1" dirty="0" smtClean="0">
+                        <a:latin typeface="Cambria Math" panose="02040503050406030204" pitchFamily="18" charset="0"/>
+                      </a:rPr>
+                      <m:t>= </m:t>
+                    </m:r>
+                    <m:r>
+                      <a:rPr lang="en-US" i="1" dirty="0" smtClean="0">
+                        <a:latin typeface="Cambria Math" panose="02040503050406030204" pitchFamily="18" charset="0"/>
+                      </a:rPr>
+                      <m:t>𝑥</m:t>
+                    </m:r>
+                    <m:r>
+                      <a:rPr lang="en-US" i="1" dirty="0" smtClean="0">
+                        <a:latin typeface="Cambria Math" panose="02040503050406030204" pitchFamily="18" charset="0"/>
+                      </a:rPr>
+                      <m:t>∗</m:t>
+                    </m:r>
+                    <m:r>
+                      <a:rPr lang="en-US" i="1" dirty="0" smtClean="0">
+                        <a:latin typeface="Cambria Math" panose="02040503050406030204" pitchFamily="18" charset="0"/>
+                      </a:rPr>
+                      <m:t>𝐸</m:t>
+                    </m:r>
+                    <m:r>
+                      <a:rPr lang="en-US" i="1" dirty="0" smtClean="0">
+                        <a:latin typeface="Cambria Math" panose="02040503050406030204" pitchFamily="18" charset="0"/>
+                      </a:rPr>
+                      <m:t>∗</m:t>
+                    </m:r>
+                    <m:r>
+                      <a:rPr lang="en-US" i="1" dirty="0" smtClean="0">
+                        <a:latin typeface="Cambria Math" panose="02040503050406030204" pitchFamily="18" charset="0"/>
+                      </a:rPr>
+                      <m:t>𝑈</m:t>
+                    </m:r>
+                    <m:r>
+                      <a:rPr lang="en-US" i="1" dirty="0" smtClean="0">
+                        <a:latin typeface="Cambria Math" panose="02040503050406030204" pitchFamily="18" charset="0"/>
+                      </a:rPr>
+                      <m:t>∗</m:t>
+                    </m:r>
+                    <m:r>
+                      <a:rPr lang="en-US" i="1" dirty="0" smtClean="0">
+                        <a:latin typeface="Cambria Math" panose="02040503050406030204" pitchFamily="18" charset="0"/>
+                      </a:rPr>
+                      <m:t>𝐹</m:t>
+                    </m:r>
+                    <m:r>
+                      <a:rPr lang="en-US" i="1" dirty="0" smtClean="0">
+                        <a:latin typeface="Cambria Math" panose="02040503050406030204" pitchFamily="18" charset="0"/>
+                      </a:rPr>
+                      <m:t>∗</m:t>
+                    </m:r>
+                    <m:r>
+                      <a:rPr lang="en-US" i="1" dirty="0" smtClean="0">
+                        <a:latin typeface="Cambria Math" panose="02040503050406030204" pitchFamily="18" charset="0"/>
+                      </a:rPr>
+                      <m:t>𝑉</m:t>
+                    </m:r>
+                    <m:r>
+                      <a:rPr lang="en-US" i="1" dirty="0" smtClean="0">
+                        <a:latin typeface="Cambria Math" panose="02040503050406030204" pitchFamily="18" charset="0"/>
+                      </a:rPr>
+                      <m:t>∗</m:t>
+                    </m:r>
+                    <m:r>
+                      <a:rPr lang="en-US" i="1" dirty="0" smtClean="0">
+                        <a:latin typeface="Cambria Math" panose="02040503050406030204" pitchFamily="18" charset="0"/>
+                      </a:rPr>
+                      <m:t>𝐷</m:t>
+                    </m:r>
+                    <m:r>
+                      <a:rPr lang="ru-RU" i="1" dirty="0">
+                        <a:latin typeface="Cambria Math" panose="02040503050406030204" pitchFamily="18" charset="0"/>
+                      </a:rPr>
+                      <m:t> </m:t>
+                    </m:r>
+                    <m:r>
+                      <a:rPr lang="ru-RU" i="1" dirty="0" smtClean="0">
+                        <a:latin typeface="Cambria Math" panose="02040503050406030204" pitchFamily="18" charset="0"/>
+                      </a:rPr>
+                      <m:t>= (</m:t>
+                    </m:r>
+                    <m:r>
+                      <a:rPr lang="en-US" i="1" dirty="0" smtClean="0">
+                        <a:latin typeface="Cambria Math" panose="02040503050406030204" pitchFamily="18" charset="0"/>
+                      </a:rPr>
+                      <m:t>𝑥</m:t>
+                    </m:r>
+                    <m:r>
+                      <a:rPr lang="en-US" i="1" dirty="0" smtClean="0">
+                        <a:latin typeface="Cambria Math" panose="02040503050406030204" pitchFamily="18" charset="0"/>
+                      </a:rPr>
+                      <m:t>∗</m:t>
+                    </m:r>
+                    <m:r>
+                      <a:rPr lang="en-US" i="1" dirty="0" smtClean="0">
+                        <a:latin typeface="Cambria Math" panose="02040503050406030204" pitchFamily="18" charset="0"/>
+                      </a:rPr>
+                      <m:t>𝐸</m:t>
+                    </m:r>
+                    <m:r>
+                      <a:rPr lang="ru-RU" i="1" dirty="0" smtClean="0">
+                        <a:latin typeface="Cambria Math" panose="02040503050406030204" pitchFamily="18" charset="0"/>
+                      </a:rPr>
+                      <m:t>)</m:t>
+                    </m:r>
+                    <m:r>
+                      <a:rPr lang="en-US" i="1" dirty="0" smtClean="0">
+                        <a:latin typeface="Cambria Math" panose="02040503050406030204" pitchFamily="18" charset="0"/>
+                      </a:rPr>
+                      <m:t>∗</m:t>
+                    </m:r>
+                    <m:r>
+                      <a:rPr lang="ru-RU" i="1" dirty="0" smtClean="0">
+                        <a:latin typeface="Cambria Math" panose="02040503050406030204" pitchFamily="18" charset="0"/>
+                      </a:rPr>
+                      <m:t>(</m:t>
+                    </m:r>
+                    <m:r>
+                      <a:rPr lang="en-US" i="1" dirty="0" smtClean="0">
+                        <a:latin typeface="Cambria Math" panose="02040503050406030204" pitchFamily="18" charset="0"/>
+                      </a:rPr>
+                      <m:t>𝑈</m:t>
+                    </m:r>
+                    <m:r>
+                      <a:rPr lang="en-US" i="1" dirty="0" smtClean="0">
+                        <a:latin typeface="Cambria Math" panose="02040503050406030204" pitchFamily="18" charset="0"/>
+                      </a:rPr>
+                      <m:t>∗</m:t>
+                    </m:r>
+                    <m:r>
+                      <a:rPr lang="en-US" i="1" dirty="0" smtClean="0">
+                        <a:latin typeface="Cambria Math" panose="02040503050406030204" pitchFamily="18" charset="0"/>
+                      </a:rPr>
+                      <m:t>𝐹</m:t>
+                    </m:r>
+                    <m:r>
+                      <a:rPr lang="en-US" i="1" dirty="0" smtClean="0">
+                        <a:latin typeface="Cambria Math" panose="02040503050406030204" pitchFamily="18" charset="0"/>
+                      </a:rPr>
+                      <m:t>∗</m:t>
+                    </m:r>
+                    <m:r>
+                      <a:rPr lang="en-US" i="1" dirty="0" smtClean="0">
+                        <a:latin typeface="Cambria Math" panose="02040503050406030204" pitchFamily="18" charset="0"/>
+                      </a:rPr>
+                      <m:t>𝑉</m:t>
+                    </m:r>
+                    <m:r>
+                      <a:rPr lang="ru-RU" i="1" dirty="0" smtClean="0">
+                        <a:latin typeface="Cambria Math" panose="02040503050406030204" pitchFamily="18" charset="0"/>
+                      </a:rPr>
+                      <m:t>)</m:t>
+                    </m:r>
+                    <m:r>
+                      <a:rPr lang="en-US" i="1" dirty="0" smtClean="0">
+                        <a:latin typeface="Cambria Math" panose="02040503050406030204" pitchFamily="18" charset="0"/>
+                      </a:rPr>
+                      <m:t>∗</m:t>
+                    </m:r>
+                    <m:r>
+                      <a:rPr lang="en-US" i="1" dirty="0" smtClean="0">
+                        <a:latin typeface="Cambria Math" panose="02040503050406030204" pitchFamily="18" charset="0"/>
+                      </a:rPr>
+                      <m:t>𝐷</m:t>
+                    </m:r>
+                    <m:r>
+                      <a:rPr lang="ru-RU" i="1" dirty="0" smtClean="0">
+                        <a:latin typeface="Cambria Math" panose="02040503050406030204" pitchFamily="18" charset="0"/>
+                      </a:rPr>
+                      <m:t> = </m:t>
+                    </m:r>
+                    <m:r>
+                      <a:rPr lang="ru-RU" i="1" dirty="0">
+                        <a:latin typeface="Cambria Math" panose="02040503050406030204" pitchFamily="18" charset="0"/>
+                      </a:rPr>
+                      <m:t>(</m:t>
+                    </m:r>
+                    <m:r>
+                      <a:rPr lang="en-US" i="1" dirty="0">
+                        <a:latin typeface="Cambria Math" panose="02040503050406030204" pitchFamily="18" charset="0"/>
+                      </a:rPr>
+                      <m:t>𝑥</m:t>
+                    </m:r>
+                    <m:r>
+                      <a:rPr lang="en-US" i="1" dirty="0">
+                        <a:latin typeface="Cambria Math" panose="02040503050406030204" pitchFamily="18" charset="0"/>
+                      </a:rPr>
+                      <m:t>∗</m:t>
+                    </m:r>
+                    <m:r>
+                      <a:rPr lang="en-US" i="1" dirty="0">
+                        <a:latin typeface="Cambria Math" panose="02040503050406030204" pitchFamily="18" charset="0"/>
+                      </a:rPr>
+                      <m:t>𝐸</m:t>
+                    </m:r>
+                    <m:r>
+                      <a:rPr lang="ru-RU" i="1" dirty="0">
+                        <a:latin typeface="Cambria Math" panose="02040503050406030204" pitchFamily="18" charset="0"/>
+                      </a:rPr>
+                      <m:t>)</m:t>
+                    </m:r>
+                    <m:r>
+                      <a:rPr lang="en-US" i="1" dirty="0" smtClean="0">
+                        <a:latin typeface="Cambria Math" panose="02040503050406030204" pitchFamily="18" charset="0"/>
+                      </a:rPr>
+                      <m:t>∗</m:t>
+                    </m:r>
+                    <m:r>
+                      <a:rPr lang="en-US" i="1" dirty="0" smtClean="0">
+                        <a:latin typeface="Cambria Math" panose="02040503050406030204" pitchFamily="18" charset="0"/>
+                      </a:rPr>
+                      <m:t>𝐺</m:t>
+                    </m:r>
+                    <m:r>
+                      <a:rPr lang="en-US" i="1" dirty="0" smtClean="0">
+                        <a:latin typeface="Cambria Math" panose="02040503050406030204" pitchFamily="18" charset="0"/>
+                      </a:rPr>
+                      <m:t>∗</m:t>
+                    </m:r>
+                    <m:r>
+                      <a:rPr lang="en-US" i="1" dirty="0" smtClean="0">
+                        <a:latin typeface="Cambria Math" panose="02040503050406030204" pitchFamily="18" charset="0"/>
+                      </a:rPr>
+                      <m:t>𝐷</m:t>
+                    </m:r>
                   </m:oMath>
                 </a14:m>
                 <a:r>
+                  <a:rPr lang="en-US" dirty="0" smtClean="0"/>
+                  <a:t>, </a:t>
+                </a:r>
+                <a:r>
                   <a:rPr lang="ru-RU" dirty="0" smtClean="0"/>
-                  <a:t>, и</a:t>
-                </a:r>
-                <a:r>
-                  <a:rPr lang="en-US" dirty="0" smtClean="0"/>
-                  <a:t> </a:t>
-                </a:r>
-                <a:r>
-                  <a:rPr lang="ru-RU" dirty="0" smtClean="0"/>
-                  <a:t>такие, что алгорифмы </a:t>
+                  <a:t>где </a:t>
                 </a:r>
                 <a14:m>
                   <m:oMath xmlns:m="http://schemas.openxmlformats.org/officeDocument/2006/math">
@@ -7304,424 +8972,50 @@
                       <a:rPr lang="en-US" i="1" dirty="0" smtClean="0">
                         <a:latin typeface="Cambria Math" panose="02040503050406030204" pitchFamily="18" charset="0"/>
                       </a:rPr>
-                      <m:t>𝐸</m:t>
+                      <m:t>𝐺</m:t>
+                    </m:r>
+                    <m:r>
+                      <a:rPr lang="en-US" i="1" dirty="0" smtClean="0">
+                        <a:latin typeface="Cambria Math" panose="02040503050406030204" pitchFamily="18" charset="0"/>
+                      </a:rPr>
+                      <m:t>=</m:t>
+                    </m:r>
+                    <m:r>
+                      <a:rPr lang="en-US" i="1" dirty="0" smtClean="0">
+                        <a:latin typeface="Cambria Math" panose="02040503050406030204" pitchFamily="18" charset="0"/>
+                      </a:rPr>
+                      <m:t>𝑈</m:t>
+                    </m:r>
+                    <m:r>
+                      <a:rPr lang="en-US" i="1" dirty="0" smtClean="0">
+                        <a:latin typeface="Cambria Math" panose="02040503050406030204" pitchFamily="18" charset="0"/>
+                      </a:rPr>
+                      <m:t>∗</m:t>
+                    </m:r>
+                    <m:r>
+                      <a:rPr lang="en-US" i="1" dirty="0" smtClean="0">
+                        <a:latin typeface="Cambria Math" panose="02040503050406030204" pitchFamily="18" charset="0"/>
+                      </a:rPr>
+                      <m:t>𝐹</m:t>
+                    </m:r>
+                    <m:r>
+                      <a:rPr lang="en-US" i="1" dirty="0" smtClean="0">
+                        <a:latin typeface="Cambria Math" panose="02040503050406030204" pitchFamily="18" charset="0"/>
+                      </a:rPr>
+                      <m:t>∗</m:t>
+                    </m:r>
+                    <m:r>
+                      <a:rPr lang="en-US" i="1" dirty="0" smtClean="0">
+                        <a:latin typeface="Cambria Math" panose="02040503050406030204" pitchFamily="18" charset="0"/>
+                      </a:rPr>
+                      <m:t>𝑉</m:t>
                     </m:r>
                   </m:oMath>
                 </a14:m>
-                <a:r>
-                  <a:rPr lang="ru-RU" dirty="0" smtClean="0"/>
-                  <a:t> и</a:t>
-                </a:r>
-                <a:r>
-                  <a:rPr lang="en-US" dirty="0" smtClean="0"/>
-                  <a:t> </a:t>
-                </a:r>
-                <a14:m>
-                  <m:oMath xmlns:m="http://schemas.openxmlformats.org/officeDocument/2006/math">
-                    <m:r>
-                      <a:rPr lang="en-US" i="1" dirty="0" smtClean="0">
-                        <a:latin typeface="Cambria Math" panose="02040503050406030204" pitchFamily="18" charset="0"/>
-                      </a:rPr>
-                      <m:t>𝐷</m:t>
-                    </m:r>
-                  </m:oMath>
-                </a14:m>
-                <a:r>
-                  <a:rPr lang="en-US" dirty="0" smtClean="0"/>
-                  <a:t> </a:t>
-                </a:r>
-                <a:r>
-                  <a:rPr lang="ru-RU" dirty="0" smtClean="0"/>
-                  <a:t>не являются слишком затратными для вычисления на локальном вычислителе.</a:t>
-                </a:r>
-              </a:p>
-              <a:p>
-                <a:pPr marL="342900" lvl="2" indent="-342900"/>
-                <a:r>
-                  <a:rPr lang="ru-RU" sz="1800" dirty="0"/>
-                  <a:t>Составим алгорифм </a:t>
-                </a:r>
-                <a14:m>
-                  <m:oMath xmlns:m="http://schemas.openxmlformats.org/officeDocument/2006/math">
-                    <m:r>
-                      <a:rPr lang="en-US" sz="1800" i="1" dirty="0" smtClean="0">
-                        <a:latin typeface="Cambria Math" panose="02040503050406030204" pitchFamily="18" charset="0"/>
-                      </a:rPr>
-                      <m:t>𝐺</m:t>
-                    </m:r>
-                    <m:r>
-                      <a:rPr lang="en-US" sz="1800" i="1" dirty="0" smtClean="0">
-                        <a:latin typeface="Cambria Math" panose="02040503050406030204" pitchFamily="18" charset="0"/>
-                      </a:rPr>
-                      <m:t>=</m:t>
-                    </m:r>
-                    <m:r>
-                      <a:rPr lang="en-US" sz="1800" i="1" dirty="0" smtClean="0">
-                        <a:latin typeface="Cambria Math" panose="02040503050406030204" pitchFamily="18" charset="0"/>
-                      </a:rPr>
-                      <m:t>𝑈</m:t>
-                    </m:r>
-                    <m:r>
-                      <a:rPr lang="en-US" sz="1800" i="1" dirty="0" smtClean="0">
-                        <a:latin typeface="Cambria Math" panose="02040503050406030204" pitchFamily="18" charset="0"/>
-                      </a:rPr>
-                      <m:t>∗</m:t>
-                    </m:r>
-                    <m:r>
-                      <a:rPr lang="en-US" sz="1800" i="1" dirty="0" smtClean="0">
-                        <a:latin typeface="Cambria Math" panose="02040503050406030204" pitchFamily="18" charset="0"/>
-                      </a:rPr>
-                      <m:t>𝐹</m:t>
-                    </m:r>
-                    <m:r>
-                      <a:rPr lang="en-US" sz="1800" i="1" dirty="0" smtClean="0">
-                        <a:latin typeface="Cambria Math" panose="02040503050406030204" pitchFamily="18" charset="0"/>
-                      </a:rPr>
-                      <m:t>∗</m:t>
-                    </m:r>
-                    <m:r>
-                      <a:rPr lang="en-US" sz="1800" i="1" dirty="0" smtClean="0">
-                        <a:latin typeface="Cambria Math" panose="02040503050406030204" pitchFamily="18" charset="0"/>
-                      </a:rPr>
-                      <m:t>𝑉</m:t>
-                    </m:r>
-                  </m:oMath>
-                </a14:m>
-                <a:r>
-                  <a:rPr lang="ru-RU" sz="1800" dirty="0"/>
-                  <a:t> и используя алгорифм </a:t>
-                </a:r>
-                <a:r>
-                  <a:rPr lang="en-US" sz="1800" dirty="0"/>
-                  <a:t>“</a:t>
-                </a:r>
-                <a:r>
-                  <a:rPr lang="ru-RU" sz="1800" dirty="0"/>
-                  <a:t>уменьшения</a:t>
-                </a:r>
-                <a:r>
-                  <a:rPr lang="en-US" sz="1800" dirty="0"/>
-                  <a:t>”</a:t>
-                </a:r>
-                <a:r>
-                  <a:rPr lang="ru-RU" sz="1800" dirty="0"/>
-                  <a:t> количества </a:t>
-                </a:r>
-                <a:r>
-                  <a:rPr lang="ru-RU" sz="1800" dirty="0" smtClean="0"/>
-                  <a:t>вычислений или алгоритм </a:t>
-                </a:r>
-                <a:r>
-                  <a:rPr lang="en-US" sz="1800" dirty="0" smtClean="0"/>
-                  <a:t>“</a:t>
-                </a:r>
-                <a:r>
-                  <a:rPr lang="ru-RU" sz="1800" dirty="0" smtClean="0"/>
-                  <a:t>обфукации</a:t>
-                </a:r>
-                <a:r>
-                  <a:rPr lang="en-US" sz="1800" dirty="0" smtClean="0"/>
-                  <a:t>”</a:t>
-                </a:r>
-                <a:r>
-                  <a:rPr lang="ru-RU" sz="1800" dirty="0" smtClean="0"/>
-                  <a:t> </a:t>
-                </a:r>
-                <a:r>
-                  <a:rPr lang="ru-RU" sz="1800" dirty="0"/>
-                  <a:t>преобразуем его к программе </a:t>
-                </a:r>
-                <a14:m>
-                  <m:oMath xmlns:m="http://schemas.openxmlformats.org/officeDocument/2006/math">
-                    <m:r>
-                      <a:rPr lang="en-US" sz="1800" i="1" dirty="0" smtClean="0">
-                        <a:latin typeface="Cambria Math" panose="02040503050406030204" pitchFamily="18" charset="0"/>
-                      </a:rPr>
-                      <m:t>𝐺</m:t>
-                    </m:r>
-                    <m:r>
-                      <a:rPr lang="en-US" sz="1800" i="1" dirty="0" smtClean="0">
-                        <a:latin typeface="Cambria Math" panose="02040503050406030204" pitchFamily="18" charset="0"/>
-                      </a:rPr>
-                      <m:t>’</m:t>
-                    </m:r>
-                  </m:oMath>
-                </a14:m>
-                <a:r>
-                  <a:rPr lang="ru-RU" sz="1800" dirty="0" smtClean="0"/>
-                  <a:t> используя локальный вычислитель.</a:t>
-                </a:r>
-                <a:endParaRPr lang="en-US" sz="1800" dirty="0" smtClean="0"/>
-              </a:p>
-              <a:p>
-                <a:pPr marL="342900" lvl="2" indent="-342900"/>
-                <a:r>
-                  <a:rPr lang="ru-RU" sz="1800" dirty="0" smtClean="0"/>
-                  <a:t>Вычислим на локальном вычислителе </a:t>
-                </a:r>
-                <a14:m>
-                  <m:oMath xmlns:m="http://schemas.openxmlformats.org/officeDocument/2006/math">
-                    <m:r>
-                      <a:rPr lang="en-US" sz="1800" i="1" dirty="0" smtClean="0">
-                        <a:latin typeface="Cambria Math" panose="02040503050406030204" pitchFamily="18" charset="0"/>
-                      </a:rPr>
-                      <m:t>𝑥</m:t>
-                    </m:r>
-                    <m:r>
-                      <a:rPr lang="en-US" sz="1800" i="1" dirty="0" smtClean="0">
-                        <a:latin typeface="Cambria Math" panose="02040503050406030204" pitchFamily="18" charset="0"/>
-                      </a:rPr>
-                      <m:t>’=</m:t>
-                    </m:r>
-                    <m:r>
-                      <a:rPr lang="en-US" sz="1800" i="1" dirty="0" smtClean="0">
-                        <a:latin typeface="Cambria Math" panose="02040503050406030204" pitchFamily="18" charset="0"/>
-                      </a:rPr>
-                      <m:t>𝑥</m:t>
-                    </m:r>
-                    <m:r>
-                      <a:rPr lang="en-US" sz="1800" i="1" dirty="0" smtClean="0">
-                        <a:latin typeface="Cambria Math" panose="02040503050406030204" pitchFamily="18" charset="0"/>
-                      </a:rPr>
-                      <m:t>∗</m:t>
-                    </m:r>
-                    <m:r>
-                      <a:rPr lang="en-US" sz="1800" i="1" dirty="0" smtClean="0">
-                        <a:latin typeface="Cambria Math" panose="02040503050406030204" pitchFamily="18" charset="0"/>
-                      </a:rPr>
-                      <m:t>𝐸</m:t>
-                    </m:r>
-                  </m:oMath>
-                </a14:m>
-                <a:endParaRPr lang="en-US" sz="1800" dirty="0" smtClean="0"/>
-              </a:p>
-              <a:p>
-                <a:pPr marL="342900" lvl="2" indent="-342900"/>
-                <a:r>
-                  <a:rPr lang="ru-RU" sz="1800" dirty="0" smtClean="0"/>
-                  <a:t>Выполним на внешнем вычислителе задачу </a:t>
-                </a:r>
-                <a14:m>
-                  <m:oMath xmlns:m="http://schemas.openxmlformats.org/officeDocument/2006/math">
-                    <m:r>
-                      <a:rPr lang="en-US" sz="1800" i="1" dirty="0" smtClean="0">
-                        <a:latin typeface="Cambria Math" panose="02040503050406030204" pitchFamily="18" charset="0"/>
-                      </a:rPr>
-                      <m:t>𝑦</m:t>
-                    </m:r>
-                    <m:r>
-                      <a:rPr lang="en-US" sz="1800" i="1" dirty="0" smtClean="0">
-                        <a:latin typeface="Cambria Math" panose="02040503050406030204" pitchFamily="18" charset="0"/>
-                      </a:rPr>
-                      <m:t>’=</m:t>
-                    </m:r>
-                    <m:r>
-                      <a:rPr lang="en-US" sz="1800" i="1" dirty="0" smtClean="0">
-                        <a:latin typeface="Cambria Math" panose="02040503050406030204" pitchFamily="18" charset="0"/>
-                      </a:rPr>
-                      <m:t>𝑥</m:t>
-                    </m:r>
-                    <m:r>
-                      <a:rPr lang="en-US" sz="1800" i="1" dirty="0" smtClean="0">
-                        <a:latin typeface="Cambria Math" panose="02040503050406030204" pitchFamily="18" charset="0"/>
-                      </a:rPr>
-                      <m:t>’∗</m:t>
-                    </m:r>
-                    <m:r>
-                      <a:rPr lang="en-US" sz="1800" i="1" dirty="0" smtClean="0">
-                        <a:latin typeface="Cambria Math" panose="02040503050406030204" pitchFamily="18" charset="0"/>
-                      </a:rPr>
-                      <m:t>𝐺</m:t>
-                    </m:r>
-                    <m:r>
-                      <a:rPr lang="en-US" sz="1800" i="1" dirty="0" smtClean="0">
-                        <a:latin typeface="Cambria Math" panose="02040503050406030204" pitchFamily="18" charset="0"/>
-                      </a:rPr>
-                      <m:t>’</m:t>
-                    </m:r>
-                  </m:oMath>
-                </a14:m>
-                <a:r>
-                  <a:rPr lang="en-US" sz="1800" dirty="0" smtClean="0"/>
-                  <a:t>, </a:t>
-                </a:r>
-                <a:r>
-                  <a:rPr lang="ru-RU" sz="1800" dirty="0" smtClean="0"/>
-                  <a:t>сообщив на внешний вычислитель </a:t>
-                </a:r>
-                <a14:m>
-                  <m:oMath xmlns:m="http://schemas.openxmlformats.org/officeDocument/2006/math">
-                    <m:r>
-                      <a:rPr lang="en-US" sz="1800" i="1" dirty="0" smtClean="0">
-                        <a:latin typeface="Cambria Math" panose="02040503050406030204" pitchFamily="18" charset="0"/>
-                      </a:rPr>
-                      <m:t>𝑥</m:t>
-                    </m:r>
-                    <m:r>
-                      <a:rPr lang="en-US" sz="1800" i="1" dirty="0" smtClean="0">
-                        <a:latin typeface="Cambria Math" panose="02040503050406030204" pitchFamily="18" charset="0"/>
-                      </a:rPr>
-                      <m:t>’</m:t>
-                    </m:r>
-                  </m:oMath>
-                </a14:m>
-                <a:r>
-                  <a:rPr lang="en-US" sz="1800" dirty="0" smtClean="0"/>
-                  <a:t> </a:t>
-                </a:r>
-                <a:r>
-                  <a:rPr lang="ru-RU" sz="1800" dirty="0"/>
-                  <a:t>в качестве исходных </a:t>
-                </a:r>
-                <a:r>
-                  <a:rPr lang="ru-RU" sz="1800" dirty="0" smtClean="0"/>
-                  <a:t>данных</a:t>
-                </a:r>
-                <a:r>
-                  <a:rPr lang="en-US" sz="1800" dirty="0" smtClean="0"/>
-                  <a:t>, </a:t>
-                </a:r>
-                <a:r>
-                  <a:rPr lang="ru-RU" sz="1800" dirty="0" smtClean="0"/>
-                  <a:t>программу </a:t>
-                </a:r>
-                <a14:m>
-                  <m:oMath xmlns:m="http://schemas.openxmlformats.org/officeDocument/2006/math">
-                    <m:r>
-                      <a:rPr lang="en-US" sz="1800" i="1" dirty="0" smtClean="0">
-                        <a:latin typeface="Cambria Math" panose="02040503050406030204" pitchFamily="18" charset="0"/>
-                      </a:rPr>
-                      <m:t>𝐺</m:t>
-                    </m:r>
-                    <m:r>
-                      <a:rPr lang="en-US" sz="1800" i="1" dirty="0" smtClean="0">
-                        <a:latin typeface="Cambria Math" panose="02040503050406030204" pitchFamily="18" charset="0"/>
-                      </a:rPr>
-                      <m:t>’</m:t>
-                    </m:r>
-                  </m:oMath>
-                </a14:m>
-                <a:r>
-                  <a:rPr lang="ru-RU" sz="1800" dirty="0" smtClean="0"/>
-                  <a:t> и получив в ответ значение </a:t>
-                </a:r>
-                <a14:m>
-                  <m:oMath xmlns:m="http://schemas.openxmlformats.org/officeDocument/2006/math">
-                    <m:r>
-                      <a:rPr lang="en-US" sz="1800" i="1" dirty="0" smtClean="0">
-                        <a:latin typeface="Cambria Math" panose="02040503050406030204" pitchFamily="18" charset="0"/>
-                      </a:rPr>
-                      <m:t>𝑦</m:t>
-                    </m:r>
-                    <m:r>
-                      <a:rPr lang="en-US" sz="1800" i="1" dirty="0" smtClean="0">
-                        <a:latin typeface="Cambria Math" panose="02040503050406030204" pitchFamily="18" charset="0"/>
-                      </a:rPr>
-                      <m:t>’</m:t>
-                    </m:r>
-                  </m:oMath>
-                </a14:m>
-                <a:r>
-                  <a:rPr lang="en-US" sz="1800" dirty="0" smtClean="0"/>
-                  <a:t>.</a:t>
-                </a:r>
-              </a:p>
-              <a:p>
-                <a:pPr marL="342900" lvl="2" indent="-342900"/>
-                <a:r>
-                  <a:rPr lang="ru-RU" sz="1800" dirty="0" smtClean="0"/>
-                  <a:t>Вычислим на локальном вычислителе </a:t>
-                </a:r>
-                <a14:m>
-                  <m:oMath xmlns:m="http://schemas.openxmlformats.org/officeDocument/2006/math">
-                    <m:r>
-                      <a:rPr lang="en-US" sz="1800" i="1" dirty="0" smtClean="0">
-                        <a:latin typeface="Cambria Math" panose="02040503050406030204" pitchFamily="18" charset="0"/>
-                      </a:rPr>
-                      <m:t>𝑦</m:t>
-                    </m:r>
-                    <m:r>
-                      <a:rPr lang="en-US" sz="1800" i="1" dirty="0" smtClean="0">
-                        <a:latin typeface="Cambria Math" panose="02040503050406030204" pitchFamily="18" charset="0"/>
-                      </a:rPr>
-                      <m:t>=</m:t>
-                    </m:r>
-                    <m:r>
-                      <a:rPr lang="en-US" sz="1800" i="1" dirty="0" smtClean="0">
-                        <a:latin typeface="Cambria Math" panose="02040503050406030204" pitchFamily="18" charset="0"/>
-                      </a:rPr>
-                      <m:t>𝑦</m:t>
-                    </m:r>
-                    <m:r>
-                      <a:rPr lang="en-US" sz="1800" i="1" dirty="0" smtClean="0">
-                        <a:latin typeface="Cambria Math" panose="02040503050406030204" pitchFamily="18" charset="0"/>
-                      </a:rPr>
-                      <m:t>’∗</m:t>
-                    </m:r>
-                    <m:r>
-                      <a:rPr lang="en-US" sz="1800" i="1" dirty="0" smtClean="0">
-                        <a:latin typeface="Cambria Math" panose="02040503050406030204" pitchFamily="18" charset="0"/>
-                      </a:rPr>
-                      <m:t>𝐷</m:t>
-                    </m:r>
-                  </m:oMath>
-                </a14:m>
-                <a:endParaRPr lang="ru-RU" sz="1800" dirty="0" smtClean="0"/>
-              </a:p>
-              <a:p>
-                <a:pPr marL="342900" lvl="2" indent="-342900"/>
-                <a:r>
-                  <a:rPr lang="ru-RU" sz="1800" dirty="0" smtClean="0"/>
-                  <a:t>Использование алгорифмов </a:t>
-                </a:r>
-                <a14:m>
-                  <m:oMath xmlns:m="http://schemas.openxmlformats.org/officeDocument/2006/math">
-                    <m:r>
-                      <a:rPr lang="en-US" sz="1600" i="1" dirty="0">
-                        <a:latin typeface="Cambria Math" panose="02040503050406030204" pitchFamily="18" charset="0"/>
-                      </a:rPr>
-                      <m:t>𝐸</m:t>
-                    </m:r>
-                  </m:oMath>
-                </a14:m>
-                <a:r>
-                  <a:rPr lang="ru-RU" sz="1600" dirty="0"/>
-                  <a:t> и</a:t>
-                </a:r>
-                <a:r>
-                  <a:rPr lang="en-US" sz="1600" dirty="0"/>
-                  <a:t> </a:t>
-                </a:r>
-                <a14:m>
-                  <m:oMath xmlns:m="http://schemas.openxmlformats.org/officeDocument/2006/math">
-                    <m:r>
-                      <a:rPr lang="en-US" sz="1600" i="1" dirty="0">
-                        <a:latin typeface="Cambria Math" panose="02040503050406030204" pitchFamily="18" charset="0"/>
-                      </a:rPr>
-                      <m:t>𝐷</m:t>
-                    </m:r>
-                  </m:oMath>
-                </a14:m>
-                <a:r>
-                  <a:rPr lang="en-US" sz="1600" dirty="0"/>
-                  <a:t> </a:t>
-                </a:r>
-                <a:r>
-                  <a:rPr lang="ru-RU" sz="1800" dirty="0" smtClean="0"/>
-                  <a:t>,</a:t>
-                </a:r>
-                <a:r>
-                  <a:rPr lang="en-US" sz="1800" dirty="0" smtClean="0"/>
-                  <a:t> </a:t>
-                </a:r>
-                <a:r>
-                  <a:rPr lang="ru-RU" sz="1800" dirty="0" smtClean="0"/>
-                  <a:t>полученных из теорий криптографии и восстановления искажённых данных позволит обеспечить защиту приватных данных переданных на внешний вычислитель или полученных от внешнего вычислителя, а также детектировать факты искажения результатов обработки данных на внешнем вычислителе.</a:t>
-                </a:r>
                 <a:endParaRPr lang="ru-RU" dirty="0"/>
               </a:p>
               <a:p>
-                <a:endParaRPr lang="ru-RU" dirty="0"/>
+                <a:endParaRPr lang="ru-RU" dirty="0" smtClean="0"/>
               </a:p>
             </p:txBody>
           </p:sp>
@@ -7741,7 +9035,7 @@
               <a:blipFill rotWithShape="0">
                 <a:blip r:embed="rId2"/>
                 <a:stretch>
-                  <a:fillRect t="-1413" r="-709"/>
+                  <a:fillRect l="-142" t="-942" r="-142"/>
                 </a:stretch>
               </a:blipFill>
             </p:spPr>
@@ -7763,7 +9057,7 @@
     </p:spTree>
     <p:extLst>
       <p:ext uri="{BB962C8B-B14F-4D97-AF65-F5344CB8AC3E}">
-        <p14:creationId xmlns:p14="http://schemas.microsoft.com/office/powerpoint/2010/main" val="2485078917"/>
+        <p14:creationId xmlns:p14="http://schemas.microsoft.com/office/powerpoint/2010/main" val="446321636"/>
       </p:ext>
     </p:extLst>
   </p:cSld>
@@ -7807,6 +9101,796 @@
           <a:p>
             <a:r>
               <a:rPr lang="ru-RU" dirty="0"/>
+              <a:t>Алгоритм защиты </a:t>
+            </a:r>
+            <a:r>
+              <a:rPr lang="ru-RU" dirty="0" smtClean="0"/>
+              <a:t>вычислений</a:t>
+            </a:r>
+            <a:r>
+              <a:rPr lang="en-US" dirty="0" smtClean="0"/>
+              <a:t> </a:t>
+            </a:r>
+            <a:r>
+              <a:rPr lang="ru-RU" dirty="0" smtClean="0"/>
+              <a:t>на публичном вычислителе</a:t>
+            </a:r>
+            <a:endParaRPr lang="ru-RU" dirty="0"/>
+          </a:p>
+        </p:txBody>
+      </p:sp>
+      <mc:AlternateContent xmlns:mc="http://schemas.openxmlformats.org/markup-compatibility/2006" xmlns:a14="http://schemas.microsoft.com/office/drawing/2010/main">
+        <mc:Choice Requires="a14">
+          <p:sp>
+            <p:nvSpPr>
+              <p:cNvPr id="3" name="Объект 2"/>
+              <p:cNvSpPr>
+                <a:spLocks noGrp="1"/>
+              </p:cNvSpPr>
+              <p:nvPr>
+                <p:ph idx="1"/>
+              </p:nvPr>
+            </p:nvSpPr>
+            <p:spPr/>
+            <p:txBody>
+              <a:bodyPr>
+                <a:normAutofit fontScale="77500" lnSpcReduction="20000"/>
+              </a:bodyPr>
+              <a:lstStyle/>
+              <a:p>
+                <a:r>
+                  <a:rPr lang="ru-RU" dirty="0"/>
+                  <a:t>Пусть требуется выполнить вычисления </a:t>
+                </a:r>
+                <a14:m>
+                  <m:oMath xmlns:m="http://schemas.openxmlformats.org/officeDocument/2006/math">
+                    <m:r>
+                      <a:rPr lang="ru-RU" i="1" dirty="0" smtClean="0">
+                        <a:latin typeface="Cambria Math" panose="02040503050406030204" pitchFamily="18" charset="0"/>
+                      </a:rPr>
+                      <m:t>𝑦</m:t>
+                    </m:r>
+                    <m:r>
+                      <a:rPr lang="ru-RU" i="1" dirty="0" smtClean="0">
+                        <a:latin typeface="Cambria Math" panose="02040503050406030204" pitchFamily="18" charset="0"/>
+                      </a:rPr>
+                      <m:t>=</m:t>
+                    </m:r>
+                    <m:r>
+                      <a:rPr lang="ru-RU" i="1" dirty="0" smtClean="0">
+                        <a:latin typeface="Cambria Math" panose="02040503050406030204" pitchFamily="18" charset="0"/>
+                      </a:rPr>
+                      <m:t>𝑥</m:t>
+                    </m:r>
+                    <m:r>
+                      <a:rPr lang="ru-RU" i="1" dirty="0" smtClean="0">
+                        <a:latin typeface="Cambria Math" panose="02040503050406030204" pitchFamily="18" charset="0"/>
+                      </a:rPr>
+                      <m:t>∗</m:t>
+                    </m:r>
+                    <m:r>
+                      <a:rPr lang="ru-RU" i="1" dirty="0" smtClean="0">
+                        <a:latin typeface="Cambria Math" panose="02040503050406030204" pitchFamily="18" charset="0"/>
+                      </a:rPr>
+                      <m:t>𝐹</m:t>
+                    </m:r>
+                  </m:oMath>
+                </a14:m>
+                <a:r>
+                  <a:rPr lang="ru-RU" dirty="0"/>
+                  <a:t> над исходными данными x по алгорифму </a:t>
+                </a:r>
+                <a14:m>
+                  <m:oMath xmlns:m="http://schemas.openxmlformats.org/officeDocument/2006/math">
+                    <m:r>
+                      <a:rPr lang="ru-RU" i="1" dirty="0" smtClean="0">
+                        <a:latin typeface="Cambria Math" panose="02040503050406030204" pitchFamily="18" charset="0"/>
+                      </a:rPr>
+                      <m:t>𝐹</m:t>
+                    </m:r>
+                  </m:oMath>
+                </a14:m>
+                <a:r>
+                  <a:rPr lang="ru-RU" dirty="0"/>
+                  <a:t> где </a:t>
+                </a:r>
+                <a14:m>
+                  <m:oMath xmlns:m="http://schemas.openxmlformats.org/officeDocument/2006/math">
+                    <m:r>
+                      <a:rPr lang="ru-RU" i="1" dirty="0" smtClean="0">
+                        <a:latin typeface="Cambria Math" panose="02040503050406030204" pitchFamily="18" charset="0"/>
+                      </a:rPr>
+                      <m:t>𝑦</m:t>
+                    </m:r>
+                  </m:oMath>
+                </a14:m>
+                <a:r>
+                  <a:rPr lang="ru-RU" dirty="0"/>
+                  <a:t> – искомые данные</a:t>
+                </a:r>
+                <a:r>
+                  <a:rPr lang="ru-RU" dirty="0" smtClean="0"/>
+                  <a:t>.</a:t>
+                </a:r>
+              </a:p>
+              <a:p>
+                <a:r>
+                  <a:rPr lang="ru-RU" dirty="0" smtClean="0"/>
+                  <a:t>Возьмём произвольные алгорифмы</a:t>
+                </a:r>
+                <a:r>
+                  <a:rPr lang="en-US" dirty="0"/>
+                  <a:t>, </a:t>
+                </a:r>
+                <a:r>
+                  <a:rPr lang="ru-RU" dirty="0"/>
+                  <a:t>обладающие </a:t>
+                </a:r>
+                <a:r>
+                  <a:rPr lang="ru-RU" dirty="0" smtClean="0"/>
+                  <a:t>свойствами </a:t>
+                </a:r>
+                <a14:m>
+                  <m:oMath xmlns:m="http://schemas.openxmlformats.org/officeDocument/2006/math">
+                    <m:r>
+                      <a:rPr lang="en-US" i="1" dirty="0" smtClean="0">
+                        <a:latin typeface="Cambria Math" panose="02040503050406030204" pitchFamily="18" charset="0"/>
+                      </a:rPr>
+                      <m:t>𝑥</m:t>
+                    </m:r>
+                    <m:r>
+                      <a:rPr lang="en-US" i="1" dirty="0" smtClean="0">
+                        <a:latin typeface="Cambria Math" panose="02040503050406030204" pitchFamily="18" charset="0"/>
+                      </a:rPr>
+                      <m:t> = </m:t>
+                    </m:r>
+                    <m:r>
+                      <a:rPr lang="en-US" i="1" dirty="0">
+                        <a:latin typeface="Cambria Math" panose="02040503050406030204" pitchFamily="18" charset="0"/>
+                      </a:rPr>
+                      <m:t>𝑥</m:t>
+                    </m:r>
+                    <m:r>
+                      <a:rPr lang="en-US" i="1" dirty="0">
+                        <a:latin typeface="Cambria Math" panose="02040503050406030204" pitchFamily="18" charset="0"/>
+                      </a:rPr>
+                      <m:t>∗</m:t>
+                    </m:r>
+                    <m:r>
+                      <a:rPr lang="en-US" i="1" dirty="0">
+                        <a:latin typeface="Cambria Math" panose="02040503050406030204" pitchFamily="18" charset="0"/>
+                      </a:rPr>
+                      <m:t>𝐸</m:t>
+                    </m:r>
+                    <m:r>
+                      <a:rPr lang="en-US" i="1" dirty="0">
+                        <a:latin typeface="Cambria Math" panose="02040503050406030204" pitchFamily="18" charset="0"/>
+                      </a:rPr>
+                      <m:t>∗</m:t>
+                    </m:r>
+                    <m:r>
+                      <a:rPr lang="en-US" i="1" dirty="0">
+                        <a:latin typeface="Cambria Math" panose="02040503050406030204" pitchFamily="18" charset="0"/>
+                      </a:rPr>
+                      <m:t>𝑈</m:t>
+                    </m:r>
+                    <m:r>
+                      <a:rPr lang="en-US" i="1" dirty="0">
+                        <a:latin typeface="Cambria Math" panose="02040503050406030204" pitchFamily="18" charset="0"/>
+                      </a:rPr>
+                      <m:t> </m:t>
+                    </m:r>
+                  </m:oMath>
+                </a14:m>
+                <a:r>
+                  <a:rPr lang="ru-RU" dirty="0"/>
+                  <a:t>и </a:t>
+                </a:r>
+                <a14:m>
+                  <m:oMath xmlns:m="http://schemas.openxmlformats.org/officeDocument/2006/math">
+                    <m:r>
+                      <a:rPr lang="en-US" i="1" dirty="0" smtClean="0">
+                        <a:latin typeface="Cambria Math" panose="02040503050406030204" pitchFamily="18" charset="0"/>
+                      </a:rPr>
+                      <m:t>𝑦</m:t>
+                    </m:r>
+                    <m:r>
+                      <a:rPr lang="en-US" i="1" dirty="0" smtClean="0">
+                        <a:latin typeface="Cambria Math" panose="02040503050406030204" pitchFamily="18" charset="0"/>
+                      </a:rPr>
+                      <m:t> = </m:t>
+                    </m:r>
+                    <m:r>
+                      <a:rPr lang="en-US" i="1" dirty="0" smtClean="0">
+                        <a:latin typeface="Cambria Math" panose="02040503050406030204" pitchFamily="18" charset="0"/>
+                      </a:rPr>
+                      <m:t>𝑦</m:t>
+                    </m:r>
+                    <m:r>
+                      <a:rPr lang="en-US" i="1" dirty="0" smtClean="0">
+                        <a:latin typeface="Cambria Math" panose="02040503050406030204" pitchFamily="18" charset="0"/>
+                      </a:rPr>
+                      <m:t>∗</m:t>
+                    </m:r>
+                    <m:r>
+                      <a:rPr lang="en-US" i="1" dirty="0" smtClean="0">
+                        <a:latin typeface="Cambria Math" panose="02040503050406030204" pitchFamily="18" charset="0"/>
+                      </a:rPr>
+                      <m:t>𝑉</m:t>
+                    </m:r>
+                    <m:r>
+                      <a:rPr lang="en-US" i="1" dirty="0" smtClean="0">
+                        <a:latin typeface="Cambria Math" panose="02040503050406030204" pitchFamily="18" charset="0"/>
+                      </a:rPr>
+                      <m:t>∗</m:t>
+                    </m:r>
+                    <m:r>
+                      <a:rPr lang="en-US" i="1" dirty="0" smtClean="0">
+                        <a:latin typeface="Cambria Math" panose="02040503050406030204" pitchFamily="18" charset="0"/>
+                      </a:rPr>
+                      <m:t>𝐷</m:t>
+                    </m:r>
+                    <m:r>
+                      <a:rPr lang="ru-RU" i="1" dirty="0" smtClean="0">
+                        <a:latin typeface="Cambria Math" panose="02040503050406030204" pitchFamily="18" charset="0"/>
+                      </a:rPr>
+                      <m:t> </m:t>
+                    </m:r>
+                  </m:oMath>
+                </a14:m>
+                <a:r>
+                  <a:rPr lang="ru-RU" dirty="0" smtClean="0"/>
+                  <a:t>для любых допустимых </a:t>
+                </a:r>
+                <a14:m>
+                  <m:oMath xmlns:m="http://schemas.openxmlformats.org/officeDocument/2006/math">
+                    <m:r>
+                      <a:rPr lang="en-US" i="1" dirty="0" smtClean="0">
+                        <a:latin typeface="Cambria Math" panose="02040503050406030204" pitchFamily="18" charset="0"/>
+                      </a:rPr>
+                      <m:t>𝑥</m:t>
+                    </m:r>
+                  </m:oMath>
+                </a14:m>
+                <a:r>
+                  <a:rPr lang="en-US" dirty="0" smtClean="0"/>
+                  <a:t> </a:t>
+                </a:r>
+                <a:r>
+                  <a:rPr lang="ru-RU" dirty="0" smtClean="0"/>
+                  <a:t>и </a:t>
+                </a:r>
+                <a14:m>
+                  <m:oMath xmlns:m="http://schemas.openxmlformats.org/officeDocument/2006/math">
+                    <m:r>
+                      <a:rPr lang="en-US" i="1" dirty="0" smtClean="0">
+                        <a:latin typeface="Cambria Math" panose="02040503050406030204" pitchFamily="18" charset="0"/>
+                      </a:rPr>
+                      <m:t>𝑦</m:t>
+                    </m:r>
+                  </m:oMath>
+                </a14:m>
+                <a:r>
+                  <a:rPr lang="ru-RU" dirty="0" smtClean="0"/>
+                  <a:t>, и</a:t>
+                </a:r>
+                <a:r>
+                  <a:rPr lang="en-US" dirty="0" smtClean="0"/>
+                  <a:t> </a:t>
+                </a:r>
+                <a:r>
+                  <a:rPr lang="ru-RU" dirty="0" smtClean="0"/>
+                  <a:t>такие, что алгорифмы </a:t>
+                </a:r>
+                <a14:m>
+                  <m:oMath xmlns:m="http://schemas.openxmlformats.org/officeDocument/2006/math">
+                    <m:r>
+                      <a:rPr lang="en-US" i="1" dirty="0" smtClean="0">
+                        <a:latin typeface="Cambria Math" panose="02040503050406030204" pitchFamily="18" charset="0"/>
+                      </a:rPr>
+                      <m:t>𝐸</m:t>
+                    </m:r>
+                  </m:oMath>
+                </a14:m>
+                <a:r>
+                  <a:rPr lang="ru-RU" dirty="0" smtClean="0"/>
+                  <a:t> и</a:t>
+                </a:r>
+                <a:r>
+                  <a:rPr lang="en-US" dirty="0" smtClean="0"/>
+                  <a:t> </a:t>
+                </a:r>
+                <a14:m>
+                  <m:oMath xmlns:m="http://schemas.openxmlformats.org/officeDocument/2006/math">
+                    <m:r>
+                      <a:rPr lang="en-US" i="1" dirty="0" smtClean="0">
+                        <a:latin typeface="Cambria Math" panose="02040503050406030204" pitchFamily="18" charset="0"/>
+                      </a:rPr>
+                      <m:t>𝐷</m:t>
+                    </m:r>
+                  </m:oMath>
+                </a14:m>
+                <a:r>
+                  <a:rPr lang="en-US" dirty="0" smtClean="0"/>
+                  <a:t> </a:t>
+                </a:r>
+                <a:r>
+                  <a:rPr lang="ru-RU" dirty="0" smtClean="0"/>
+                  <a:t>не являются слишком затратными для вычисления на локальном вычислителе.</a:t>
+                </a:r>
+              </a:p>
+              <a:p>
+                <a:pPr marL="342900" lvl="2" indent="-342900"/>
+                <a:r>
+                  <a:rPr lang="ru-RU" sz="1800" dirty="0"/>
+                  <a:t>Составим алгорифм </a:t>
+                </a:r>
+                <a14:m>
+                  <m:oMath xmlns:m="http://schemas.openxmlformats.org/officeDocument/2006/math">
+                    <m:r>
+                      <a:rPr lang="en-US" sz="1800" i="1" dirty="0" smtClean="0">
+                        <a:latin typeface="Cambria Math" panose="02040503050406030204" pitchFamily="18" charset="0"/>
+                      </a:rPr>
+                      <m:t>𝐺</m:t>
+                    </m:r>
+                    <m:r>
+                      <a:rPr lang="en-US" sz="1800" i="1" dirty="0" smtClean="0">
+                        <a:latin typeface="Cambria Math" panose="02040503050406030204" pitchFamily="18" charset="0"/>
+                      </a:rPr>
+                      <m:t>=</m:t>
+                    </m:r>
+                    <m:r>
+                      <a:rPr lang="en-US" sz="1800" i="1" dirty="0" smtClean="0">
+                        <a:latin typeface="Cambria Math" panose="02040503050406030204" pitchFamily="18" charset="0"/>
+                      </a:rPr>
+                      <m:t>𝑈</m:t>
+                    </m:r>
+                    <m:r>
+                      <a:rPr lang="en-US" sz="1800" i="1" dirty="0" smtClean="0">
+                        <a:latin typeface="Cambria Math" panose="02040503050406030204" pitchFamily="18" charset="0"/>
+                      </a:rPr>
+                      <m:t>∗</m:t>
+                    </m:r>
+                    <m:r>
+                      <a:rPr lang="en-US" sz="1800" i="1" dirty="0" smtClean="0">
+                        <a:latin typeface="Cambria Math" panose="02040503050406030204" pitchFamily="18" charset="0"/>
+                      </a:rPr>
+                      <m:t>𝐹</m:t>
+                    </m:r>
+                    <m:r>
+                      <a:rPr lang="en-US" sz="1800" i="1" dirty="0" smtClean="0">
+                        <a:latin typeface="Cambria Math" panose="02040503050406030204" pitchFamily="18" charset="0"/>
+                      </a:rPr>
+                      <m:t>∗</m:t>
+                    </m:r>
+                    <m:r>
+                      <a:rPr lang="en-US" sz="1800" i="1" dirty="0" smtClean="0">
+                        <a:latin typeface="Cambria Math" panose="02040503050406030204" pitchFamily="18" charset="0"/>
+                      </a:rPr>
+                      <m:t>𝑉</m:t>
+                    </m:r>
+                  </m:oMath>
+                </a14:m>
+                <a:r>
+                  <a:rPr lang="ru-RU" sz="1800" dirty="0"/>
+                  <a:t> и используя алгорифм </a:t>
+                </a:r>
+                <a:r>
+                  <a:rPr lang="en-US" sz="1800" dirty="0"/>
+                  <a:t>“</a:t>
+                </a:r>
+                <a:r>
+                  <a:rPr lang="ru-RU" sz="1800" dirty="0"/>
+                  <a:t>уменьшения</a:t>
+                </a:r>
+                <a:r>
+                  <a:rPr lang="en-US" sz="1800" dirty="0"/>
+                  <a:t>”</a:t>
+                </a:r>
+                <a:r>
+                  <a:rPr lang="ru-RU" sz="1800" dirty="0"/>
+                  <a:t> количества </a:t>
+                </a:r>
+                <a:r>
+                  <a:rPr lang="ru-RU" sz="1800" dirty="0" smtClean="0"/>
+                  <a:t>вычислений или алгоритм </a:t>
+                </a:r>
+                <a:r>
+                  <a:rPr lang="en-US" sz="1800" dirty="0" smtClean="0"/>
+                  <a:t>“</a:t>
+                </a:r>
+                <a:r>
+                  <a:rPr lang="ru-RU" sz="1800" dirty="0" smtClean="0"/>
+                  <a:t>обфукации</a:t>
+                </a:r>
+                <a:r>
+                  <a:rPr lang="en-US" sz="1800" dirty="0" smtClean="0"/>
+                  <a:t>”</a:t>
+                </a:r>
+                <a:r>
+                  <a:rPr lang="ru-RU" sz="1800" dirty="0" smtClean="0"/>
+                  <a:t> </a:t>
+                </a:r>
+                <a:r>
+                  <a:rPr lang="ru-RU" sz="1800" dirty="0"/>
+                  <a:t>преобразуем его к программе </a:t>
+                </a:r>
+                <a14:m>
+                  <m:oMath xmlns:m="http://schemas.openxmlformats.org/officeDocument/2006/math">
+                    <m:r>
+                      <a:rPr lang="en-US" sz="1800" i="1" dirty="0" smtClean="0">
+                        <a:latin typeface="Cambria Math" panose="02040503050406030204" pitchFamily="18" charset="0"/>
+                      </a:rPr>
+                      <m:t>𝐺</m:t>
+                    </m:r>
+                    <m:r>
+                      <a:rPr lang="en-US" sz="1800" i="1" dirty="0" smtClean="0">
+                        <a:latin typeface="Cambria Math" panose="02040503050406030204" pitchFamily="18" charset="0"/>
+                      </a:rPr>
+                      <m:t>’</m:t>
+                    </m:r>
+                  </m:oMath>
+                </a14:m>
+                <a:r>
+                  <a:rPr lang="ru-RU" sz="1800" dirty="0" smtClean="0"/>
+                  <a:t> используя локальный вычислитель.</a:t>
+                </a:r>
+                <a:endParaRPr lang="en-US" sz="1800" dirty="0" smtClean="0"/>
+              </a:p>
+              <a:p>
+                <a:pPr marL="342900" lvl="2" indent="-342900"/>
+                <a:r>
+                  <a:rPr lang="ru-RU" sz="1800" dirty="0" smtClean="0"/>
+                  <a:t>Вычислим на локальном вычислителе </a:t>
+                </a:r>
+                <a14:m>
+                  <m:oMath xmlns:m="http://schemas.openxmlformats.org/officeDocument/2006/math">
+                    <m:r>
+                      <a:rPr lang="en-US" sz="1800" i="1" dirty="0" smtClean="0">
+                        <a:latin typeface="Cambria Math" panose="02040503050406030204" pitchFamily="18" charset="0"/>
+                      </a:rPr>
+                      <m:t>𝑥</m:t>
+                    </m:r>
+                    <m:r>
+                      <a:rPr lang="en-US" sz="1800" i="1" dirty="0" smtClean="0">
+                        <a:latin typeface="Cambria Math" panose="02040503050406030204" pitchFamily="18" charset="0"/>
+                      </a:rPr>
+                      <m:t>’=</m:t>
+                    </m:r>
+                    <m:r>
+                      <a:rPr lang="en-US" sz="1800" i="1" dirty="0" smtClean="0">
+                        <a:latin typeface="Cambria Math" panose="02040503050406030204" pitchFamily="18" charset="0"/>
+                      </a:rPr>
+                      <m:t>𝑥</m:t>
+                    </m:r>
+                    <m:r>
+                      <a:rPr lang="en-US" sz="1800" i="1" dirty="0" smtClean="0">
+                        <a:latin typeface="Cambria Math" panose="02040503050406030204" pitchFamily="18" charset="0"/>
+                      </a:rPr>
+                      <m:t>∗</m:t>
+                    </m:r>
+                    <m:r>
+                      <a:rPr lang="en-US" sz="1800" i="1" dirty="0" smtClean="0">
+                        <a:latin typeface="Cambria Math" panose="02040503050406030204" pitchFamily="18" charset="0"/>
+                      </a:rPr>
+                      <m:t>𝐸</m:t>
+                    </m:r>
+                  </m:oMath>
+                </a14:m>
+                <a:endParaRPr lang="en-US" sz="1800" dirty="0" smtClean="0"/>
+              </a:p>
+              <a:p>
+                <a:pPr marL="342900" lvl="2" indent="-342900"/>
+                <a:r>
+                  <a:rPr lang="ru-RU" sz="1800" dirty="0" smtClean="0"/>
+                  <a:t>Выполним на внешнем вычислителе задачу </a:t>
+                </a:r>
+                <a14:m>
+                  <m:oMath xmlns:m="http://schemas.openxmlformats.org/officeDocument/2006/math">
+                    <m:r>
+                      <a:rPr lang="en-US" sz="1800" i="1" dirty="0" smtClean="0">
+                        <a:latin typeface="Cambria Math" panose="02040503050406030204" pitchFamily="18" charset="0"/>
+                      </a:rPr>
+                      <m:t>𝑦</m:t>
+                    </m:r>
+                    <m:r>
+                      <a:rPr lang="en-US" sz="1800" i="1" dirty="0" smtClean="0">
+                        <a:latin typeface="Cambria Math" panose="02040503050406030204" pitchFamily="18" charset="0"/>
+                      </a:rPr>
+                      <m:t>’=</m:t>
+                    </m:r>
+                    <m:r>
+                      <a:rPr lang="en-US" sz="1800" i="1" dirty="0" smtClean="0">
+                        <a:latin typeface="Cambria Math" panose="02040503050406030204" pitchFamily="18" charset="0"/>
+                      </a:rPr>
+                      <m:t>𝑥</m:t>
+                    </m:r>
+                    <m:r>
+                      <a:rPr lang="en-US" sz="1800" i="1" dirty="0" smtClean="0">
+                        <a:latin typeface="Cambria Math" panose="02040503050406030204" pitchFamily="18" charset="0"/>
+                      </a:rPr>
+                      <m:t>’∗</m:t>
+                    </m:r>
+                    <m:r>
+                      <a:rPr lang="en-US" sz="1800" i="1" dirty="0" smtClean="0">
+                        <a:latin typeface="Cambria Math" panose="02040503050406030204" pitchFamily="18" charset="0"/>
+                      </a:rPr>
+                      <m:t>𝐺</m:t>
+                    </m:r>
+                    <m:r>
+                      <a:rPr lang="en-US" sz="1800" i="1" dirty="0" smtClean="0">
+                        <a:latin typeface="Cambria Math" panose="02040503050406030204" pitchFamily="18" charset="0"/>
+                      </a:rPr>
+                      <m:t>’</m:t>
+                    </m:r>
+                  </m:oMath>
+                </a14:m>
+                <a:r>
+                  <a:rPr lang="en-US" sz="1800" dirty="0" smtClean="0"/>
+                  <a:t>, </a:t>
+                </a:r>
+                <a:r>
+                  <a:rPr lang="ru-RU" sz="1800" dirty="0" smtClean="0"/>
+                  <a:t>сообщив на внешний вычислитель </a:t>
+                </a:r>
+                <a14:m>
+                  <m:oMath xmlns:m="http://schemas.openxmlformats.org/officeDocument/2006/math">
+                    <m:r>
+                      <a:rPr lang="en-US" sz="1800" i="1" dirty="0" smtClean="0">
+                        <a:latin typeface="Cambria Math" panose="02040503050406030204" pitchFamily="18" charset="0"/>
+                      </a:rPr>
+                      <m:t>𝑥</m:t>
+                    </m:r>
+                    <m:r>
+                      <a:rPr lang="en-US" sz="1800" i="1" dirty="0" smtClean="0">
+                        <a:latin typeface="Cambria Math" panose="02040503050406030204" pitchFamily="18" charset="0"/>
+                      </a:rPr>
+                      <m:t>’</m:t>
+                    </m:r>
+                  </m:oMath>
+                </a14:m>
+                <a:r>
+                  <a:rPr lang="en-US" sz="1800" dirty="0" smtClean="0"/>
+                  <a:t> </a:t>
+                </a:r>
+                <a:r>
+                  <a:rPr lang="ru-RU" sz="1800" dirty="0"/>
+                  <a:t>в качестве исходных </a:t>
+                </a:r>
+                <a:r>
+                  <a:rPr lang="ru-RU" sz="1800" dirty="0" smtClean="0"/>
+                  <a:t>данных</a:t>
+                </a:r>
+                <a:r>
+                  <a:rPr lang="en-US" sz="1800" dirty="0" smtClean="0"/>
+                  <a:t>, </a:t>
+                </a:r>
+                <a:r>
+                  <a:rPr lang="ru-RU" sz="1800" dirty="0" smtClean="0"/>
+                  <a:t>программу </a:t>
+                </a:r>
+                <a14:m>
+                  <m:oMath xmlns:m="http://schemas.openxmlformats.org/officeDocument/2006/math">
+                    <m:r>
+                      <a:rPr lang="en-US" sz="1800" i="1" dirty="0" smtClean="0">
+                        <a:latin typeface="Cambria Math" panose="02040503050406030204" pitchFamily="18" charset="0"/>
+                      </a:rPr>
+                      <m:t>𝐺</m:t>
+                    </m:r>
+                    <m:r>
+                      <a:rPr lang="en-US" sz="1800" i="1" dirty="0" smtClean="0">
+                        <a:latin typeface="Cambria Math" panose="02040503050406030204" pitchFamily="18" charset="0"/>
+                      </a:rPr>
+                      <m:t>’</m:t>
+                    </m:r>
+                  </m:oMath>
+                </a14:m>
+                <a:r>
+                  <a:rPr lang="ru-RU" sz="1800" dirty="0" smtClean="0"/>
+                  <a:t> и получив в ответ значение </a:t>
+                </a:r>
+                <a14:m>
+                  <m:oMath xmlns:m="http://schemas.openxmlformats.org/officeDocument/2006/math">
+                    <m:r>
+                      <a:rPr lang="en-US" sz="1800" i="1" dirty="0" smtClean="0">
+                        <a:latin typeface="Cambria Math" panose="02040503050406030204" pitchFamily="18" charset="0"/>
+                      </a:rPr>
+                      <m:t>𝑦</m:t>
+                    </m:r>
+                    <m:r>
+                      <a:rPr lang="en-US" sz="1800" i="1" dirty="0" smtClean="0">
+                        <a:latin typeface="Cambria Math" panose="02040503050406030204" pitchFamily="18" charset="0"/>
+                      </a:rPr>
+                      <m:t>’</m:t>
+                    </m:r>
+                  </m:oMath>
+                </a14:m>
+                <a:r>
+                  <a:rPr lang="en-US" sz="1800" dirty="0" smtClean="0"/>
+                  <a:t>.</a:t>
+                </a:r>
+              </a:p>
+              <a:p>
+                <a:pPr marL="342900" lvl="2" indent="-342900"/>
+                <a:r>
+                  <a:rPr lang="ru-RU" sz="1800" dirty="0" smtClean="0"/>
+                  <a:t>Вычислим на локальном вычислителе </a:t>
+                </a:r>
+                <a14:m>
+                  <m:oMath xmlns:m="http://schemas.openxmlformats.org/officeDocument/2006/math">
+                    <m:r>
+                      <a:rPr lang="en-US" sz="1800" i="1" dirty="0" smtClean="0">
+                        <a:latin typeface="Cambria Math" panose="02040503050406030204" pitchFamily="18" charset="0"/>
+                      </a:rPr>
+                      <m:t>𝑦</m:t>
+                    </m:r>
+                    <m:r>
+                      <a:rPr lang="en-US" sz="1800" i="1" dirty="0" smtClean="0">
+                        <a:latin typeface="Cambria Math" panose="02040503050406030204" pitchFamily="18" charset="0"/>
+                      </a:rPr>
+                      <m:t>=</m:t>
+                    </m:r>
+                    <m:r>
+                      <a:rPr lang="en-US" sz="1800" i="1" dirty="0" smtClean="0">
+                        <a:latin typeface="Cambria Math" panose="02040503050406030204" pitchFamily="18" charset="0"/>
+                      </a:rPr>
+                      <m:t>𝑦</m:t>
+                    </m:r>
+                    <m:r>
+                      <a:rPr lang="en-US" sz="1800" i="1" dirty="0" smtClean="0">
+                        <a:latin typeface="Cambria Math" panose="02040503050406030204" pitchFamily="18" charset="0"/>
+                      </a:rPr>
+                      <m:t>’∗</m:t>
+                    </m:r>
+                    <m:r>
+                      <a:rPr lang="en-US" sz="1800" i="1" dirty="0" smtClean="0">
+                        <a:latin typeface="Cambria Math" panose="02040503050406030204" pitchFamily="18" charset="0"/>
+                      </a:rPr>
+                      <m:t>𝐷</m:t>
+                    </m:r>
+                  </m:oMath>
+                </a14:m>
+                <a:endParaRPr lang="ru-RU" sz="1800" dirty="0" smtClean="0"/>
+              </a:p>
+              <a:p>
+                <a:pPr marL="342900" lvl="2" indent="-342900"/>
+                <a:r>
+                  <a:rPr lang="ru-RU" sz="1800" dirty="0" smtClean="0"/>
+                  <a:t>Использование алгорифмов </a:t>
+                </a:r>
+                <a14:m>
+                  <m:oMath xmlns:m="http://schemas.openxmlformats.org/officeDocument/2006/math">
+                    <m:r>
+                      <a:rPr lang="en-US" sz="1600" i="1" dirty="0">
+                        <a:latin typeface="Cambria Math" panose="02040503050406030204" pitchFamily="18" charset="0"/>
+                      </a:rPr>
+                      <m:t>𝐸</m:t>
+                    </m:r>
+                  </m:oMath>
+                </a14:m>
+                <a:r>
+                  <a:rPr lang="ru-RU" sz="1600" dirty="0"/>
+                  <a:t> и</a:t>
+                </a:r>
+                <a:r>
+                  <a:rPr lang="en-US" sz="1600" dirty="0"/>
+                  <a:t> </a:t>
+                </a:r>
+                <a14:m>
+                  <m:oMath xmlns:m="http://schemas.openxmlformats.org/officeDocument/2006/math">
+                    <m:r>
+                      <a:rPr lang="en-US" sz="1600" i="1" dirty="0">
+                        <a:latin typeface="Cambria Math" panose="02040503050406030204" pitchFamily="18" charset="0"/>
+                      </a:rPr>
+                      <m:t>𝐷</m:t>
+                    </m:r>
+                  </m:oMath>
+                </a14:m>
+                <a:r>
+                  <a:rPr lang="en-US" sz="1600" dirty="0"/>
+                  <a:t> </a:t>
+                </a:r>
+                <a:r>
+                  <a:rPr lang="ru-RU" sz="1800" dirty="0" smtClean="0"/>
+                  <a:t>,</a:t>
+                </a:r>
+                <a:r>
+                  <a:rPr lang="en-US" sz="1800" dirty="0" smtClean="0"/>
+                  <a:t> </a:t>
+                </a:r>
+                <a:r>
+                  <a:rPr lang="ru-RU" sz="1800" dirty="0" smtClean="0"/>
+                  <a:t>полученных из теорий криптографии и восстановления искажённых данных позволит обеспечить защиту приватных данных переданных на внешний вычислитель или полученных от внешнего вычислителя, а также детектировать факты искажения результатов обработки данных на внешнем вычислителе.</a:t>
+                </a:r>
+                <a:endParaRPr lang="ru-RU" dirty="0"/>
+              </a:p>
+              <a:p>
+                <a:endParaRPr lang="ru-RU" dirty="0"/>
+              </a:p>
+            </p:txBody>
+          </p:sp>
+        </mc:Choice>
+        <mc:Fallback xmlns="">
+          <p:sp>
+            <p:nvSpPr>
+              <p:cNvPr id="3" name="Объект 2"/>
+              <p:cNvSpPr>
+                <a:spLocks noGrp="1" noRot="1" noChangeAspect="1" noMove="1" noResize="1" noEditPoints="1" noAdjustHandles="1" noChangeArrowheads="1" noChangeShapeType="1" noTextEdit="1"/>
+              </p:cNvSpPr>
+              <p:nvPr>
+                <p:ph idx="1"/>
+              </p:nvPr>
+            </p:nvSpPr>
+            <p:spPr>
+              <a:blipFill rotWithShape="0">
+                <a:blip r:embed="rId2"/>
+                <a:stretch>
+                  <a:fillRect t="-1413" r="-709"/>
+                </a:stretch>
+              </a:blipFill>
+            </p:spPr>
+            <p:txBody>
+              <a:bodyPr/>
+              <a:lstStyle/>
+              <a:p>
+                <a:r>
+                  <a:rPr lang="ru-RU">
+                    <a:noFill/>
+                  </a:rPr>
+                  <a:t> </a:t>
+                </a:r>
+              </a:p>
+            </p:txBody>
+          </p:sp>
+        </mc:Fallback>
+      </mc:AlternateContent>
+    </p:spTree>
+    <p:extLst>
+      <p:ext uri="{BB962C8B-B14F-4D97-AF65-F5344CB8AC3E}">
+        <p14:creationId xmlns:p14="http://schemas.microsoft.com/office/powerpoint/2010/main" val="2485078917"/>
+      </p:ext>
+    </p:extLst>
+  </p:cSld>
+  <p:clrMapOvr>
+    <a:masterClrMapping/>
+  </p:clrMapOvr>
+</p:sld>
+</file>
+
+<file path=ppt/slides/slide14.xml><?xml version="1.0" encoding="utf-8"?>
+<p:sld xmlns:a="http://schemas.openxmlformats.org/drawingml/2006/main" xmlns:r="http://schemas.openxmlformats.org/officeDocument/2006/relationships" xmlns:p="http://schemas.openxmlformats.org/presentationml/2006/main">
+  <p:cSld>
+    <p:spTree>
+      <p:nvGrpSpPr>
+        <p:cNvPr id="1" name=""/>
+        <p:cNvGrpSpPr/>
+        <p:nvPr/>
+      </p:nvGrpSpPr>
+      <p:grpSpPr>
+        <a:xfrm>
+          <a:off x="0" y="0"/>
+          <a:ext cx="0" cy="0"/>
+          <a:chOff x="0" y="0"/>
+          <a:chExt cx="0" cy="0"/>
+        </a:xfrm>
+      </p:grpSpPr>
+      <p:sp>
+        <p:nvSpPr>
+          <p:cNvPr id="2" name="Заголовок 1"/>
+          <p:cNvSpPr>
+            <a:spLocks noGrp="1"/>
+          </p:cNvSpPr>
+          <p:nvPr>
+            <p:ph type="title"/>
+          </p:nvPr>
+        </p:nvSpPr>
+        <p:spPr/>
+        <p:txBody>
+          <a:bodyPr/>
+          <a:lstStyle/>
+          <a:p>
+            <a:r>
+              <a:rPr lang="ru-RU" dirty="0"/>
               <a:t>Литература</a:t>
             </a:r>
           </a:p>
@@ -8053,7 +10137,7 @@
 </p:sld>
 </file>
 
-<file path=ppt/slides/slide14.xml><?xml version="1.0" encoding="utf-8"?>
+<file path=ppt/slides/slide15.xml><?xml version="1.0" encoding="utf-8"?>
 <p:sld xmlns:a="http://schemas.openxmlformats.org/drawingml/2006/main" xmlns:r="http://schemas.openxmlformats.org/officeDocument/2006/relationships" xmlns:p="http://schemas.openxmlformats.org/presentationml/2006/main">
   <p:cSld>
     <p:spTree>
